--- a/presentation_files/DemoPresentation.pptx
+++ b/presentation_files/DemoPresentation.pptx
@@ -5621,6 +5621,35 @@
           </a:p>
         </p:txBody>
       </p:sp>
+      <p:sp>
+        <p:nvSpPr>
+          <p:cNvPr id="5" name="Rectangle 4"/>
+          <p:cNvSpPr/>
+          <p:nvPr/>
+        </p:nvSpPr>
+        <p:spPr>
+          <a:xfrm>
+            <a:off x="958272" y="3232942"/>
+            <a:ext cx="4572000" cy="646331"/>
+          </a:xfrm>
+          <a:prstGeom prst="rect">
+            <a:avLst/>
+          </a:prstGeom>
+        </p:spPr>
+        <p:txBody>
+          <a:bodyPr>
+            <a:spAutoFit/>
+          </a:bodyPr>
+          <a:lstStyle/>
+          <a:p>
+            <a:r>
+              <a:rPr lang="en-US" dirty="0" smtClean="0"/>
+              <a:t>Smartphone by Martin Jordan from the Noun Project</a:t>
+            </a:r>
+            <a:endParaRPr lang="en-US" dirty="0"/>
+          </a:p>
+        </p:txBody>
+      </p:sp>
     </p:spTree>
   </p:cSld>
   <p:clrMapOvr>

--- a/presentation_files/DemoPresentation.pptx
+++ b/presentation_files/DemoPresentation.pptx
@@ -9,8 +9,11 @@
     <p:sldId id="259" r:id="rId3"/>
     <p:sldId id="258" r:id="rId4"/>
     <p:sldId id="261" r:id="rId5"/>
-    <p:sldId id="256" r:id="rId6"/>
-    <p:sldId id="260" r:id="rId7"/>
+    <p:sldId id="264" r:id="rId6"/>
+    <p:sldId id="256" r:id="rId7"/>
+    <p:sldId id="262" r:id="rId8"/>
+    <p:sldId id="265" r:id="rId9"/>
+    <p:sldId id="260" r:id="rId10"/>
   </p:sldIdLst>
   <p:sldSz cx="9144000" cy="6858000" type="screen4x3"/>
   <p:notesSz cx="6858000" cy="9144000"/>
@@ -3072,14 +3075,14 @@
         </p:nvSpPr>
         <p:spPr>
           <a:xfrm>
-            <a:off x="1777996" y="1533240"/>
+            <a:off x="1777996" y="1228440"/>
             <a:ext cx="660400" cy="4167193"/>
           </a:xfrm>
           <a:prstGeom prst="rect">
             <a:avLst/>
           </a:prstGeom>
           <a:solidFill>
-            <a:schemeClr val="accent3"/>
+            <a:srgbClr val="008000"/>
           </a:solidFill>
           <a:ln>
             <a:noFill/>
@@ -3120,14 +3123,14 @@
         </p:nvSpPr>
         <p:spPr>
           <a:xfrm>
-            <a:off x="3471321" y="1888839"/>
+            <a:off x="3471321" y="1584039"/>
             <a:ext cx="660400" cy="3811593"/>
           </a:xfrm>
           <a:prstGeom prst="rect">
             <a:avLst/>
           </a:prstGeom>
           <a:solidFill>
-            <a:schemeClr val="accent3"/>
+            <a:srgbClr val="008000"/>
           </a:solidFill>
           <a:ln>
             <a:noFill/>
@@ -3168,14 +3171,14 @@
         </p:nvSpPr>
         <p:spPr>
           <a:xfrm>
-            <a:off x="5063046" y="2972575"/>
+            <a:off x="5063046" y="2667775"/>
             <a:ext cx="660400" cy="2727858"/>
           </a:xfrm>
           <a:prstGeom prst="rect">
             <a:avLst/>
           </a:prstGeom>
           <a:solidFill>
-            <a:schemeClr val="accent3"/>
+            <a:srgbClr val="008000"/>
           </a:solidFill>
           <a:ln>
             <a:noFill/>
@@ -3216,14 +3219,14 @@
         </p:nvSpPr>
         <p:spPr>
           <a:xfrm>
-            <a:off x="6468513" y="3362039"/>
+            <a:off x="6468513" y="3057239"/>
             <a:ext cx="660400" cy="2338393"/>
           </a:xfrm>
           <a:prstGeom prst="rect">
             <a:avLst/>
           </a:prstGeom>
           <a:solidFill>
-            <a:schemeClr val="accent3"/>
+            <a:srgbClr val="008000"/>
           </a:solidFill>
           <a:ln>
             <a:noFill/>
@@ -3264,8 +3267,8 @@
         </p:nvSpPr>
         <p:spPr>
           <a:xfrm>
-            <a:off x="1422398" y="5808444"/>
-            <a:ext cx="1303866" cy="923330"/>
+            <a:off x="1422398" y="5503644"/>
+            <a:ext cx="1303866" cy="830997"/>
           </a:xfrm>
           <a:prstGeom prst="rect">
             <a:avLst/>
@@ -3280,7 +3283,7 @@
           <a:p>
             <a:pPr algn="ctr"/>
             <a:r>
-              <a:rPr lang="en-US" dirty="0" smtClean="0">
+              <a:rPr lang="en-US" sz="1600" dirty="0" smtClean="0">
                 <a:latin typeface="Avenir Book"/>
                 <a:cs typeface="Avenir Book"/>
               </a:rPr>
@@ -3297,8 +3300,8 @@
         </p:nvSpPr>
         <p:spPr>
           <a:xfrm>
-            <a:off x="2963331" y="5808444"/>
-            <a:ext cx="1625598" cy="923330"/>
+            <a:off x="2963331" y="5503644"/>
+            <a:ext cx="1625598" cy="830997"/>
           </a:xfrm>
           <a:prstGeom prst="rect">
             <a:avLst/>
@@ -3313,7 +3316,7 @@
           <a:p>
             <a:pPr algn="ctr"/>
             <a:r>
-              <a:rPr lang="en-US" dirty="0" smtClean="0">
+              <a:rPr lang="en-US" sz="1600" dirty="0" smtClean="0">
                 <a:latin typeface="Avenir Book"/>
                 <a:cs typeface="Avenir Book"/>
               </a:rPr>
@@ -3323,7 +3326,7 @@
           <a:p>
             <a:pPr algn="ctr"/>
             <a:r>
-              <a:rPr lang="en-US" dirty="0" smtClean="0">
+              <a:rPr lang="en-US" sz="1600" dirty="0" smtClean="0">
                 <a:latin typeface="Avenir Book"/>
                 <a:cs typeface="Avenir Book"/>
               </a:rPr>
@@ -3333,7 +3336,7 @@
           <a:p>
             <a:pPr algn="ctr"/>
             <a:r>
-              <a:rPr lang="en-US" dirty="0" smtClean="0">
+              <a:rPr lang="en-US" sz="1600" dirty="0" smtClean="0">
                 <a:latin typeface="Avenir Book"/>
                 <a:cs typeface="Avenir Book"/>
               </a:rPr>
@@ -3350,8 +3353,8 @@
         </p:nvSpPr>
         <p:spPr>
           <a:xfrm>
-            <a:off x="4470398" y="5808444"/>
-            <a:ext cx="1625598" cy="923330"/>
+            <a:off x="4470398" y="5503644"/>
+            <a:ext cx="1625598" cy="830997"/>
           </a:xfrm>
           <a:prstGeom prst="rect">
             <a:avLst/>
@@ -3366,7 +3369,7 @@
           <a:p>
             <a:pPr algn="ctr"/>
             <a:r>
-              <a:rPr lang="en-US" dirty="0" smtClean="0">
+              <a:rPr lang="en-US" sz="1600" dirty="0" smtClean="0">
                 <a:latin typeface="Avenir Book"/>
                 <a:cs typeface="Avenir Book"/>
               </a:rPr>
@@ -3376,7 +3379,7 @@
           <a:p>
             <a:pPr algn="ctr"/>
             <a:r>
-              <a:rPr lang="en-US" dirty="0" smtClean="0">
+              <a:rPr lang="en-US" sz="1600" dirty="0" smtClean="0">
                 <a:latin typeface="Avenir Book"/>
                 <a:cs typeface="Avenir Book"/>
               </a:rPr>
@@ -3386,7 +3389,7 @@
           <a:p>
             <a:pPr algn="ctr"/>
             <a:r>
-              <a:rPr lang="en-US" dirty="0" smtClean="0">
+              <a:rPr lang="en-US" sz="1600" dirty="0" smtClean="0">
                 <a:latin typeface="Avenir Book"/>
                 <a:cs typeface="Avenir Book"/>
               </a:rPr>
@@ -3403,8 +3406,8 @@
         </p:nvSpPr>
         <p:spPr>
           <a:xfrm>
-            <a:off x="6028264" y="5808444"/>
-            <a:ext cx="1625598" cy="923330"/>
+            <a:off x="6028264" y="5503644"/>
+            <a:ext cx="1625598" cy="584776"/>
           </a:xfrm>
           <a:prstGeom prst="rect">
             <a:avLst/>
@@ -3419,7 +3422,7 @@
           <a:p>
             <a:pPr algn="ctr"/>
             <a:r>
-              <a:rPr lang="en-US" dirty="0" smtClean="0">
+              <a:rPr lang="en-US" sz="1600" dirty="0" smtClean="0">
                 <a:latin typeface="Avenir Book"/>
                 <a:cs typeface="Avenir Book"/>
               </a:rPr>
@@ -3429,7 +3432,7 @@
           <a:p>
             <a:pPr algn="ctr"/>
             <a:r>
-              <a:rPr lang="en-US" dirty="0" smtClean="0">
+              <a:rPr lang="en-US" sz="1600" dirty="0" smtClean="0">
                 <a:latin typeface="Avenir Book"/>
                 <a:cs typeface="Avenir Book"/>
               </a:rPr>
@@ -3446,7 +3449,7 @@
         </p:nvSpPr>
         <p:spPr>
           <a:xfrm>
-            <a:off x="1490135" y="1148572"/>
+            <a:off x="1490135" y="843772"/>
             <a:ext cx="1303866" cy="369332"/>
           </a:xfrm>
           <a:prstGeom prst="rect">
@@ -3466,14 +3469,28 @@
                 <a:latin typeface="Avenir Book"/>
                 <a:cs typeface="Avenir Book"/>
               </a:rPr>
-              <a:t>251 </a:t>
+              <a:t>251</a:t>
+            </a:r>
+            <a:r>
+              <a:rPr lang="en-US" b="1" dirty="0" smtClean="0">
+                <a:latin typeface="Avenir Book"/>
+                <a:cs typeface="Avenir Book"/>
+              </a:rPr>
+              <a:t> </a:t>
             </a:r>
             <a:r>
               <a:rPr lang="en-US" b="1" dirty="0" err="1" smtClean="0">
                 <a:latin typeface="Avenir Book"/>
                 <a:cs typeface="Avenir Book"/>
               </a:rPr>
-              <a:t>MWh</a:t>
+              <a:t>G</a:t>
+            </a:r>
+            <a:r>
+              <a:rPr lang="en-US" b="1" dirty="0" err="1" smtClean="0">
+                <a:latin typeface="Avenir Book"/>
+                <a:cs typeface="Avenir Book"/>
+              </a:rPr>
+              <a:t>Wh</a:t>
             </a:r>
             <a:endParaRPr lang="en-US" b="1" dirty="0" smtClean="0">
               <a:latin typeface="Avenir Book"/>
@@ -3490,7 +3507,7 @@
         </p:nvSpPr>
         <p:spPr>
           <a:xfrm>
-            <a:off x="3166532" y="1519507"/>
+            <a:off x="3166532" y="1214707"/>
             <a:ext cx="1303866" cy="369332"/>
           </a:xfrm>
           <a:prstGeom prst="rect">
@@ -3510,14 +3527,28 @@
                 <a:latin typeface="Avenir Book"/>
                 <a:cs typeface="Avenir Book"/>
               </a:rPr>
-              <a:t>223 </a:t>
+              <a:t>223</a:t>
+            </a:r>
+            <a:r>
+              <a:rPr lang="en-US" b="1" dirty="0" smtClean="0">
+                <a:latin typeface="Avenir Book"/>
+                <a:cs typeface="Avenir Book"/>
+              </a:rPr>
+              <a:t> </a:t>
             </a:r>
             <a:r>
               <a:rPr lang="en-US" b="1" dirty="0" err="1" smtClean="0">
                 <a:latin typeface="Avenir Book"/>
                 <a:cs typeface="Avenir Book"/>
               </a:rPr>
-              <a:t>MWh</a:t>
+              <a:t>G</a:t>
+            </a:r>
+            <a:r>
+              <a:rPr lang="en-US" b="1" dirty="0" err="1" smtClean="0">
+                <a:latin typeface="Avenir Book"/>
+                <a:cs typeface="Avenir Book"/>
+              </a:rPr>
+              <a:t>Wh</a:t>
             </a:r>
             <a:endParaRPr lang="en-US" b="1" dirty="0" smtClean="0">
               <a:latin typeface="Avenir Book"/>
@@ -3534,7 +3565,7 @@
         </p:nvSpPr>
         <p:spPr>
           <a:xfrm>
-            <a:off x="4707465" y="2603243"/>
+            <a:off x="4707465" y="2298443"/>
             <a:ext cx="1303866" cy="369332"/>
           </a:xfrm>
           <a:prstGeom prst="rect">
@@ -3554,14 +3585,28 @@
                 <a:latin typeface="Avenir Book"/>
                 <a:cs typeface="Avenir Book"/>
               </a:rPr>
-              <a:t>168 </a:t>
+              <a:t>168</a:t>
+            </a:r>
+            <a:r>
+              <a:rPr lang="en-US" b="1" dirty="0" smtClean="0">
+                <a:latin typeface="Avenir Book"/>
+                <a:cs typeface="Avenir Book"/>
+              </a:rPr>
+              <a:t> </a:t>
             </a:r>
             <a:r>
               <a:rPr lang="en-US" b="1" dirty="0" err="1" smtClean="0">
                 <a:latin typeface="Avenir Book"/>
                 <a:cs typeface="Avenir Book"/>
               </a:rPr>
-              <a:t>MWh</a:t>
+              <a:t>G</a:t>
+            </a:r>
+            <a:r>
+              <a:rPr lang="en-US" b="1" dirty="0" err="1" smtClean="0">
+                <a:latin typeface="Avenir Book"/>
+                <a:cs typeface="Avenir Book"/>
+              </a:rPr>
+              <a:t>Wh</a:t>
             </a:r>
             <a:endParaRPr lang="en-US" b="1" dirty="0" smtClean="0">
               <a:latin typeface="Avenir Book"/>
@@ -3578,7 +3623,7 @@
         </p:nvSpPr>
         <p:spPr>
           <a:xfrm>
-            <a:off x="6079063" y="2972575"/>
+            <a:off x="6079063" y="2667775"/>
             <a:ext cx="1303866" cy="369332"/>
           </a:xfrm>
           <a:prstGeom prst="rect">
@@ -3598,14 +3643,28 @@
                 <a:latin typeface="Avenir Book"/>
                 <a:cs typeface="Avenir Book"/>
               </a:rPr>
-              <a:t>152 </a:t>
+              <a:t>152</a:t>
+            </a:r>
+            <a:r>
+              <a:rPr lang="en-US" b="1" dirty="0" smtClean="0">
+                <a:latin typeface="Avenir Book"/>
+                <a:cs typeface="Avenir Book"/>
+              </a:rPr>
+              <a:t> </a:t>
             </a:r>
             <a:r>
               <a:rPr lang="en-US" b="1" dirty="0" err="1" smtClean="0">
                 <a:latin typeface="Avenir Book"/>
                 <a:cs typeface="Avenir Book"/>
               </a:rPr>
-              <a:t>MWh</a:t>
+              <a:t>G</a:t>
+            </a:r>
+            <a:r>
+              <a:rPr lang="en-US" b="1" dirty="0" err="1" smtClean="0">
+                <a:latin typeface="Avenir Book"/>
+                <a:cs typeface="Avenir Book"/>
+              </a:rPr>
+              <a:t>Wh</a:t>
             </a:r>
             <a:endParaRPr lang="en-US" b="1" dirty="0" smtClean="0">
               <a:latin typeface="Avenir Book"/>
@@ -3622,7 +3681,7 @@
         </p:nvCxnSpPr>
         <p:spPr>
           <a:xfrm rot="5400000" flipH="1" flipV="1">
-            <a:off x="-1197608" y="3092861"/>
+            <a:off x="-1197608" y="2788061"/>
             <a:ext cx="5242399" cy="2382"/>
           </a:xfrm>
           <a:prstGeom prst="straightConnector1">
@@ -3659,7 +3718,7 @@
         </p:nvSpPr>
         <p:spPr>
           <a:xfrm rot="16200000">
-            <a:off x="-379479" y="1517992"/>
+            <a:off x="-379479" y="1213192"/>
             <a:ext cx="2078170" cy="830997"/>
           </a:xfrm>
           <a:prstGeom prst="rect">
@@ -3692,7 +3751,7 @@
         </p:nvCxnSpPr>
         <p:spPr>
           <a:xfrm>
-            <a:off x="1422404" y="5715249"/>
+            <a:off x="1422404" y="5410449"/>
             <a:ext cx="6519334" cy="1"/>
           </a:xfrm>
           <a:prstGeom prst="straightConnector1">
@@ -3729,7 +3788,7 @@
         </p:nvSpPr>
         <p:spPr>
           <a:xfrm>
-            <a:off x="2112818" y="242019"/>
+            <a:off x="2112818" y="165819"/>
             <a:ext cx="6603999" cy="461665"/>
           </a:xfrm>
           <a:prstGeom prst="rect">
@@ -3749,7 +3808,21 @@
                 <a:latin typeface="Avenir Next Demi Bold"/>
                 <a:cs typeface="Avenir Next Demi Bold"/>
               </a:rPr>
-              <a:t>4 highest buildings consumers of electricity </a:t>
+              <a:t>4</a:t>
+            </a:r>
+            <a:r>
+              <a:rPr lang="en-US" sz="2400" b="1" dirty="0" smtClean="0">
+                <a:latin typeface="Avenir Next Demi Bold"/>
+                <a:cs typeface="Avenir Next Demi Bold"/>
+              </a:rPr>
+              <a:t> top consumers </a:t>
+            </a:r>
+            <a:r>
+              <a:rPr lang="en-US" sz="2400" b="1" dirty="0" smtClean="0">
+                <a:latin typeface="Avenir Next Demi Bold"/>
+                <a:cs typeface="Avenir Next Demi Bold"/>
+              </a:rPr>
+              <a:t>of electricity </a:t>
             </a:r>
             <a:endParaRPr lang="en-US" sz="2400" b="1" dirty="0">
               <a:latin typeface="Avenir Next Demi Bold"/>
@@ -3766,7 +3839,7 @@
         </p:nvSpPr>
         <p:spPr>
           <a:xfrm>
-            <a:off x="2112818" y="703684"/>
+            <a:off x="2112818" y="627484"/>
             <a:ext cx="6603999" cy="461665"/>
           </a:xfrm>
           <a:prstGeom prst="rect">
@@ -3795,11 +3868,190 @@
           </a:p>
         </p:txBody>
       </p:sp>
+      <p:grpSp>
+        <p:nvGrpSpPr>
+          <p:cNvPr id="34" name="Group 33"/>
+          <p:cNvGrpSpPr/>
+          <p:nvPr/>
+        </p:nvGrpSpPr>
+        <p:grpSpPr>
+          <a:xfrm>
+            <a:off x="0" y="6414869"/>
+            <a:ext cx="9144001" cy="443131"/>
+            <a:chOff x="0" y="6414869"/>
+            <a:chExt cx="9144001" cy="443131"/>
+          </a:xfrm>
+        </p:grpSpPr>
+        <p:sp>
+          <p:nvSpPr>
+            <p:cNvPr id="28" name="Rectangle 27"/>
+            <p:cNvSpPr/>
+            <p:nvPr/>
+          </p:nvSpPr>
+          <p:spPr>
+            <a:xfrm rot="5400000">
+              <a:off x="4368800" y="2082799"/>
+              <a:ext cx="406401" cy="9144001"/>
+            </a:xfrm>
+            <a:prstGeom prst="rect">
+              <a:avLst/>
+            </a:prstGeom>
+            <a:solidFill>
+              <a:schemeClr val="tx2">
+                <a:lumMod val="50000"/>
+              </a:schemeClr>
+            </a:solidFill>
+            <a:ln>
+              <a:noFill/>
+            </a:ln>
+            <a:effectLst/>
+          </p:spPr>
+          <p:style>
+            <a:lnRef idx="1">
+              <a:schemeClr val="accent1"/>
+            </a:lnRef>
+            <a:fillRef idx="3">
+              <a:schemeClr val="accent1"/>
+            </a:fillRef>
+            <a:effectRef idx="2">
+              <a:schemeClr val="accent1"/>
+            </a:effectRef>
+            <a:fontRef idx="minor">
+              <a:schemeClr val="lt1"/>
+            </a:fontRef>
+          </p:style>
+          <p:txBody>
+            <a:bodyPr rtlCol="0" anchor="ctr"/>
+            <a:lstStyle/>
+            <a:p>
+              <a:pPr algn="ctr"/>
+              <a:endParaRPr lang="en-US">
+                <a:latin typeface="Avenir Book"/>
+                <a:cs typeface="Avenir Book"/>
+              </a:endParaRPr>
+            </a:p>
+          </p:txBody>
+        </p:sp>
+        <p:pic>
+          <p:nvPicPr>
+            <p:cNvPr id="30" name="Picture 29" descr="noun_327_cc.png"/>
+            <p:cNvPicPr>
+              <a:picLocks noChangeAspect="1"/>
+            </p:cNvPicPr>
+            <p:nvPr/>
+          </p:nvPicPr>
+          <p:blipFill>
+            <a:blip r:embed="rId2">
+              <a:lum bright="100000" contrast="-70000"/>
+            </a:blip>
+            <a:srcRect t="17845" b="31313"/>
+            <a:stretch>
+              <a:fillRect/>
+            </a:stretch>
+          </p:blipFill>
+          <p:spPr>
+            <a:xfrm>
+              <a:off x="3533542" y="6515100"/>
+              <a:ext cx="538337" cy="273700"/>
+            </a:xfrm>
+            <a:prstGeom prst="rect">
+              <a:avLst/>
+            </a:prstGeom>
+          </p:spPr>
+        </p:pic>
+        <p:sp>
+          <p:nvSpPr>
+            <p:cNvPr id="33" name="TextBox 32"/>
+            <p:cNvSpPr txBox="1"/>
+            <p:nvPr/>
+          </p:nvSpPr>
+          <p:spPr>
+            <a:xfrm>
+              <a:off x="3168092" y="6414869"/>
+              <a:ext cx="3440545" cy="400110"/>
+            </a:xfrm>
+            <a:prstGeom prst="rect">
+              <a:avLst/>
+            </a:prstGeom>
+            <a:noFill/>
+          </p:spPr>
+          <p:txBody>
+            <a:bodyPr wrap="square" rtlCol="0">
+              <a:spAutoFit/>
+            </a:bodyPr>
+            <a:lstStyle/>
+            <a:p>
+              <a:pPr algn="ctr"/>
+              <a:r>
+                <a:rPr lang="en-US" sz="2000" dirty="0" err="1" smtClean="0">
+                  <a:solidFill>
+                    <a:srgbClr val="FFFFFF"/>
+                  </a:solidFill>
+                  <a:latin typeface="Avenir Black"/>
+                  <a:cs typeface="Avenir Black"/>
+                </a:rPr>
+                <a:t>NudgeSMS</a:t>
+              </a:r>
+              <a:endParaRPr lang="en-US" sz="2000" dirty="0">
+                <a:solidFill>
+                  <a:srgbClr val="FFFFFF"/>
+                </a:solidFill>
+                <a:latin typeface="Avenir Black"/>
+                <a:cs typeface="Avenir Black"/>
+              </a:endParaRPr>
+            </a:p>
+          </p:txBody>
+        </p:sp>
+      </p:grpSp>
+      <p:sp>
+        <p:nvSpPr>
+          <p:cNvPr id="35" name="TextBox 34"/>
+          <p:cNvSpPr txBox="1"/>
+          <p:nvPr/>
+        </p:nvSpPr>
+        <p:spPr>
+          <a:xfrm>
+            <a:off x="7065830" y="4979259"/>
+            <a:ext cx="2078170" cy="400110"/>
+          </a:xfrm>
+          <a:prstGeom prst="rect">
+            <a:avLst/>
+          </a:prstGeom>
+          <a:noFill/>
+        </p:spPr>
+        <p:txBody>
+          <a:bodyPr wrap="square" rtlCol="0">
+            <a:spAutoFit/>
+          </a:bodyPr>
+          <a:lstStyle/>
+          <a:p>
+            <a:pPr algn="ctr"/>
+            <a:r>
+              <a:rPr lang="en-US" sz="2000" dirty="0" smtClean="0">
+                <a:latin typeface="Avenir Book"/>
+                <a:cs typeface="Avenir Book"/>
+              </a:rPr>
+              <a:t>Buildings</a:t>
+            </a:r>
+            <a:endParaRPr lang="en-US" sz="2000" dirty="0" smtClean="0">
+              <a:latin typeface="Avenir Book"/>
+              <a:cs typeface="Avenir Book"/>
+            </a:endParaRPr>
+          </a:p>
+        </p:txBody>
+      </p:sp>
     </p:spTree>
   </p:cSld>
   <p:clrMapOvr>
     <a:masterClrMapping/>
   </p:clrMapOvr>
+  <p:timing>
+    <p:tnLst>
+      <p:par>
+        <p:cTn id="1" dur="indefinite" restart="never" nodeType="tmRoot"/>
+      </p:par>
+    </p:tnLst>
+  </p:timing>
 </p:sld>
 </file>
 
@@ -3878,8 +4130,8 @@
         </p:nvSpPr>
         <p:spPr>
           <a:xfrm>
-            <a:off x="958272" y="4702895"/>
-            <a:ext cx="2101271" cy="954107"/>
+            <a:off x="0" y="4702895"/>
+            <a:ext cx="3975100" cy="1384995"/>
           </a:xfrm>
           <a:prstGeom prst="rect">
             <a:avLst/>
@@ -3897,7 +4149,27 @@
                 <a:latin typeface="Avenir Black"/>
                 <a:cs typeface="Avenir Black"/>
               </a:rPr>
-              <a:t>Cal Tech HQ</a:t>
+              <a:t>Cal Tech HQ </a:t>
+            </a:r>
+          </a:p>
+          <a:p>
+            <a:pPr algn="ctr"/>
+            <a:r>
+              <a:rPr lang="en-US" sz="2800" dirty="0" smtClean="0">
+                <a:latin typeface="Avenir Black"/>
+                <a:cs typeface="Avenir Black"/>
+              </a:rPr>
+              <a:t>building</a:t>
+            </a:r>
+          </a:p>
+          <a:p>
+            <a:pPr algn="ctr"/>
+            <a:r>
+              <a:rPr lang="en-US" sz="2800" dirty="0" smtClean="0">
+                <a:latin typeface="Avenir Black"/>
+                <a:cs typeface="Avenir Black"/>
+              </a:rPr>
+              <a:t> (Cal Tech)</a:t>
             </a:r>
             <a:endParaRPr lang="en-US" sz="2800" dirty="0"/>
           </a:p>
@@ -5048,11 +5320,153 @@
           </a:p>
         </p:txBody>
       </p:sp>
+      <p:grpSp>
+        <p:nvGrpSpPr>
+          <p:cNvPr id="61" name="Group 60"/>
+          <p:cNvGrpSpPr/>
+          <p:nvPr/>
+        </p:nvGrpSpPr>
+        <p:grpSpPr>
+          <a:xfrm>
+            <a:off x="0" y="6414869"/>
+            <a:ext cx="9144001" cy="443131"/>
+            <a:chOff x="0" y="6414869"/>
+            <a:chExt cx="9144001" cy="443131"/>
+          </a:xfrm>
+        </p:grpSpPr>
+        <p:sp>
+          <p:nvSpPr>
+            <p:cNvPr id="62" name="Rectangle 61"/>
+            <p:cNvSpPr/>
+            <p:nvPr/>
+          </p:nvSpPr>
+          <p:spPr>
+            <a:xfrm rot="5400000">
+              <a:off x="4368800" y="2082799"/>
+              <a:ext cx="406401" cy="9144001"/>
+            </a:xfrm>
+            <a:prstGeom prst="rect">
+              <a:avLst/>
+            </a:prstGeom>
+            <a:solidFill>
+              <a:schemeClr val="tx2">
+                <a:lumMod val="50000"/>
+              </a:schemeClr>
+            </a:solidFill>
+            <a:ln>
+              <a:noFill/>
+            </a:ln>
+            <a:effectLst/>
+          </p:spPr>
+          <p:style>
+            <a:lnRef idx="1">
+              <a:schemeClr val="accent1"/>
+            </a:lnRef>
+            <a:fillRef idx="3">
+              <a:schemeClr val="accent1"/>
+            </a:fillRef>
+            <a:effectRef idx="2">
+              <a:schemeClr val="accent1"/>
+            </a:effectRef>
+            <a:fontRef idx="minor">
+              <a:schemeClr val="lt1"/>
+            </a:fontRef>
+          </p:style>
+          <p:txBody>
+            <a:bodyPr rtlCol="0" anchor="ctr"/>
+            <a:lstStyle/>
+            <a:p>
+              <a:pPr algn="ctr"/>
+              <a:endParaRPr lang="en-US">
+                <a:latin typeface="Avenir Book"/>
+                <a:cs typeface="Avenir Book"/>
+              </a:endParaRPr>
+            </a:p>
+          </p:txBody>
+        </p:sp>
+        <p:pic>
+          <p:nvPicPr>
+            <p:cNvPr id="63" name="Picture 62" descr="noun_327_cc.png"/>
+            <p:cNvPicPr>
+              <a:picLocks noChangeAspect="1"/>
+            </p:cNvPicPr>
+            <p:nvPr/>
+          </p:nvPicPr>
+          <p:blipFill>
+            <a:blip r:embed="rId5">
+              <a:lum bright="100000" contrast="-70000"/>
+            </a:blip>
+            <a:srcRect t="17845" b="31313"/>
+            <a:stretch>
+              <a:fillRect/>
+            </a:stretch>
+          </p:blipFill>
+          <p:spPr>
+            <a:xfrm>
+              <a:off x="3533542" y="6515100"/>
+              <a:ext cx="538337" cy="273700"/>
+            </a:xfrm>
+            <a:prstGeom prst="rect">
+              <a:avLst/>
+            </a:prstGeom>
+          </p:spPr>
+        </p:pic>
+        <p:sp>
+          <p:nvSpPr>
+            <p:cNvPr id="64" name="TextBox 63"/>
+            <p:cNvSpPr txBox="1"/>
+            <p:nvPr/>
+          </p:nvSpPr>
+          <p:spPr>
+            <a:xfrm>
+              <a:off x="3168092" y="6414869"/>
+              <a:ext cx="3440545" cy="400110"/>
+            </a:xfrm>
+            <a:prstGeom prst="rect">
+              <a:avLst/>
+            </a:prstGeom>
+            <a:noFill/>
+          </p:spPr>
+          <p:txBody>
+            <a:bodyPr wrap="square" rtlCol="0">
+              <a:spAutoFit/>
+            </a:bodyPr>
+            <a:lstStyle/>
+            <a:p>
+              <a:pPr algn="ctr"/>
+              <a:r>
+                <a:rPr lang="en-US" sz="2000" dirty="0" err="1" smtClean="0">
+                  <a:solidFill>
+                    <a:srgbClr val="FFFFFF"/>
+                  </a:solidFill>
+                  <a:latin typeface="Avenir Black"/>
+                  <a:cs typeface="Avenir Black"/>
+                </a:rPr>
+                <a:t>NudgeSMS</a:t>
+              </a:r>
+              <a:endParaRPr lang="en-US" sz="2000" dirty="0">
+                <a:solidFill>
+                  <a:srgbClr val="FFFFFF"/>
+                </a:solidFill>
+                <a:latin typeface="Avenir Black"/>
+                <a:cs typeface="Avenir Black"/>
+              </a:endParaRPr>
+            </a:p>
+          </p:txBody>
+        </p:sp>
+      </p:grpSp>
     </p:spTree>
   </p:cSld>
   <p:clrMapOvr>
     <a:masterClrMapping/>
   </p:clrMapOvr>
+  <p:timing>
+    <p:tnLst>
+      <p:par>
+        <p:cTn id="1" dur="indefinite" restart="never" nodeType="tmRoot"/>
+      </p:par>
+    </p:tnLst>
+  </p:timing>
 </p:sld>
 </file>
 
@@ -5090,7 +5504,7 @@
         <p:spPr>
           <a:xfrm>
             <a:off x="0" y="-1"/>
-            <a:ext cx="9305636" cy="6996545"/>
+            <a:ext cx="9144000" cy="6858001"/>
           </a:xfrm>
           <a:prstGeom prst="rect">
             <a:avLst/>
@@ -5106,7 +5520,7 @@
         <p:spPr>
           <a:xfrm>
             <a:off x="0" y="1720273"/>
-            <a:ext cx="9305636" cy="2043545"/>
+            <a:ext cx="9144000" cy="2043545"/>
           </a:xfrm>
           <a:prstGeom prst="rect">
             <a:avLst/>
@@ -5170,45 +5584,21 @@
                 <a:latin typeface="Avenir Black"/>
                 <a:cs typeface="Avenir Black"/>
               </a:rPr>
-              <a:t>How can we</a:t>
+              <a:t>How can we encourage better conservation </a:t>
             </a:r>
             <a:r>
               <a:rPr lang="en-US" sz="3600" dirty="0" smtClean="0">
                 <a:latin typeface="Avenir Black"/>
                 <a:cs typeface="Avenir Black"/>
               </a:rPr>
-              <a:t> help </a:t>
+              <a:t>and awareness</a:t>
             </a:r>
             <a:r>
               <a:rPr lang="en-US" sz="3600" dirty="0" smtClean="0">
                 <a:latin typeface="Avenir Black"/>
                 <a:cs typeface="Avenir Black"/>
               </a:rPr>
-              <a:t>employees</a:t>
-            </a:r>
-            <a:r>
-              <a:rPr lang="en-US" sz="3600" dirty="0" smtClean="0">
-                <a:latin typeface="Avenir Black"/>
-                <a:cs typeface="Avenir Black"/>
-              </a:rPr>
-              <a:t> </a:t>
-            </a:r>
-          </a:p>
-          <a:p>
-            <a:pPr algn="ctr"/>
-            <a:r>
-              <a:rPr lang="en-US" sz="3600" dirty="0" smtClean="0">
-                <a:latin typeface="Avenir Black"/>
-                <a:cs typeface="Avenir Black"/>
-              </a:rPr>
-              <a:t>reduce </a:t>
-            </a:r>
-            <a:r>
-              <a:rPr lang="en-US" sz="3600" dirty="0" smtClean="0">
-                <a:latin typeface="Avenir Black"/>
-                <a:cs typeface="Avenir Black"/>
-              </a:rPr>
-              <a:t>consumption?</a:t>
+              <a:t>?</a:t>
             </a:r>
             <a:endParaRPr lang="en-US" sz="3600" dirty="0">
               <a:latin typeface="Avenir Black"/>
@@ -5217,11 +5607,153 @@
           </a:p>
         </p:txBody>
       </p:sp>
+      <p:grpSp>
+        <p:nvGrpSpPr>
+          <p:cNvPr id="6" name="Group 5"/>
+          <p:cNvGrpSpPr/>
+          <p:nvPr/>
+        </p:nvGrpSpPr>
+        <p:grpSpPr>
+          <a:xfrm>
+            <a:off x="0" y="6414869"/>
+            <a:ext cx="9144001" cy="443131"/>
+            <a:chOff x="0" y="6414869"/>
+            <a:chExt cx="9144001" cy="443131"/>
+          </a:xfrm>
+        </p:grpSpPr>
+        <p:sp>
+          <p:nvSpPr>
+            <p:cNvPr id="7" name="Rectangle 6"/>
+            <p:cNvSpPr/>
+            <p:nvPr/>
+          </p:nvSpPr>
+          <p:spPr>
+            <a:xfrm rot="5400000">
+              <a:off x="4368800" y="2082799"/>
+              <a:ext cx="406401" cy="9144001"/>
+            </a:xfrm>
+            <a:prstGeom prst="rect">
+              <a:avLst/>
+            </a:prstGeom>
+            <a:solidFill>
+              <a:schemeClr val="tx2">
+                <a:lumMod val="50000"/>
+              </a:schemeClr>
+            </a:solidFill>
+            <a:ln>
+              <a:noFill/>
+            </a:ln>
+            <a:effectLst/>
+          </p:spPr>
+          <p:style>
+            <a:lnRef idx="1">
+              <a:schemeClr val="accent1"/>
+            </a:lnRef>
+            <a:fillRef idx="3">
+              <a:schemeClr val="accent1"/>
+            </a:fillRef>
+            <a:effectRef idx="2">
+              <a:schemeClr val="accent1"/>
+            </a:effectRef>
+            <a:fontRef idx="minor">
+              <a:schemeClr val="lt1"/>
+            </a:fontRef>
+          </p:style>
+          <p:txBody>
+            <a:bodyPr rtlCol="0" anchor="ctr"/>
+            <a:lstStyle/>
+            <a:p>
+              <a:pPr algn="ctr"/>
+              <a:endParaRPr lang="en-US">
+                <a:latin typeface="Avenir Book"/>
+                <a:cs typeface="Avenir Book"/>
+              </a:endParaRPr>
+            </a:p>
+          </p:txBody>
+        </p:sp>
+        <p:pic>
+          <p:nvPicPr>
+            <p:cNvPr id="8" name="Picture 7" descr="noun_327_cc.png"/>
+            <p:cNvPicPr>
+              <a:picLocks noChangeAspect="1"/>
+            </p:cNvPicPr>
+            <p:nvPr/>
+          </p:nvPicPr>
+          <p:blipFill>
+            <a:blip r:embed="rId3">
+              <a:lum bright="100000" contrast="-70000"/>
+            </a:blip>
+            <a:srcRect t="17845" b="31313"/>
+            <a:stretch>
+              <a:fillRect/>
+            </a:stretch>
+          </p:blipFill>
+          <p:spPr>
+            <a:xfrm>
+              <a:off x="3533542" y="6515100"/>
+              <a:ext cx="538337" cy="273700"/>
+            </a:xfrm>
+            <a:prstGeom prst="rect">
+              <a:avLst/>
+            </a:prstGeom>
+          </p:spPr>
+        </p:pic>
+        <p:sp>
+          <p:nvSpPr>
+            <p:cNvPr id="9" name="TextBox 8"/>
+            <p:cNvSpPr txBox="1"/>
+            <p:nvPr/>
+          </p:nvSpPr>
+          <p:spPr>
+            <a:xfrm>
+              <a:off x="3168092" y="6414869"/>
+              <a:ext cx="3440545" cy="400110"/>
+            </a:xfrm>
+            <a:prstGeom prst="rect">
+              <a:avLst/>
+            </a:prstGeom>
+            <a:noFill/>
+          </p:spPr>
+          <p:txBody>
+            <a:bodyPr wrap="square" rtlCol="0">
+              <a:spAutoFit/>
+            </a:bodyPr>
+            <a:lstStyle/>
+            <a:p>
+              <a:pPr algn="ctr"/>
+              <a:r>
+                <a:rPr lang="en-US" sz="2000" dirty="0" err="1" smtClean="0">
+                  <a:solidFill>
+                    <a:srgbClr val="FFFFFF"/>
+                  </a:solidFill>
+                  <a:latin typeface="Avenir Black"/>
+                  <a:cs typeface="Avenir Black"/>
+                </a:rPr>
+                <a:t>NudgeSMS</a:t>
+              </a:r>
+              <a:endParaRPr lang="en-US" sz="2000" dirty="0">
+                <a:solidFill>
+                  <a:srgbClr val="FFFFFF"/>
+                </a:solidFill>
+                <a:latin typeface="Avenir Black"/>
+                <a:cs typeface="Avenir Black"/>
+              </a:endParaRPr>
+            </a:p>
+          </p:txBody>
+        </p:sp>
+      </p:grpSp>
     </p:spTree>
   </p:cSld>
   <p:clrMapOvr>
     <a:masterClrMapping/>
   </p:clrMapOvr>
+  <p:timing>
+    <p:tnLst>
+      <p:par>
+        <p:cTn id="1" dur="indefinite" restart="never" nodeType="tmRoot"/>
+      </p:par>
+    </p:tnLst>
+  </p:timing>
 </p:sld>
 </file>
 
@@ -5312,8 +5844,8 @@
         </p:nvSpPr>
         <p:spPr>
           <a:xfrm>
-            <a:off x="1085291" y="1801085"/>
-            <a:ext cx="7458345" cy="830997"/>
+            <a:off x="1085291" y="2410685"/>
+            <a:ext cx="7458345" cy="2308324"/>
           </a:xfrm>
           <a:prstGeom prst="rect">
             <a:avLst/>
@@ -5327,42 +5859,1301 @@
           <a:p>
             <a:pPr algn="ctr"/>
             <a:r>
-              <a:rPr lang="en-US" sz="2400" dirty="0" smtClean="0">
+              <a:rPr lang="en-US" sz="4800" dirty="0" smtClean="0">
                 <a:latin typeface="Avenir Light"/>
                 <a:cs typeface="Avenir Light"/>
               </a:rPr>
               <a:t>Improve</a:t>
             </a:r>
             <a:r>
-              <a:rPr lang="en-US" sz="2400" dirty="0" smtClean="0">
+              <a:rPr lang="en-US" sz="4800" dirty="0" smtClean="0">
                 <a:latin typeface="Avenir Light"/>
                 <a:cs typeface="Avenir Light"/>
               </a:rPr>
               <a:t> energy conservation through </a:t>
             </a:r>
             <a:r>
-              <a:rPr lang="en-US" sz="2400" dirty="0" smtClean="0">
+              <a:rPr lang="en-US" sz="4800" dirty="0" smtClean="0">
                 <a:latin typeface="Avenir Light"/>
                 <a:cs typeface="Avenir Light"/>
               </a:rPr>
-              <a:t>text messaging inside an agency</a:t>
-            </a:r>
-            <a:endParaRPr lang="en-US" sz="2400" dirty="0">
+              <a:t>text </a:t>
+            </a:r>
+            <a:r>
+              <a:rPr lang="en-US" sz="4800" dirty="0" smtClean="0">
+                <a:latin typeface="Avenir Light"/>
+                <a:cs typeface="Avenir Light"/>
+              </a:rPr>
+              <a:t>messages</a:t>
+            </a:r>
+            <a:endParaRPr lang="en-US" sz="4800" dirty="0">
               <a:latin typeface="Avenir Light"/>
               <a:cs typeface="Avenir Light"/>
             </a:endParaRPr>
           </a:p>
         </p:txBody>
       </p:sp>
+      <p:grpSp>
+        <p:nvGrpSpPr>
+          <p:cNvPr id="9" name="Group 8"/>
+          <p:cNvGrpSpPr/>
+          <p:nvPr/>
+        </p:nvGrpSpPr>
+        <p:grpSpPr>
+          <a:xfrm>
+            <a:off x="0" y="6414869"/>
+            <a:ext cx="9144001" cy="443131"/>
+            <a:chOff x="0" y="6414869"/>
+            <a:chExt cx="9144001" cy="443131"/>
+          </a:xfrm>
+        </p:grpSpPr>
+        <p:sp>
+          <p:nvSpPr>
+            <p:cNvPr id="10" name="Rectangle 9"/>
+            <p:cNvSpPr/>
+            <p:nvPr/>
+          </p:nvSpPr>
+          <p:spPr>
+            <a:xfrm rot="5400000">
+              <a:off x="4368800" y="2082799"/>
+              <a:ext cx="406401" cy="9144001"/>
+            </a:xfrm>
+            <a:prstGeom prst="rect">
+              <a:avLst/>
+            </a:prstGeom>
+            <a:solidFill>
+              <a:schemeClr val="tx2">
+                <a:lumMod val="50000"/>
+              </a:schemeClr>
+            </a:solidFill>
+            <a:ln>
+              <a:noFill/>
+            </a:ln>
+            <a:effectLst/>
+          </p:spPr>
+          <p:style>
+            <a:lnRef idx="1">
+              <a:schemeClr val="accent1"/>
+            </a:lnRef>
+            <a:fillRef idx="3">
+              <a:schemeClr val="accent1"/>
+            </a:fillRef>
+            <a:effectRef idx="2">
+              <a:schemeClr val="accent1"/>
+            </a:effectRef>
+            <a:fontRef idx="minor">
+              <a:schemeClr val="lt1"/>
+            </a:fontRef>
+          </p:style>
+          <p:txBody>
+            <a:bodyPr rtlCol="0" anchor="ctr"/>
+            <a:lstStyle/>
+            <a:p>
+              <a:pPr algn="ctr"/>
+              <a:endParaRPr lang="en-US">
+                <a:latin typeface="Avenir Book"/>
+                <a:cs typeface="Avenir Book"/>
+              </a:endParaRPr>
+            </a:p>
+          </p:txBody>
+        </p:sp>
+        <p:pic>
+          <p:nvPicPr>
+            <p:cNvPr id="11" name="Picture 10" descr="noun_327_cc.png"/>
+            <p:cNvPicPr>
+              <a:picLocks noChangeAspect="1"/>
+            </p:cNvPicPr>
+            <p:nvPr/>
+          </p:nvPicPr>
+          <p:blipFill>
+            <a:blip r:embed="rId2">
+              <a:lum bright="100000" contrast="-70000"/>
+            </a:blip>
+            <a:srcRect t="17845" b="31313"/>
+            <a:stretch>
+              <a:fillRect/>
+            </a:stretch>
+          </p:blipFill>
+          <p:spPr>
+            <a:xfrm>
+              <a:off x="3533542" y="6515100"/>
+              <a:ext cx="538337" cy="273700"/>
+            </a:xfrm>
+            <a:prstGeom prst="rect">
+              <a:avLst/>
+            </a:prstGeom>
+          </p:spPr>
+        </p:pic>
+        <p:sp>
+          <p:nvSpPr>
+            <p:cNvPr id="12" name="TextBox 11"/>
+            <p:cNvSpPr txBox="1"/>
+            <p:nvPr/>
+          </p:nvSpPr>
+          <p:spPr>
+            <a:xfrm>
+              <a:off x="3168092" y="6414869"/>
+              <a:ext cx="3440545" cy="400110"/>
+            </a:xfrm>
+            <a:prstGeom prst="rect">
+              <a:avLst/>
+            </a:prstGeom>
+            <a:noFill/>
+          </p:spPr>
+          <p:txBody>
+            <a:bodyPr wrap="square" rtlCol="0">
+              <a:spAutoFit/>
+            </a:bodyPr>
+            <a:lstStyle/>
+            <a:p>
+              <a:pPr algn="ctr"/>
+              <a:r>
+                <a:rPr lang="en-US" sz="2000" dirty="0" err="1" smtClean="0">
+                  <a:solidFill>
+                    <a:srgbClr val="FFFFFF"/>
+                  </a:solidFill>
+                  <a:latin typeface="Avenir Black"/>
+                  <a:cs typeface="Avenir Black"/>
+                </a:rPr>
+                <a:t>NudgeSMS</a:t>
+              </a:r>
+              <a:endParaRPr lang="en-US" sz="2000" dirty="0">
+                <a:solidFill>
+                  <a:srgbClr val="FFFFFF"/>
+                </a:solidFill>
+                <a:latin typeface="Avenir Black"/>
+                <a:cs typeface="Avenir Black"/>
+              </a:endParaRPr>
+            </a:p>
+          </p:txBody>
+        </p:sp>
+      </p:grpSp>
     </p:spTree>
   </p:cSld>
   <p:clrMapOvr>
     <a:masterClrMapping/>
   </p:clrMapOvr>
+  <p:timing>
+    <p:tnLst>
+      <p:par>
+        <p:cTn id="1" dur="indefinite" restart="never" nodeType="tmRoot"/>
+      </p:par>
+    </p:tnLst>
+  </p:timing>
 </p:sld>
 </file>
 
 <file path=ppt/slides/slide5.xml><?xml version="1.0" encoding="utf-8"?>
+<p:sld xmlns:a="http://schemas.openxmlformats.org/drawingml/2006/main" xmlns:r="http://schemas.openxmlformats.org/officeDocument/2006/relationships" xmlns:mc="http://schemas.openxmlformats.org/markup-compatibility/2006" xmlns:mv="urn:schemas-microsoft-com:mac:vml" xmlns:p="http://schemas.openxmlformats.org/presentationml/2006/main" mc:Ignorable="mv" mc:PreserveAttributes="mv:*">
+  <p:cSld>
+    <p:spTree>
+      <p:nvGrpSpPr>
+        <p:cNvPr id="1" name=""/>
+        <p:cNvGrpSpPr/>
+        <p:nvPr/>
+      </p:nvGrpSpPr>
+      <p:grpSpPr>
+        <a:xfrm>
+          <a:off x="0" y="0"/>
+          <a:ext cx="0" cy="0"/>
+          <a:chOff x="0" y="0"/>
+          <a:chExt cx="0" cy="0"/>
+        </a:xfrm>
+      </p:grpSpPr>
+      <p:pic>
+        <p:nvPicPr>
+          <p:cNvPr id="4" name="Picture 3" descr="noun_327_cc.png"/>
+          <p:cNvPicPr>
+            <a:picLocks noChangeAspect="1"/>
+          </p:cNvPicPr>
+          <p:nvPr/>
+        </p:nvPicPr>
+        <p:blipFill>
+          <a:blip r:embed="rId2"/>
+          <a:srcRect t="17845" b="31313"/>
+          <a:stretch>
+            <a:fillRect/>
+          </a:stretch>
+        </p:blipFill>
+        <p:spPr>
+          <a:xfrm>
+            <a:off x="2962804" y="1085397"/>
+            <a:ext cx="816976" cy="415365"/>
+          </a:xfrm>
+          <a:prstGeom prst="rect">
+            <a:avLst/>
+          </a:prstGeom>
+        </p:spPr>
+      </p:pic>
+      <p:sp>
+        <p:nvSpPr>
+          <p:cNvPr id="5" name="TextBox 4"/>
+          <p:cNvSpPr txBox="1"/>
+          <p:nvPr/>
+        </p:nvSpPr>
+        <p:spPr>
+          <a:xfrm>
+            <a:off x="3371292" y="923631"/>
+            <a:ext cx="3440545" cy="646331"/>
+          </a:xfrm>
+          <a:prstGeom prst="rect">
+            <a:avLst/>
+          </a:prstGeom>
+          <a:noFill/>
+        </p:spPr>
+        <p:txBody>
+          <a:bodyPr wrap="square" rtlCol="0">
+            <a:spAutoFit/>
+          </a:bodyPr>
+          <a:lstStyle/>
+          <a:p>
+            <a:pPr algn="ctr"/>
+            <a:r>
+              <a:rPr lang="en-US" sz="3600" dirty="0" err="1" smtClean="0">
+                <a:latin typeface="Avenir Black"/>
+                <a:cs typeface="Avenir Black"/>
+              </a:rPr>
+              <a:t>NudgeSMS</a:t>
+            </a:r>
+            <a:endParaRPr lang="en-US" sz="3600" dirty="0">
+              <a:latin typeface="Avenir Black"/>
+              <a:cs typeface="Avenir Black"/>
+            </a:endParaRPr>
+          </a:p>
+        </p:txBody>
+      </p:sp>
+      <p:sp>
+        <p:nvSpPr>
+          <p:cNvPr id="6" name="Rectangle 5"/>
+          <p:cNvSpPr/>
+          <p:nvPr/>
+        </p:nvSpPr>
+        <p:spPr>
+          <a:xfrm>
+            <a:off x="2914091" y="1699485"/>
+            <a:ext cx="3601009" cy="584776"/>
+          </a:xfrm>
+          <a:prstGeom prst="rect">
+            <a:avLst/>
+          </a:prstGeom>
+        </p:spPr>
+        <p:txBody>
+          <a:bodyPr wrap="square">
+            <a:spAutoFit/>
+          </a:bodyPr>
+          <a:lstStyle/>
+          <a:p>
+            <a:pPr algn="ctr"/>
+            <a:r>
+              <a:rPr lang="en-US" sz="3200" dirty="0" smtClean="0">
+                <a:latin typeface="Avenir Light"/>
+                <a:cs typeface="Avenir Light"/>
+              </a:rPr>
+              <a:t>People open texts.</a:t>
+            </a:r>
+            <a:endParaRPr lang="en-US" sz="3200" dirty="0">
+              <a:latin typeface="Avenir Light"/>
+              <a:cs typeface="Avenir Light"/>
+            </a:endParaRPr>
+          </a:p>
+        </p:txBody>
+      </p:sp>
+      <p:grpSp>
+        <p:nvGrpSpPr>
+          <p:cNvPr id="7" name="Group 6"/>
+          <p:cNvGrpSpPr/>
+          <p:nvPr/>
+        </p:nvGrpSpPr>
+        <p:grpSpPr>
+          <a:xfrm>
+            <a:off x="0" y="6414869"/>
+            <a:ext cx="9144001" cy="443131"/>
+            <a:chOff x="0" y="6414869"/>
+            <a:chExt cx="9144001" cy="443131"/>
+          </a:xfrm>
+        </p:grpSpPr>
+        <p:sp>
+          <p:nvSpPr>
+            <p:cNvPr id="8" name="Rectangle 7"/>
+            <p:cNvSpPr/>
+            <p:nvPr/>
+          </p:nvSpPr>
+          <p:spPr>
+            <a:xfrm rot="5400000">
+              <a:off x="4368800" y="2082799"/>
+              <a:ext cx="406401" cy="9144001"/>
+            </a:xfrm>
+            <a:prstGeom prst="rect">
+              <a:avLst/>
+            </a:prstGeom>
+            <a:solidFill>
+              <a:schemeClr val="tx2">
+                <a:lumMod val="50000"/>
+              </a:schemeClr>
+            </a:solidFill>
+            <a:ln>
+              <a:noFill/>
+            </a:ln>
+            <a:effectLst/>
+          </p:spPr>
+          <p:style>
+            <a:lnRef idx="1">
+              <a:schemeClr val="accent1"/>
+            </a:lnRef>
+            <a:fillRef idx="3">
+              <a:schemeClr val="accent1"/>
+            </a:fillRef>
+            <a:effectRef idx="2">
+              <a:schemeClr val="accent1"/>
+            </a:effectRef>
+            <a:fontRef idx="minor">
+              <a:schemeClr val="lt1"/>
+            </a:fontRef>
+          </p:style>
+          <p:txBody>
+            <a:bodyPr rtlCol="0" anchor="ctr"/>
+            <a:lstStyle/>
+            <a:p>
+              <a:pPr algn="ctr"/>
+              <a:endParaRPr lang="en-US">
+                <a:latin typeface="Avenir Book"/>
+                <a:cs typeface="Avenir Book"/>
+              </a:endParaRPr>
+            </a:p>
+          </p:txBody>
+        </p:sp>
+        <p:pic>
+          <p:nvPicPr>
+            <p:cNvPr id="9" name="Picture 8" descr="noun_327_cc.png"/>
+            <p:cNvPicPr>
+              <a:picLocks noChangeAspect="1"/>
+            </p:cNvPicPr>
+            <p:nvPr/>
+          </p:nvPicPr>
+          <p:blipFill>
+            <a:blip r:embed="rId2">
+              <a:lum bright="100000" contrast="-70000"/>
+            </a:blip>
+            <a:srcRect t="17845" b="31313"/>
+            <a:stretch>
+              <a:fillRect/>
+            </a:stretch>
+          </p:blipFill>
+          <p:spPr>
+            <a:xfrm>
+              <a:off x="3533542" y="6515100"/>
+              <a:ext cx="538337" cy="273700"/>
+            </a:xfrm>
+            <a:prstGeom prst="rect">
+              <a:avLst/>
+            </a:prstGeom>
+          </p:spPr>
+        </p:pic>
+        <p:sp>
+          <p:nvSpPr>
+            <p:cNvPr id="10" name="TextBox 9"/>
+            <p:cNvSpPr txBox="1"/>
+            <p:nvPr/>
+          </p:nvSpPr>
+          <p:spPr>
+            <a:xfrm>
+              <a:off x="3168092" y="6414869"/>
+              <a:ext cx="3440545" cy="400110"/>
+            </a:xfrm>
+            <a:prstGeom prst="rect">
+              <a:avLst/>
+            </a:prstGeom>
+            <a:noFill/>
+          </p:spPr>
+          <p:txBody>
+            <a:bodyPr wrap="square" rtlCol="0">
+              <a:spAutoFit/>
+            </a:bodyPr>
+            <a:lstStyle/>
+            <a:p>
+              <a:pPr algn="ctr"/>
+              <a:r>
+                <a:rPr lang="en-US" sz="2000" dirty="0" err="1" smtClean="0">
+                  <a:solidFill>
+                    <a:srgbClr val="FFFFFF"/>
+                  </a:solidFill>
+                  <a:latin typeface="Avenir Black"/>
+                  <a:cs typeface="Avenir Black"/>
+                </a:rPr>
+                <a:t>NudgeSMS</a:t>
+              </a:r>
+              <a:endParaRPr lang="en-US" sz="2000" dirty="0">
+                <a:solidFill>
+                  <a:srgbClr val="FFFFFF"/>
+                </a:solidFill>
+                <a:latin typeface="Avenir Black"/>
+                <a:cs typeface="Avenir Black"/>
+              </a:endParaRPr>
+            </a:p>
+          </p:txBody>
+        </p:sp>
+      </p:grpSp>
+      <p:grpSp>
+        <p:nvGrpSpPr>
+          <p:cNvPr id="36" name="Group 35"/>
+          <p:cNvGrpSpPr/>
+          <p:nvPr/>
+        </p:nvGrpSpPr>
+        <p:grpSpPr>
+          <a:xfrm>
+            <a:off x="2347677" y="2387600"/>
+            <a:ext cx="4728789" cy="2254766"/>
+            <a:chOff x="2347677" y="2387600"/>
+            <a:chExt cx="4728789" cy="2254766"/>
+          </a:xfrm>
+        </p:grpSpPr>
+        <p:grpSp>
+          <p:nvGrpSpPr>
+            <p:cNvPr id="19" name="Group 18"/>
+            <p:cNvGrpSpPr/>
+            <p:nvPr/>
+          </p:nvGrpSpPr>
+          <p:grpSpPr>
+            <a:xfrm>
+              <a:off x="2514600" y="2514600"/>
+              <a:ext cx="1689100" cy="1663700"/>
+              <a:chOff x="800100" y="2667000"/>
+              <a:chExt cx="1689100" cy="1663700"/>
+            </a:xfrm>
+          </p:grpSpPr>
+          <p:sp>
+            <p:nvSpPr>
+              <p:cNvPr id="15" name="Donut 14"/>
+              <p:cNvSpPr/>
+              <p:nvPr/>
+            </p:nvSpPr>
+            <p:spPr>
+              <a:xfrm>
+                <a:off x="800100" y="2667000"/>
+                <a:ext cx="1689100" cy="1663700"/>
+              </a:xfrm>
+              <a:prstGeom prst="donut">
+                <a:avLst>
+                  <a:gd name="adj" fmla="val 14862"/>
+                </a:avLst>
+              </a:prstGeom>
+              <a:solidFill>
+                <a:srgbClr val="008000"/>
+              </a:solidFill>
+              <a:ln>
+                <a:noFill/>
+              </a:ln>
+              <a:effectLst/>
+            </p:spPr>
+            <p:style>
+              <a:lnRef idx="1">
+                <a:schemeClr val="accent1"/>
+              </a:lnRef>
+              <a:fillRef idx="3">
+                <a:schemeClr val="accent1"/>
+              </a:fillRef>
+              <a:effectRef idx="2">
+                <a:schemeClr val="accent1"/>
+              </a:effectRef>
+              <a:fontRef idx="minor">
+                <a:schemeClr val="lt1"/>
+              </a:fontRef>
+            </p:style>
+            <p:txBody>
+              <a:bodyPr rtlCol="0" anchor="ctr"/>
+              <a:lstStyle/>
+              <a:p>
+                <a:pPr algn="ctr"/>
+                <a:endParaRPr lang="en-US">
+                  <a:solidFill>
+                    <a:schemeClr val="tx1"/>
+                  </a:solidFill>
+                </a:endParaRPr>
+              </a:p>
+            </p:txBody>
+          </p:sp>
+          <p:sp>
+            <p:nvSpPr>
+              <p:cNvPr id="16" name="Rectangle 15"/>
+              <p:cNvSpPr/>
+              <p:nvPr/>
+            </p:nvSpPr>
+            <p:spPr>
+              <a:xfrm>
+                <a:off x="988776" y="3111500"/>
+                <a:ext cx="1271823" cy="707886"/>
+              </a:xfrm>
+              <a:prstGeom prst="rect">
+                <a:avLst/>
+              </a:prstGeom>
+              <a:ln>
+                <a:noFill/>
+              </a:ln>
+            </p:spPr>
+            <p:txBody>
+              <a:bodyPr wrap="square">
+                <a:spAutoFit/>
+              </a:bodyPr>
+              <a:lstStyle/>
+              <a:p>
+                <a:pPr algn="ctr"/>
+                <a:r>
+                  <a:rPr lang="en-US" sz="4000" dirty="0" smtClean="0">
+                    <a:latin typeface="Avenir Light"/>
+                    <a:cs typeface="Avenir Light"/>
+                  </a:rPr>
+                  <a:t>98%</a:t>
+                </a:r>
+                <a:endParaRPr lang="en-US" sz="4000" dirty="0"/>
+              </a:p>
+            </p:txBody>
+          </p:sp>
+        </p:grpSp>
+        <p:sp>
+          <p:nvSpPr>
+            <p:cNvPr id="22" name="Rectangle 21"/>
+            <p:cNvSpPr/>
+            <p:nvPr/>
+          </p:nvSpPr>
+          <p:spPr>
+            <a:xfrm>
+              <a:off x="5255976" y="2971800"/>
+              <a:ext cx="1271823" cy="707886"/>
+            </a:xfrm>
+            <a:prstGeom prst="rect">
+              <a:avLst/>
+            </a:prstGeom>
+          </p:spPr>
+          <p:txBody>
+            <a:bodyPr wrap="square">
+              <a:spAutoFit/>
+            </a:bodyPr>
+            <a:lstStyle/>
+            <a:p>
+              <a:pPr algn="ctr"/>
+              <a:r>
+                <a:rPr lang="en-US" sz="4000" dirty="0" smtClean="0">
+                  <a:latin typeface="Avenir Light"/>
+                  <a:cs typeface="Avenir Light"/>
+                </a:rPr>
+                <a:t>22%</a:t>
+              </a:r>
+              <a:endParaRPr lang="en-US" sz="4000" dirty="0"/>
+            </a:p>
+          </p:txBody>
+        </p:sp>
+        <p:sp>
+          <p:nvSpPr>
+            <p:cNvPr id="24" name="Rectangle 23"/>
+            <p:cNvSpPr/>
+            <p:nvPr/>
+          </p:nvSpPr>
+          <p:spPr>
+            <a:xfrm>
+              <a:off x="2347677" y="4273034"/>
+              <a:ext cx="1861184" cy="369332"/>
+            </a:xfrm>
+            <a:prstGeom prst="rect">
+              <a:avLst/>
+            </a:prstGeom>
+          </p:spPr>
+          <p:txBody>
+            <a:bodyPr wrap="none">
+              <a:spAutoFit/>
+            </a:bodyPr>
+            <a:lstStyle/>
+            <a:p>
+              <a:r>
+                <a:rPr lang="en-US" dirty="0" smtClean="0">
+                  <a:latin typeface="Avenir Light"/>
+                  <a:cs typeface="Avenir Light"/>
+                </a:rPr>
+                <a:t>Of texts opened</a:t>
+              </a:r>
+              <a:endParaRPr lang="en-US" dirty="0"/>
+            </a:p>
+          </p:txBody>
+        </p:sp>
+        <p:sp>
+          <p:nvSpPr>
+            <p:cNvPr id="25" name="Rectangle 24"/>
+            <p:cNvSpPr/>
+            <p:nvPr/>
+          </p:nvSpPr>
+          <p:spPr>
+            <a:xfrm>
+              <a:off x="5052777" y="4247634"/>
+              <a:ext cx="2023689" cy="369332"/>
+            </a:xfrm>
+            <a:prstGeom prst="rect">
+              <a:avLst/>
+            </a:prstGeom>
+          </p:spPr>
+          <p:txBody>
+            <a:bodyPr wrap="none">
+              <a:spAutoFit/>
+            </a:bodyPr>
+            <a:lstStyle/>
+            <a:p>
+              <a:r>
+                <a:rPr lang="en-US" dirty="0" smtClean="0">
+                  <a:latin typeface="Avenir Light"/>
+                  <a:cs typeface="Avenir Light"/>
+                </a:rPr>
+                <a:t>Of emails opened</a:t>
+              </a:r>
+              <a:endParaRPr lang="en-US" dirty="0"/>
+            </a:p>
+          </p:txBody>
+        </p:sp>
+        <p:sp>
+          <p:nvSpPr>
+            <p:cNvPr id="28" name="Donut 27"/>
+            <p:cNvSpPr/>
+            <p:nvPr/>
+          </p:nvSpPr>
+          <p:spPr>
+            <a:xfrm>
+              <a:off x="5067300" y="2514600"/>
+              <a:ext cx="1689100" cy="1663700"/>
+            </a:xfrm>
+            <a:prstGeom prst="donut">
+              <a:avLst>
+                <a:gd name="adj" fmla="val 14862"/>
+              </a:avLst>
+            </a:prstGeom>
+            <a:solidFill>
+              <a:schemeClr val="accent2">
+                <a:lumMod val="75000"/>
+              </a:schemeClr>
+            </a:solidFill>
+            <a:ln>
+              <a:noFill/>
+            </a:ln>
+            <a:effectLst/>
+          </p:spPr>
+          <p:style>
+            <a:lnRef idx="1">
+              <a:schemeClr val="accent1"/>
+            </a:lnRef>
+            <a:fillRef idx="3">
+              <a:schemeClr val="accent1"/>
+            </a:fillRef>
+            <a:effectRef idx="2">
+              <a:schemeClr val="accent1"/>
+            </a:effectRef>
+            <a:fontRef idx="minor">
+              <a:schemeClr val="lt1"/>
+            </a:fontRef>
+          </p:style>
+          <p:txBody>
+            <a:bodyPr rtlCol="0" anchor="ctr"/>
+            <a:lstStyle/>
+            <a:p>
+              <a:pPr algn="ctr"/>
+              <a:endParaRPr lang="en-US">
+                <a:solidFill>
+                  <a:schemeClr val="tx1"/>
+                </a:solidFill>
+              </a:endParaRPr>
+            </a:p>
+          </p:txBody>
+        </p:sp>
+        <p:sp>
+          <p:nvSpPr>
+            <p:cNvPr id="30" name="Rectangle 29"/>
+            <p:cNvSpPr/>
+            <p:nvPr/>
+          </p:nvSpPr>
+          <p:spPr>
+            <a:xfrm>
+              <a:off x="5029200" y="2641600"/>
+              <a:ext cx="368300" cy="1536700"/>
+            </a:xfrm>
+            <a:prstGeom prst="rect">
+              <a:avLst/>
+            </a:prstGeom>
+            <a:solidFill>
+              <a:schemeClr val="bg1"/>
+            </a:solidFill>
+            <a:ln>
+              <a:noFill/>
+            </a:ln>
+            <a:effectLst/>
+          </p:spPr>
+          <p:style>
+            <a:lnRef idx="1">
+              <a:schemeClr val="accent1"/>
+            </a:lnRef>
+            <a:fillRef idx="3">
+              <a:schemeClr val="accent1"/>
+            </a:fillRef>
+            <a:effectRef idx="2">
+              <a:schemeClr val="accent1"/>
+            </a:effectRef>
+            <a:fontRef idx="minor">
+              <a:schemeClr val="lt1"/>
+            </a:fontRef>
+          </p:style>
+          <p:txBody>
+            <a:bodyPr rtlCol="0" anchor="ctr"/>
+            <a:lstStyle/>
+            <a:p>
+              <a:pPr algn="ctr"/>
+              <a:endParaRPr lang="en-US"/>
+            </a:p>
+          </p:txBody>
+        </p:sp>
+        <p:sp>
+          <p:nvSpPr>
+            <p:cNvPr id="32" name="Rectangle 31"/>
+            <p:cNvSpPr/>
+            <p:nvPr/>
+          </p:nvSpPr>
+          <p:spPr>
+            <a:xfrm rot="5400000">
+              <a:off x="5594350" y="2724150"/>
+              <a:ext cx="596900" cy="2336800"/>
+            </a:xfrm>
+            <a:prstGeom prst="rect">
+              <a:avLst/>
+            </a:prstGeom>
+            <a:solidFill>
+              <a:schemeClr val="bg1"/>
+            </a:solidFill>
+            <a:ln>
+              <a:noFill/>
+            </a:ln>
+            <a:effectLst/>
+          </p:spPr>
+          <p:style>
+            <a:lnRef idx="1">
+              <a:schemeClr val="accent1"/>
+            </a:lnRef>
+            <a:fillRef idx="3">
+              <a:schemeClr val="accent1"/>
+            </a:fillRef>
+            <a:effectRef idx="2">
+              <a:schemeClr val="accent1"/>
+            </a:effectRef>
+            <a:fontRef idx="minor">
+              <a:schemeClr val="lt1"/>
+            </a:fontRef>
+          </p:style>
+          <p:txBody>
+            <a:bodyPr rtlCol="0" anchor="ctr"/>
+            <a:lstStyle/>
+            <a:p>
+              <a:pPr algn="ctr"/>
+              <a:endParaRPr lang="en-US"/>
+            </a:p>
+          </p:txBody>
+        </p:sp>
+        <p:sp>
+          <p:nvSpPr>
+            <p:cNvPr id="33" name="Rectangle 32"/>
+            <p:cNvSpPr/>
+            <p:nvPr/>
+          </p:nvSpPr>
+          <p:spPr>
+            <a:xfrm rot="5400000">
+              <a:off x="5073650" y="2216150"/>
+              <a:ext cx="647700" cy="990600"/>
+            </a:xfrm>
+            <a:prstGeom prst="rect">
+              <a:avLst/>
+            </a:prstGeom>
+            <a:solidFill>
+              <a:schemeClr val="bg1"/>
+            </a:solidFill>
+            <a:ln>
+              <a:noFill/>
+            </a:ln>
+            <a:effectLst/>
+          </p:spPr>
+          <p:style>
+            <a:lnRef idx="1">
+              <a:schemeClr val="accent1"/>
+            </a:lnRef>
+            <a:fillRef idx="3">
+              <a:schemeClr val="accent1"/>
+            </a:fillRef>
+            <a:effectRef idx="2">
+              <a:schemeClr val="accent1"/>
+            </a:effectRef>
+            <a:fontRef idx="minor">
+              <a:schemeClr val="lt1"/>
+            </a:fontRef>
+          </p:style>
+          <p:txBody>
+            <a:bodyPr rtlCol="0" anchor="ctr"/>
+            <a:lstStyle/>
+            <a:p>
+              <a:pPr algn="ctr"/>
+              <a:endParaRPr lang="en-US"/>
+            </a:p>
+          </p:txBody>
+        </p:sp>
+        <p:sp>
+          <p:nvSpPr>
+            <p:cNvPr id="34" name="Rectangle 33"/>
+            <p:cNvSpPr/>
+            <p:nvPr/>
+          </p:nvSpPr>
+          <p:spPr>
+            <a:xfrm rot="5400000">
+              <a:off x="6369050" y="3359150"/>
+              <a:ext cx="596900" cy="660400"/>
+            </a:xfrm>
+            <a:prstGeom prst="rect">
+              <a:avLst/>
+            </a:prstGeom>
+            <a:solidFill>
+              <a:schemeClr val="bg1"/>
+            </a:solidFill>
+            <a:ln>
+              <a:noFill/>
+            </a:ln>
+            <a:effectLst/>
+          </p:spPr>
+          <p:style>
+            <a:lnRef idx="1">
+              <a:schemeClr val="accent1"/>
+            </a:lnRef>
+            <a:fillRef idx="3">
+              <a:schemeClr val="accent1"/>
+            </a:fillRef>
+            <a:effectRef idx="2">
+              <a:schemeClr val="accent1"/>
+            </a:effectRef>
+            <a:fontRef idx="minor">
+              <a:schemeClr val="lt1"/>
+            </a:fontRef>
+          </p:style>
+          <p:txBody>
+            <a:bodyPr rtlCol="0" anchor="ctr"/>
+            <a:lstStyle/>
+            <a:p>
+              <a:pPr algn="ctr"/>
+              <a:endParaRPr lang="en-US"/>
+            </a:p>
+          </p:txBody>
+        </p:sp>
+        <p:sp>
+          <p:nvSpPr>
+            <p:cNvPr id="35" name="Rectangle 34"/>
+            <p:cNvSpPr/>
+            <p:nvPr/>
+          </p:nvSpPr>
+          <p:spPr>
+            <a:xfrm rot="2828370">
+              <a:off x="3854584" y="2615248"/>
+              <a:ext cx="176220" cy="464097"/>
+            </a:xfrm>
+            <a:prstGeom prst="rect">
+              <a:avLst/>
+            </a:prstGeom>
+            <a:solidFill>
+              <a:schemeClr val="bg1"/>
+            </a:solidFill>
+            <a:ln>
+              <a:noFill/>
+            </a:ln>
+            <a:effectLst/>
+          </p:spPr>
+          <p:style>
+            <a:lnRef idx="1">
+              <a:schemeClr val="accent1"/>
+            </a:lnRef>
+            <a:fillRef idx="3">
+              <a:schemeClr val="accent1"/>
+            </a:fillRef>
+            <a:effectRef idx="2">
+              <a:schemeClr val="accent1"/>
+            </a:effectRef>
+            <a:fontRef idx="minor">
+              <a:schemeClr val="lt1"/>
+            </a:fontRef>
+          </p:style>
+          <p:txBody>
+            <a:bodyPr rtlCol="0" anchor="ctr"/>
+            <a:lstStyle/>
+            <a:p>
+              <a:pPr algn="ctr"/>
+              <a:endParaRPr lang="en-US"/>
+            </a:p>
+          </p:txBody>
+        </p:sp>
+      </p:grpSp>
+    </p:spTree>
+  </p:cSld>
+  <p:clrMapOvr>
+    <a:masterClrMapping/>
+  </p:clrMapOvr>
+  <p:timing>
+    <p:tnLst>
+      <p:par>
+        <p:cTn id="1" dur="indefinite" restart="never" nodeType="tmRoot">
+          <p:childTnLst>
+            <p:seq concurrent="1" nextAc="seek">
+              <p:cTn id="2" dur="indefinite" nodeType="mainSeq">
+                <p:childTnLst>
+                  <p:par>
+                    <p:cTn id="3" fill="hold">
+                      <p:stCondLst>
+                        <p:cond delay="indefinite"/>
+                      </p:stCondLst>
+                      <p:childTnLst>
+                        <p:par>
+                          <p:cTn id="4" fill="hold">
+                            <p:stCondLst>
+                              <p:cond delay="0"/>
+                            </p:stCondLst>
+                            <p:childTnLst>
+                              <p:par>
+                                <p:cTn id="5" presetID="1" presetClass="entr" presetSubtype="0" fill="hold" grpId="0" nodeType="clickEffect">
+                                  <p:stCondLst>
+                                    <p:cond delay="0"/>
+                                  </p:stCondLst>
+                                  <p:childTnLst>
+                                    <p:set>
+                                      <p:cBhvr>
+                                        <p:cTn id="6" dur="1" fill="hold">
+                                          <p:stCondLst>
+                                            <p:cond delay="0"/>
+                                          </p:stCondLst>
+                                        </p:cTn>
+                                        <p:tgtEl>
+                                          <p:spTgt spid="6"/>
+                                        </p:tgtEl>
+                                        <p:attrNameLst>
+                                          <p:attrName>style.visibility</p:attrName>
+                                        </p:attrNameLst>
+                                      </p:cBhvr>
+                                      <p:to>
+                                        <p:strVal val="visible"/>
+                                      </p:to>
+                                    </p:set>
+                                  </p:childTnLst>
+                                </p:cTn>
+                              </p:par>
+                              <p:par>
+                                <p:cTn id="7" presetID="1" presetClass="entr" presetSubtype="0" fill="hold" nodeType="withEffect">
+                                  <p:stCondLst>
+                                    <p:cond delay="0"/>
+                                  </p:stCondLst>
+                                  <p:childTnLst>
+                                    <p:set>
+                                      <p:cBhvr>
+                                        <p:cTn id="8" dur="1" fill="hold">
+                                          <p:stCondLst>
+                                            <p:cond delay="0"/>
+                                          </p:stCondLst>
+                                        </p:cTn>
+                                        <p:tgtEl>
+                                          <p:spTgt spid="36"/>
+                                        </p:tgtEl>
+                                        <p:attrNameLst>
+                                          <p:attrName>style.visibility</p:attrName>
+                                        </p:attrNameLst>
+                                      </p:cBhvr>
+                                      <p:to>
+                                        <p:strVal val="visible"/>
+                                      </p:to>
+                                    </p:set>
+                                  </p:childTnLst>
+                                </p:cTn>
+                              </p:par>
+                            </p:childTnLst>
+                          </p:cTn>
+                        </p:par>
+                      </p:childTnLst>
+                    </p:cTn>
+                  </p:par>
+                </p:childTnLst>
+              </p:cTn>
+              <p:prevCondLst>
+                <p:cond evt="onPrev" delay="0">
+                  <p:tgtEl>
+                    <p:sldTgt/>
+                  </p:tgtEl>
+                </p:cond>
+              </p:prevCondLst>
+              <p:nextCondLst>
+                <p:cond evt="onNext" delay="0">
+                  <p:tgtEl>
+                    <p:sldTgt/>
+                  </p:tgtEl>
+                </p:cond>
+              </p:nextCondLst>
+            </p:seq>
+          </p:childTnLst>
+        </p:cTn>
+      </p:par>
+    </p:tnLst>
+    <p:bldLst>
+      <p:bldP spid="6" grpId="0"/>
+    </p:bldLst>
+  </p:timing>
+</p:sld>
+</file>
+
+<file path=ppt/slides/slide6.xml><?xml version="1.0" encoding="utf-8"?>
+<p:sld xmlns:a="http://schemas.openxmlformats.org/drawingml/2006/main" xmlns:r="http://schemas.openxmlformats.org/officeDocument/2006/relationships" xmlns:mc="http://schemas.openxmlformats.org/markup-compatibility/2006" xmlns:mv="urn:schemas-microsoft-com:mac:vml" xmlns:p="http://schemas.openxmlformats.org/presentationml/2006/main" mc:Ignorable="mv" mc:PreserveAttributes="mv:*">
+  <p:cSld>
+    <p:spTree>
+      <p:nvGrpSpPr>
+        <p:cNvPr id="1" name=""/>
+        <p:cNvGrpSpPr/>
+        <p:nvPr/>
+      </p:nvGrpSpPr>
+      <p:grpSpPr>
+        <a:xfrm>
+          <a:off x="0" y="0"/>
+          <a:ext cx="0" cy="0"/>
+          <a:chOff x="0" y="0"/>
+          <a:chExt cx="0" cy="0"/>
+        </a:xfrm>
+      </p:grpSpPr>
+      <p:pic>
+        <p:nvPicPr>
+          <p:cNvPr id="4" name="Picture 3" descr="blue-background.png"/>
+          <p:cNvPicPr>
+            <a:picLocks noChangeAspect="1"/>
+          </p:cNvPicPr>
+          <p:nvPr/>
+        </p:nvPicPr>
+        <p:blipFill>
+          <a:blip r:embed="rId2"/>
+          <a:stretch>
+            <a:fillRect/>
+          </a:stretch>
+        </p:blipFill>
+        <p:spPr>
+          <a:xfrm>
+            <a:off x="-1" y="0"/>
+            <a:ext cx="9144001" cy="6858000"/>
+          </a:xfrm>
+          <a:prstGeom prst="rect">
+            <a:avLst/>
+          </a:prstGeom>
+        </p:spPr>
+      </p:pic>
+      <p:grpSp>
+        <p:nvGrpSpPr>
+          <p:cNvPr id="8" name="Group 7"/>
+          <p:cNvGrpSpPr/>
+          <p:nvPr/>
+        </p:nvGrpSpPr>
+        <p:grpSpPr>
+          <a:xfrm>
+            <a:off x="2988232" y="61603"/>
+            <a:ext cx="3167536" cy="6734793"/>
+            <a:chOff x="3287525" y="123207"/>
+            <a:chExt cx="3167536" cy="6734793"/>
+          </a:xfrm>
+        </p:grpSpPr>
+        <p:pic>
+          <p:nvPicPr>
+            <p:cNvPr id="5" name="Picture 4"/>
+            <p:cNvPicPr>
+              <a:picLocks noChangeAspect="1"/>
+            </p:cNvPicPr>
+            <p:nvPr/>
+          </p:nvPicPr>
+          <p:blipFill>
+            <a:blip r:embed="rId3"/>
+            <a:srcRect b="-1118"/>
+            <a:stretch>
+              <a:fillRect/>
+            </a:stretch>
+          </p:blipFill>
+          <p:spPr>
+            <a:xfrm>
+              <a:off x="3287525" y="123207"/>
+              <a:ext cx="3167536" cy="6734793"/>
+            </a:xfrm>
+            <a:prstGeom prst="rect">
+              <a:avLst/>
+            </a:prstGeom>
+          </p:spPr>
+        </p:pic>
+        <p:pic>
+          <p:nvPicPr>
+            <p:cNvPr id="7" name="Picture 6" descr="nudgeSMS_welcome_iphone.png"/>
+            <p:cNvPicPr>
+              <a:picLocks noChangeAspect="1"/>
+            </p:cNvPicPr>
+            <p:nvPr/>
+          </p:nvPicPr>
+          <p:blipFill>
+            <a:blip r:embed="rId4"/>
+            <a:stretch>
+              <a:fillRect/>
+            </a:stretch>
+          </p:blipFill>
+          <p:spPr>
+            <a:xfrm>
+              <a:off x="3523910" y="1079500"/>
+              <a:ext cx="2694767" cy="4781550"/>
+            </a:xfrm>
+            <a:prstGeom prst="rect">
+              <a:avLst/>
+            </a:prstGeom>
+          </p:spPr>
+        </p:pic>
+      </p:grpSp>
+      <p:grpSp>
+        <p:nvGrpSpPr>
+          <p:cNvPr id="9" name="Group 8"/>
+          <p:cNvGrpSpPr/>
+          <p:nvPr/>
+        </p:nvGrpSpPr>
+        <p:grpSpPr>
+          <a:xfrm>
+            <a:off x="0" y="255369"/>
+            <a:ext cx="3440545" cy="455834"/>
+            <a:chOff x="3168092" y="6414869"/>
+            <a:chExt cx="3440545" cy="455834"/>
+          </a:xfrm>
+        </p:grpSpPr>
+        <p:sp>
+          <p:nvSpPr>
+            <p:cNvPr id="10" name="Rectangle 9"/>
+            <p:cNvSpPr/>
+            <p:nvPr/>
+          </p:nvSpPr>
+          <p:spPr>
+            <a:xfrm rot="5400000">
+              <a:off x="4375149" y="5492753"/>
+              <a:ext cx="406401" cy="2349500"/>
+            </a:xfrm>
+            <a:prstGeom prst="rect">
+              <a:avLst/>
+            </a:prstGeom>
+            <a:solidFill>
+              <a:schemeClr val="tx2">
+                <a:lumMod val="50000"/>
+              </a:schemeClr>
+            </a:solidFill>
+            <a:ln>
+              <a:noFill/>
+            </a:ln>
+            <a:effectLst/>
+          </p:spPr>
+          <p:style>
+            <a:lnRef idx="1">
+              <a:schemeClr val="accent1"/>
+            </a:lnRef>
+            <a:fillRef idx="3">
+              <a:schemeClr val="accent1"/>
+            </a:fillRef>
+            <a:effectRef idx="2">
+              <a:schemeClr val="accent1"/>
+            </a:effectRef>
+            <a:fontRef idx="minor">
+              <a:schemeClr val="lt1"/>
+            </a:fontRef>
+          </p:style>
+          <p:txBody>
+            <a:bodyPr rtlCol="0" anchor="ctr"/>
+            <a:lstStyle/>
+            <a:p>
+              <a:pPr algn="ctr"/>
+              <a:endParaRPr lang="en-US">
+                <a:latin typeface="Avenir Book"/>
+                <a:cs typeface="Avenir Book"/>
+              </a:endParaRPr>
+            </a:p>
+          </p:txBody>
+        </p:sp>
+        <p:pic>
+          <p:nvPicPr>
+            <p:cNvPr id="11" name="Picture 10" descr="noun_327_cc.png"/>
+            <p:cNvPicPr>
+              <a:picLocks noChangeAspect="1"/>
+            </p:cNvPicPr>
+            <p:nvPr/>
+          </p:nvPicPr>
+          <p:blipFill>
+            <a:blip r:embed="rId5">
+              <a:lum bright="100000" contrast="-70000"/>
+            </a:blip>
+            <a:srcRect t="17845" b="31313"/>
+            <a:stretch>
+              <a:fillRect/>
+            </a:stretch>
+          </p:blipFill>
+          <p:spPr>
+            <a:xfrm>
+              <a:off x="3533542" y="6515100"/>
+              <a:ext cx="538337" cy="273700"/>
+            </a:xfrm>
+            <a:prstGeom prst="rect">
+              <a:avLst/>
+            </a:prstGeom>
+          </p:spPr>
+        </p:pic>
+        <p:sp>
+          <p:nvSpPr>
+            <p:cNvPr id="12" name="TextBox 11"/>
+            <p:cNvSpPr txBox="1"/>
+            <p:nvPr/>
+          </p:nvSpPr>
+          <p:spPr>
+            <a:xfrm>
+              <a:off x="3168092" y="6414869"/>
+              <a:ext cx="3440545" cy="400110"/>
+            </a:xfrm>
+            <a:prstGeom prst="rect">
+              <a:avLst/>
+            </a:prstGeom>
+            <a:noFill/>
+          </p:spPr>
+          <p:txBody>
+            <a:bodyPr wrap="square" rtlCol="0">
+              <a:spAutoFit/>
+            </a:bodyPr>
+            <a:lstStyle/>
+            <a:p>
+              <a:pPr algn="ctr"/>
+              <a:r>
+                <a:rPr lang="en-US" sz="2000" dirty="0" err="1" smtClean="0">
+                  <a:solidFill>
+                    <a:srgbClr val="FFFFFF"/>
+                  </a:solidFill>
+                  <a:latin typeface="Avenir Black"/>
+                  <a:cs typeface="Avenir Black"/>
+                </a:rPr>
+                <a:t>NudgeSMS</a:t>
+              </a:r>
+              <a:endParaRPr lang="en-US" sz="2000" dirty="0">
+                <a:solidFill>
+                  <a:srgbClr val="FFFFFF"/>
+                </a:solidFill>
+                <a:latin typeface="Avenir Black"/>
+                <a:cs typeface="Avenir Black"/>
+              </a:endParaRPr>
+            </a:p>
+          </p:txBody>
+        </p:sp>
+      </p:grpSp>
+    </p:spTree>
+  </p:cSld>
+  <p:clrMapOvr>
+    <a:masterClrMapping/>
+  </p:clrMapOvr>
+  <p:timing>
+    <p:tnLst>
+      <p:par>
+        <p:cTn id="1" dur="indefinite" restart="never" nodeType="tmRoot"/>
+      </p:par>
+    </p:tnLst>
+  </p:timing>
+</p:sld>
+</file>
+
+<file path=ppt/slides/slide7.xml><?xml version="1.0" encoding="utf-8"?>
 <p:sld xmlns:a="http://schemas.openxmlformats.org/drawingml/2006/main" xmlns:r="http://schemas.openxmlformats.org/officeDocument/2006/relationships" xmlns:mc="http://schemas.openxmlformats.org/markup-compatibility/2006" xmlns:mv="urn:schemas-microsoft-com:mac:vml" xmlns:p="http://schemas.openxmlformats.org/presentationml/2006/main" mc:Ignorable="mv" mc:PreserveAttributes="mv:*">
   <p:cSld>
     <p:spTree>
@@ -5413,75 +7204,196 @@
         </p:nvPicPr>
         <p:blipFill>
           <a:blip r:embed="rId3"/>
-          <a:srcRect b="34183"/>
+          <a:srcRect b="-1118"/>
           <a:stretch>
             <a:fillRect/>
           </a:stretch>
         </p:blipFill>
         <p:spPr>
           <a:xfrm>
-            <a:off x="1626364" y="1524001"/>
-            <a:ext cx="3854262" cy="5333999"/>
+            <a:off x="2988232" y="61603"/>
+            <a:ext cx="3167536" cy="6734793"/>
           </a:xfrm>
           <a:prstGeom prst="rect">
             <a:avLst/>
           </a:prstGeom>
         </p:spPr>
       </p:pic>
-      <p:sp>
-        <p:nvSpPr>
-          <p:cNvPr id="6" name="Process 5"/>
-          <p:cNvSpPr/>
+      <p:pic>
+        <p:nvPicPr>
+          <p:cNvPr id="7" name="Picture 6" descr="nudgeSMS_welcome_iphone.png"/>
+          <p:cNvPicPr>
+            <a:picLocks noChangeAspect="1"/>
+          </p:cNvPicPr>
           <p:nvPr/>
-        </p:nvSpPr>
+        </p:nvPicPr>
+        <p:blipFill>
+          <a:blip r:embed="rId4"/>
+          <a:stretch>
+            <a:fillRect/>
+          </a:stretch>
+        </p:blipFill>
         <p:spPr>
           <a:xfrm>
-            <a:off x="1951182" y="2736273"/>
-            <a:ext cx="3230417" cy="4110182"/>
+            <a:off x="3243792" y="1017896"/>
+            <a:ext cx="2656416" cy="4811404"/>
           </a:xfrm>
-          <a:prstGeom prst="flowChartProcess">
+          <a:prstGeom prst="rect">
             <a:avLst/>
           </a:prstGeom>
-          <a:solidFill>
-            <a:schemeClr val="bg1"/>
-          </a:solidFill>
-          <a:ln>
+        </p:spPr>
+      </p:pic>
+      <p:grpSp>
+        <p:nvGrpSpPr>
+          <p:cNvPr id="6" name="Group 5"/>
+          <p:cNvGrpSpPr/>
+          <p:nvPr/>
+        </p:nvGrpSpPr>
+        <p:grpSpPr>
+          <a:xfrm>
+            <a:off x="0" y="255369"/>
+            <a:ext cx="3440545" cy="455834"/>
+            <a:chOff x="3168092" y="6414869"/>
+            <a:chExt cx="3440545" cy="455834"/>
+          </a:xfrm>
+        </p:grpSpPr>
+        <p:sp>
+          <p:nvSpPr>
+            <p:cNvPr id="8" name="Rectangle 7"/>
+            <p:cNvSpPr/>
+            <p:nvPr/>
+          </p:nvSpPr>
+          <p:spPr>
+            <a:xfrm rot="5400000">
+              <a:off x="4375149" y="5492753"/>
+              <a:ext cx="406401" cy="2349500"/>
+            </a:xfrm>
+            <a:prstGeom prst="rect">
+              <a:avLst/>
+            </a:prstGeom>
+            <a:solidFill>
+              <a:schemeClr val="tx2">
+                <a:lumMod val="50000"/>
+              </a:schemeClr>
+            </a:solidFill>
+            <a:ln>
+              <a:noFill/>
+            </a:ln>
+            <a:effectLst/>
+          </p:spPr>
+          <p:style>
+            <a:lnRef idx="1">
+              <a:schemeClr val="accent1"/>
+            </a:lnRef>
+            <a:fillRef idx="3">
+              <a:schemeClr val="accent1"/>
+            </a:fillRef>
+            <a:effectRef idx="2">
+              <a:schemeClr val="accent1"/>
+            </a:effectRef>
+            <a:fontRef idx="minor">
+              <a:schemeClr val="lt1"/>
+            </a:fontRef>
+          </p:style>
+          <p:txBody>
+            <a:bodyPr rtlCol="0" anchor="ctr"/>
+            <a:lstStyle/>
+            <a:p>
+              <a:pPr algn="ctr"/>
+              <a:endParaRPr lang="en-US">
+                <a:latin typeface="Avenir Book"/>
+                <a:cs typeface="Avenir Book"/>
+              </a:endParaRPr>
+            </a:p>
+          </p:txBody>
+        </p:sp>
+        <p:pic>
+          <p:nvPicPr>
+            <p:cNvPr id="9" name="Picture 8" descr="noun_327_cc.png"/>
+            <p:cNvPicPr>
+              <a:picLocks noChangeAspect="1"/>
+            </p:cNvPicPr>
+            <p:nvPr/>
+          </p:nvPicPr>
+          <p:blipFill>
+            <a:blip r:embed="rId5">
+              <a:lum bright="100000" contrast="-70000"/>
+            </a:blip>
+            <a:srcRect t="17845" b="31313"/>
+            <a:stretch>
+              <a:fillRect/>
+            </a:stretch>
+          </p:blipFill>
+          <p:spPr>
+            <a:xfrm>
+              <a:off x="3533542" y="6515100"/>
+              <a:ext cx="538337" cy="273700"/>
+            </a:xfrm>
+            <a:prstGeom prst="rect">
+              <a:avLst/>
+            </a:prstGeom>
+          </p:spPr>
+        </p:pic>
+        <p:sp>
+          <p:nvSpPr>
+            <p:cNvPr id="10" name="TextBox 9"/>
+            <p:cNvSpPr txBox="1"/>
+            <p:nvPr/>
+          </p:nvSpPr>
+          <p:spPr>
+            <a:xfrm>
+              <a:off x="3168092" y="6414869"/>
+              <a:ext cx="3440545" cy="400110"/>
+            </a:xfrm>
+            <a:prstGeom prst="rect">
+              <a:avLst/>
+            </a:prstGeom>
             <a:noFill/>
-          </a:ln>
-          <a:effectLst/>
-        </p:spPr>
-        <p:style>
-          <a:lnRef idx="1">
-            <a:schemeClr val="accent1"/>
-          </a:lnRef>
-          <a:fillRef idx="3">
-            <a:schemeClr val="accent1"/>
-          </a:fillRef>
-          <a:effectRef idx="2">
-            <a:schemeClr val="accent1"/>
-          </a:effectRef>
-          <a:fontRef idx="minor">
-            <a:schemeClr val="lt1"/>
-          </a:fontRef>
-        </p:style>
-        <p:txBody>
-          <a:bodyPr rtlCol="0" anchor="ctr"/>
-          <a:lstStyle/>
-          <a:p>
-            <a:pPr algn="ctr"/>
-            <a:endParaRPr lang="en-US"/>
-          </a:p>
-        </p:txBody>
-      </p:sp>
+          </p:spPr>
+          <p:txBody>
+            <a:bodyPr wrap="square" rtlCol="0">
+              <a:spAutoFit/>
+            </a:bodyPr>
+            <a:lstStyle/>
+            <a:p>
+              <a:pPr algn="ctr"/>
+              <a:r>
+                <a:rPr lang="en-US" sz="2000" dirty="0" err="1" smtClean="0">
+                  <a:solidFill>
+                    <a:srgbClr val="FFFFFF"/>
+                  </a:solidFill>
+                  <a:latin typeface="Avenir Black"/>
+                  <a:cs typeface="Avenir Black"/>
+                </a:rPr>
+                <a:t>NudgeSMS</a:t>
+              </a:r>
+              <a:endParaRPr lang="en-US" sz="2000" dirty="0">
+                <a:solidFill>
+                  <a:srgbClr val="FFFFFF"/>
+                </a:solidFill>
+                <a:latin typeface="Avenir Black"/>
+                <a:cs typeface="Avenir Black"/>
+              </a:endParaRPr>
+            </a:p>
+          </p:txBody>
+        </p:sp>
+      </p:grpSp>
     </p:spTree>
   </p:cSld>
   <p:clrMapOvr>
     <a:masterClrMapping/>
   </p:clrMapOvr>
+  <p:timing>
+    <p:tnLst>
+      <p:par>
+        <p:cTn id="1" dur="indefinite" restart="never" nodeType="tmRoot"/>
+      </p:par>
+    </p:tnLst>
+  </p:timing>
 </p:sld>
 </file>
 
-<file path=ppt/slides/slide6.xml><?xml version="1.0" encoding="utf-8"?>
+<file path=ppt/slides/slide8.xml><?xml version="1.0" encoding="utf-8"?>
 <p:sld xmlns:a="http://schemas.openxmlformats.org/drawingml/2006/main" xmlns:r="http://schemas.openxmlformats.org/officeDocument/2006/relationships" xmlns:mc="http://schemas.openxmlformats.org/markup-compatibility/2006" xmlns:mv="urn:schemas-microsoft-com:mac:vml" xmlns:p="http://schemas.openxmlformats.org/presentationml/2006/main" mc:Ignorable="mv" mc:PreserveAttributes="mv:*">
   <p:cSld>
     <p:spTree>
@@ -5498,6 +7410,246 @@
           <a:chExt cx="0" cy="0"/>
         </a:xfrm>
       </p:grpSpPr>
+      <p:pic>
+        <p:nvPicPr>
+          <p:cNvPr id="4" name="Picture 3" descr="blue-background.png"/>
+          <p:cNvPicPr>
+            <a:picLocks noChangeAspect="1"/>
+          </p:cNvPicPr>
+          <p:nvPr/>
+        </p:nvPicPr>
+        <p:blipFill>
+          <a:blip r:embed="rId2"/>
+          <a:stretch>
+            <a:fillRect/>
+          </a:stretch>
+        </p:blipFill>
+        <p:spPr>
+          <a:xfrm>
+            <a:off x="-1" y="0"/>
+            <a:ext cx="9144001" cy="6858000"/>
+          </a:xfrm>
+          <a:prstGeom prst="rect">
+            <a:avLst/>
+          </a:prstGeom>
+        </p:spPr>
+      </p:pic>
+      <p:pic>
+        <p:nvPicPr>
+          <p:cNvPr id="5" name="Picture 4"/>
+          <p:cNvPicPr>
+            <a:picLocks noChangeAspect="1"/>
+          </p:cNvPicPr>
+          <p:nvPr/>
+        </p:nvPicPr>
+        <p:blipFill>
+          <a:blip r:embed="rId3"/>
+          <a:srcRect b="-1118"/>
+          <a:stretch>
+            <a:fillRect/>
+          </a:stretch>
+        </p:blipFill>
+        <p:spPr>
+          <a:xfrm>
+            <a:off x="2988232" y="165100"/>
+            <a:ext cx="3167536" cy="5880100"/>
+          </a:xfrm>
+          <a:prstGeom prst="rect">
+            <a:avLst/>
+          </a:prstGeom>
+        </p:spPr>
+      </p:pic>
+      <p:pic>
+        <p:nvPicPr>
+          <p:cNvPr id="7" name="Picture 6" descr="nudgeSMS_welcome_iphone.png"/>
+          <p:cNvPicPr>
+            <a:picLocks noChangeAspect="1"/>
+          </p:cNvPicPr>
+          <p:nvPr/>
+        </p:nvPicPr>
+        <p:blipFill>
+          <a:blip r:embed="rId4"/>
+          <a:stretch>
+            <a:fillRect/>
+          </a:stretch>
+        </p:blipFill>
+        <p:spPr>
+          <a:xfrm>
+            <a:off x="3243792" y="1044286"/>
+            <a:ext cx="2656416" cy="4119169"/>
+          </a:xfrm>
+          <a:prstGeom prst="rect">
+            <a:avLst/>
+          </a:prstGeom>
+        </p:spPr>
+      </p:pic>
+      <p:grpSp>
+        <p:nvGrpSpPr>
+          <p:cNvPr id="2" name="Group 5"/>
+          <p:cNvGrpSpPr/>
+          <p:nvPr/>
+        </p:nvGrpSpPr>
+        <p:grpSpPr>
+          <a:xfrm>
+            <a:off x="0" y="255369"/>
+            <a:ext cx="3440545" cy="455834"/>
+            <a:chOff x="3168092" y="6414869"/>
+            <a:chExt cx="3440545" cy="455834"/>
+          </a:xfrm>
+        </p:grpSpPr>
+        <p:sp>
+          <p:nvSpPr>
+            <p:cNvPr id="8" name="Rectangle 7"/>
+            <p:cNvSpPr/>
+            <p:nvPr/>
+          </p:nvSpPr>
+          <p:spPr>
+            <a:xfrm rot="5400000">
+              <a:off x="4375149" y="5492753"/>
+              <a:ext cx="406401" cy="2349500"/>
+            </a:xfrm>
+            <a:prstGeom prst="rect">
+              <a:avLst/>
+            </a:prstGeom>
+            <a:solidFill>
+              <a:schemeClr val="tx2">
+                <a:lumMod val="50000"/>
+              </a:schemeClr>
+            </a:solidFill>
+            <a:ln>
+              <a:noFill/>
+            </a:ln>
+            <a:effectLst/>
+          </p:spPr>
+          <p:style>
+            <a:lnRef idx="1">
+              <a:schemeClr val="accent1"/>
+            </a:lnRef>
+            <a:fillRef idx="3">
+              <a:schemeClr val="accent1"/>
+            </a:fillRef>
+            <a:effectRef idx="2">
+              <a:schemeClr val="accent1"/>
+            </a:effectRef>
+            <a:fontRef idx="minor">
+              <a:schemeClr val="lt1"/>
+            </a:fontRef>
+          </p:style>
+          <p:txBody>
+            <a:bodyPr rtlCol="0" anchor="ctr"/>
+            <a:lstStyle/>
+            <a:p>
+              <a:pPr algn="ctr"/>
+              <a:endParaRPr lang="en-US">
+                <a:latin typeface="Avenir Book"/>
+                <a:cs typeface="Avenir Book"/>
+              </a:endParaRPr>
+            </a:p>
+          </p:txBody>
+        </p:sp>
+        <p:pic>
+          <p:nvPicPr>
+            <p:cNvPr id="9" name="Picture 8" descr="noun_327_cc.png"/>
+            <p:cNvPicPr>
+              <a:picLocks noChangeAspect="1"/>
+            </p:cNvPicPr>
+            <p:nvPr/>
+          </p:nvPicPr>
+          <p:blipFill>
+            <a:blip r:embed="rId5">
+              <a:lum bright="100000" contrast="-70000"/>
+            </a:blip>
+            <a:srcRect t="17845" b="31313"/>
+            <a:stretch>
+              <a:fillRect/>
+            </a:stretch>
+          </p:blipFill>
+          <p:spPr>
+            <a:xfrm>
+              <a:off x="3533542" y="6515100"/>
+              <a:ext cx="538337" cy="273700"/>
+            </a:xfrm>
+            <a:prstGeom prst="rect">
+              <a:avLst/>
+            </a:prstGeom>
+          </p:spPr>
+        </p:pic>
+        <p:sp>
+          <p:nvSpPr>
+            <p:cNvPr id="10" name="TextBox 9"/>
+            <p:cNvSpPr txBox="1"/>
+            <p:nvPr/>
+          </p:nvSpPr>
+          <p:spPr>
+            <a:xfrm>
+              <a:off x="3168092" y="6414869"/>
+              <a:ext cx="3440545" cy="400110"/>
+            </a:xfrm>
+            <a:prstGeom prst="rect">
+              <a:avLst/>
+            </a:prstGeom>
+            <a:noFill/>
+          </p:spPr>
+          <p:txBody>
+            <a:bodyPr wrap="square" rtlCol="0">
+              <a:spAutoFit/>
+            </a:bodyPr>
+            <a:lstStyle/>
+            <a:p>
+              <a:pPr algn="ctr"/>
+              <a:r>
+                <a:rPr lang="en-US" sz="2000" dirty="0" err="1" smtClean="0">
+                  <a:solidFill>
+                    <a:srgbClr val="FFFFFF"/>
+                  </a:solidFill>
+                  <a:latin typeface="Avenir Black"/>
+                  <a:cs typeface="Avenir Black"/>
+                </a:rPr>
+                <a:t>NudgeSMS</a:t>
+              </a:r>
+              <a:endParaRPr lang="en-US" sz="2000" dirty="0">
+                <a:solidFill>
+                  <a:srgbClr val="FFFFFF"/>
+                </a:solidFill>
+                <a:latin typeface="Avenir Black"/>
+                <a:cs typeface="Avenir Black"/>
+              </a:endParaRPr>
+            </a:p>
+          </p:txBody>
+        </p:sp>
+      </p:grpSp>
+    </p:spTree>
+  </p:cSld>
+  <p:clrMapOvr>
+    <a:masterClrMapping/>
+  </p:clrMapOvr>
+  <p:timing>
+    <p:tnLst>
+      <p:par>
+        <p:cTn id="1" dur="indefinite" restart="never" nodeType="tmRoot"/>
+      </p:par>
+    </p:tnLst>
+  </p:timing>
+</p:sld>
+</file>
+
+<file path=ppt/slides/slide9.xml><?xml version="1.0" encoding="utf-8"?>
+<p:sld xmlns:a="http://schemas.openxmlformats.org/drawingml/2006/main" xmlns:r="http://schemas.openxmlformats.org/officeDocument/2006/relationships" xmlns:mc="http://schemas.openxmlformats.org/markup-compatibility/2006" xmlns:mv="urn:schemas-microsoft-com:mac:vml" xmlns:p="http://schemas.openxmlformats.org/presentationml/2006/main" mc:Ignorable="mv" mc:PreserveAttributes="mv:*">
+  <p:cSld>
+    <p:spTree>
+      <p:nvGrpSpPr>
+        <p:cNvPr id="1" name=""/>
+        <p:cNvGrpSpPr/>
+        <p:nvPr/>
+      </p:nvGrpSpPr>
+      <p:grpSpPr>
+        <a:xfrm>
+          <a:off x="0" y="0"/>
+          <a:ext cx="0" cy="0"/>
+          <a:chOff x="0" y="0"/>
+          <a:chExt cx="0" cy="0"/>
+        </a:xfrm>
+      </p:grpSpPr>
       <p:sp>
         <p:nvSpPr>
           <p:cNvPr id="7" name="Rectangle 6"/>
@@ -5650,11 +7802,153 @@
           </a:p>
         </p:txBody>
       </p:sp>
+      <p:grpSp>
+        <p:nvGrpSpPr>
+          <p:cNvPr id="9" name="Group 8"/>
+          <p:cNvGrpSpPr/>
+          <p:nvPr/>
+        </p:nvGrpSpPr>
+        <p:grpSpPr>
+          <a:xfrm>
+            <a:off x="0" y="6414869"/>
+            <a:ext cx="9144001" cy="443131"/>
+            <a:chOff x="0" y="6414869"/>
+            <a:chExt cx="9144001" cy="443131"/>
+          </a:xfrm>
+        </p:grpSpPr>
+        <p:sp>
+          <p:nvSpPr>
+            <p:cNvPr id="10" name="Rectangle 9"/>
+            <p:cNvSpPr/>
+            <p:nvPr/>
+          </p:nvSpPr>
+          <p:spPr>
+            <a:xfrm rot="5400000">
+              <a:off x="4368800" y="2082799"/>
+              <a:ext cx="406401" cy="9144001"/>
+            </a:xfrm>
+            <a:prstGeom prst="rect">
+              <a:avLst/>
+            </a:prstGeom>
+            <a:solidFill>
+              <a:schemeClr val="tx2">
+                <a:lumMod val="50000"/>
+              </a:schemeClr>
+            </a:solidFill>
+            <a:ln>
+              <a:noFill/>
+            </a:ln>
+            <a:effectLst/>
+          </p:spPr>
+          <p:style>
+            <a:lnRef idx="1">
+              <a:schemeClr val="accent1"/>
+            </a:lnRef>
+            <a:fillRef idx="3">
+              <a:schemeClr val="accent1"/>
+            </a:fillRef>
+            <a:effectRef idx="2">
+              <a:schemeClr val="accent1"/>
+            </a:effectRef>
+            <a:fontRef idx="minor">
+              <a:schemeClr val="lt1"/>
+            </a:fontRef>
+          </p:style>
+          <p:txBody>
+            <a:bodyPr rtlCol="0" anchor="ctr"/>
+            <a:lstStyle/>
+            <a:p>
+              <a:pPr algn="ctr"/>
+              <a:endParaRPr lang="en-US">
+                <a:latin typeface="Avenir Book"/>
+                <a:cs typeface="Avenir Book"/>
+              </a:endParaRPr>
+            </a:p>
+          </p:txBody>
+        </p:sp>
+        <p:pic>
+          <p:nvPicPr>
+            <p:cNvPr id="11" name="Picture 10" descr="noun_327_cc.png"/>
+            <p:cNvPicPr>
+              <a:picLocks noChangeAspect="1"/>
+            </p:cNvPicPr>
+            <p:nvPr/>
+          </p:nvPicPr>
+          <p:blipFill>
+            <a:blip r:embed="rId2">
+              <a:lum bright="100000" contrast="-70000"/>
+            </a:blip>
+            <a:srcRect t="17845" b="31313"/>
+            <a:stretch>
+              <a:fillRect/>
+            </a:stretch>
+          </p:blipFill>
+          <p:spPr>
+            <a:xfrm>
+              <a:off x="3533542" y="6515100"/>
+              <a:ext cx="538337" cy="273700"/>
+            </a:xfrm>
+            <a:prstGeom prst="rect">
+              <a:avLst/>
+            </a:prstGeom>
+          </p:spPr>
+        </p:pic>
+        <p:sp>
+          <p:nvSpPr>
+            <p:cNvPr id="12" name="TextBox 11"/>
+            <p:cNvSpPr txBox="1"/>
+            <p:nvPr/>
+          </p:nvSpPr>
+          <p:spPr>
+            <a:xfrm>
+              <a:off x="3168092" y="6414869"/>
+              <a:ext cx="3440545" cy="400110"/>
+            </a:xfrm>
+            <a:prstGeom prst="rect">
+              <a:avLst/>
+            </a:prstGeom>
+            <a:noFill/>
+          </p:spPr>
+          <p:txBody>
+            <a:bodyPr wrap="square" rtlCol="0">
+              <a:spAutoFit/>
+            </a:bodyPr>
+            <a:lstStyle/>
+            <a:p>
+              <a:pPr algn="ctr"/>
+              <a:r>
+                <a:rPr lang="en-US" sz="2000" dirty="0" err="1" smtClean="0">
+                  <a:solidFill>
+                    <a:srgbClr val="FFFFFF"/>
+                  </a:solidFill>
+                  <a:latin typeface="Avenir Black"/>
+                  <a:cs typeface="Avenir Black"/>
+                </a:rPr>
+                <a:t>NudgeSMS</a:t>
+              </a:r>
+              <a:endParaRPr lang="en-US" sz="2000" dirty="0">
+                <a:solidFill>
+                  <a:srgbClr val="FFFFFF"/>
+                </a:solidFill>
+                <a:latin typeface="Avenir Black"/>
+                <a:cs typeface="Avenir Black"/>
+              </a:endParaRPr>
+            </a:p>
+          </p:txBody>
+        </p:sp>
+      </p:grpSp>
     </p:spTree>
   </p:cSld>
   <p:clrMapOvr>
     <a:masterClrMapping/>
   </p:clrMapOvr>
+  <p:timing>
+    <p:tnLst>
+      <p:par>
+        <p:cTn id="1" dur="indefinite" restart="never" nodeType="tmRoot"/>
+      </p:par>
+    </p:tnLst>
+  </p:timing>
 </p:sld>
 </file>
 

--- a/presentation_files/DemoPresentation.pptx
+++ b/presentation_files/DemoPresentation.pptx
@@ -5,15 +5,20 @@
     <p:sldMasterId id="2147483648" r:id="rId1"/>
   </p:sldMasterIdLst>
   <p:sldIdLst>
-    <p:sldId id="257" r:id="rId2"/>
-    <p:sldId id="259" r:id="rId3"/>
-    <p:sldId id="258" r:id="rId4"/>
-    <p:sldId id="261" r:id="rId5"/>
-    <p:sldId id="264" r:id="rId6"/>
-    <p:sldId id="256" r:id="rId7"/>
-    <p:sldId id="262" r:id="rId8"/>
-    <p:sldId id="265" r:id="rId9"/>
-    <p:sldId id="260" r:id="rId10"/>
+    <p:sldId id="266" r:id="rId2"/>
+    <p:sldId id="257" r:id="rId3"/>
+    <p:sldId id="259" r:id="rId4"/>
+    <p:sldId id="267" r:id="rId5"/>
+    <p:sldId id="258" r:id="rId6"/>
+    <p:sldId id="261" r:id="rId7"/>
+    <p:sldId id="264" r:id="rId8"/>
+    <p:sldId id="270" r:id="rId9"/>
+    <p:sldId id="256" r:id="rId10"/>
+    <p:sldId id="262" r:id="rId11"/>
+    <p:sldId id="265" r:id="rId12"/>
+    <p:sldId id="269" r:id="rId13"/>
+    <p:sldId id="271" r:id="rId14"/>
+    <p:sldId id="260" r:id="rId15"/>
   </p:sldIdLst>
   <p:sldSz cx="9144000" cy="6858000" type="screen4x3"/>
   <p:notesSz cx="6858000" cy="9144000"/>
@@ -297,7 +302,7 @@
             <a:fld id="{E6C1F652-A445-4B4F-B4D1-FD671A4858F5}" type="datetimeFigureOut">
               <a:rPr lang="en-US" smtClean="0"/>
               <a:pPr/>
-              <a:t>10/24/15</a:t>
+              <a:t>10/25/15</a:t>
             </a:fld>
             <a:endParaRPr lang="en-US"/>
           </a:p>
@@ -464,7 +469,7 @@
             <a:fld id="{E6C1F652-A445-4B4F-B4D1-FD671A4858F5}" type="datetimeFigureOut">
               <a:rPr lang="en-US" smtClean="0"/>
               <a:pPr/>
-              <a:t>10/24/15</a:t>
+              <a:t>10/25/15</a:t>
             </a:fld>
             <a:endParaRPr lang="en-US"/>
           </a:p>
@@ -641,7 +646,7 @@
             <a:fld id="{E6C1F652-A445-4B4F-B4D1-FD671A4858F5}" type="datetimeFigureOut">
               <a:rPr lang="en-US" smtClean="0"/>
               <a:pPr/>
-              <a:t>10/24/15</a:t>
+              <a:t>10/25/15</a:t>
             </a:fld>
             <a:endParaRPr lang="en-US"/>
           </a:p>
@@ -808,7 +813,7 @@
             <a:fld id="{E6C1F652-A445-4B4F-B4D1-FD671A4858F5}" type="datetimeFigureOut">
               <a:rPr lang="en-US" smtClean="0"/>
               <a:pPr/>
-              <a:t>10/24/15</a:t>
+              <a:t>10/25/15</a:t>
             </a:fld>
             <a:endParaRPr lang="en-US"/>
           </a:p>
@@ -1051,7 +1056,7 @@
             <a:fld id="{E6C1F652-A445-4B4F-B4D1-FD671A4858F5}" type="datetimeFigureOut">
               <a:rPr lang="en-US" smtClean="0"/>
               <a:pPr/>
-              <a:t>10/24/15</a:t>
+              <a:t>10/25/15</a:t>
             </a:fld>
             <a:endParaRPr lang="en-US"/>
           </a:p>
@@ -1336,7 +1341,7 @@
             <a:fld id="{E6C1F652-A445-4B4F-B4D1-FD671A4858F5}" type="datetimeFigureOut">
               <a:rPr lang="en-US" smtClean="0"/>
               <a:pPr/>
-              <a:t>10/24/15</a:t>
+              <a:t>10/25/15</a:t>
             </a:fld>
             <a:endParaRPr lang="en-US"/>
           </a:p>
@@ -1755,7 +1760,7 @@
             <a:fld id="{E6C1F652-A445-4B4F-B4D1-FD671A4858F5}" type="datetimeFigureOut">
               <a:rPr lang="en-US" smtClean="0"/>
               <a:pPr/>
-              <a:t>10/24/15</a:t>
+              <a:t>10/25/15</a:t>
             </a:fld>
             <a:endParaRPr lang="en-US"/>
           </a:p>
@@ -1870,7 +1875,7 @@
             <a:fld id="{E6C1F652-A445-4B4F-B4D1-FD671A4858F5}" type="datetimeFigureOut">
               <a:rPr lang="en-US" smtClean="0"/>
               <a:pPr/>
-              <a:t>10/24/15</a:t>
+              <a:t>10/25/15</a:t>
             </a:fld>
             <a:endParaRPr lang="en-US"/>
           </a:p>
@@ -1962,7 +1967,7 @@
             <a:fld id="{E6C1F652-A445-4B4F-B4D1-FD671A4858F5}" type="datetimeFigureOut">
               <a:rPr lang="en-US" smtClean="0"/>
               <a:pPr/>
-              <a:t>10/24/15</a:t>
+              <a:t>10/25/15</a:t>
             </a:fld>
             <a:endParaRPr lang="en-US"/>
           </a:p>
@@ -2236,7 +2241,7 @@
             <a:fld id="{E6C1F652-A445-4B4F-B4D1-FD671A4858F5}" type="datetimeFigureOut">
               <a:rPr lang="en-US" smtClean="0"/>
               <a:pPr/>
-              <a:t>10/24/15</a:t>
+              <a:t>10/25/15</a:t>
             </a:fld>
             <a:endParaRPr lang="en-US"/>
           </a:p>
@@ -2486,7 +2491,7 @@
             <a:fld id="{E6C1F652-A445-4B4F-B4D1-FD671A4858F5}" type="datetimeFigureOut">
               <a:rPr lang="en-US" smtClean="0"/>
               <a:pPr/>
-              <a:t>10/24/15</a:t>
+              <a:t>10/25/15</a:t>
             </a:fld>
             <a:endParaRPr lang="en-US"/>
           </a:p>
@@ -2696,7 +2701,7 @@
             <a:fld id="{E6C1F652-A445-4B4F-B4D1-FD671A4858F5}" type="datetimeFigureOut">
               <a:rPr lang="en-US" smtClean="0"/>
               <a:pPr/>
-              <a:t>10/24/15</a:t>
+              <a:t>10/25/15</a:t>
             </a:fld>
             <a:endParaRPr lang="en-US"/>
           </a:p>
@@ -3067,6 +3072,2424 @@
           <a:chExt cx="0" cy="0"/>
         </a:xfrm>
       </p:grpSpPr>
+      <p:pic>
+        <p:nvPicPr>
+          <p:cNvPr id="4" name="Picture 3" descr="noun_327_cc.png"/>
+          <p:cNvPicPr>
+            <a:picLocks noChangeAspect="1"/>
+          </p:cNvPicPr>
+          <p:nvPr/>
+        </p:nvPicPr>
+        <p:blipFill>
+          <a:blip r:embed="rId2"/>
+          <a:srcRect t="17845" b="31313"/>
+          <a:stretch>
+            <a:fillRect/>
+          </a:stretch>
+        </p:blipFill>
+        <p:spPr>
+          <a:xfrm>
+            <a:off x="2962804" y="1085397"/>
+            <a:ext cx="816976" cy="415365"/>
+          </a:xfrm>
+          <a:prstGeom prst="rect">
+            <a:avLst/>
+          </a:prstGeom>
+        </p:spPr>
+      </p:pic>
+      <p:sp>
+        <p:nvSpPr>
+          <p:cNvPr id="5" name="TextBox 4"/>
+          <p:cNvSpPr txBox="1"/>
+          <p:nvPr/>
+        </p:nvSpPr>
+        <p:spPr>
+          <a:xfrm>
+            <a:off x="3371292" y="923631"/>
+            <a:ext cx="3440545" cy="646331"/>
+          </a:xfrm>
+          <a:prstGeom prst="rect">
+            <a:avLst/>
+          </a:prstGeom>
+          <a:noFill/>
+        </p:spPr>
+        <p:txBody>
+          <a:bodyPr wrap="square" rtlCol="0">
+            <a:spAutoFit/>
+          </a:bodyPr>
+          <a:lstStyle/>
+          <a:p>
+            <a:pPr algn="ctr"/>
+            <a:r>
+              <a:rPr lang="en-US" sz="3600" dirty="0" err="1" smtClean="0">
+                <a:latin typeface="Avenir Black"/>
+                <a:cs typeface="Avenir Black"/>
+              </a:rPr>
+              <a:t>NudgeSMS</a:t>
+            </a:r>
+            <a:endParaRPr lang="en-US" sz="3600" dirty="0">
+              <a:latin typeface="Avenir Black"/>
+              <a:cs typeface="Avenir Black"/>
+            </a:endParaRPr>
+          </a:p>
+        </p:txBody>
+      </p:sp>
+      <p:sp>
+        <p:nvSpPr>
+          <p:cNvPr id="6" name="Rectangle 5"/>
+          <p:cNvSpPr/>
+          <p:nvPr/>
+        </p:nvSpPr>
+        <p:spPr>
+          <a:xfrm>
+            <a:off x="1085291" y="2410685"/>
+            <a:ext cx="7458345" cy="1569660"/>
+          </a:xfrm>
+          <a:prstGeom prst="rect">
+            <a:avLst/>
+          </a:prstGeom>
+        </p:spPr>
+        <p:txBody>
+          <a:bodyPr wrap="square">
+            <a:spAutoFit/>
+          </a:bodyPr>
+          <a:lstStyle/>
+          <a:p>
+            <a:pPr algn="ctr"/>
+            <a:r>
+              <a:rPr lang="en-US" sz="4800" dirty="0" smtClean="0">
+                <a:latin typeface="Avenir Light"/>
+                <a:cs typeface="Avenir Light"/>
+              </a:rPr>
+              <a:t>Alan </a:t>
+            </a:r>
+            <a:r>
+              <a:rPr lang="en-US" sz="4800" dirty="0" err="1" smtClean="0">
+                <a:latin typeface="Avenir Light"/>
+                <a:cs typeface="Avenir Light"/>
+              </a:rPr>
+              <a:t>Mond</a:t>
+            </a:r>
+            <a:r>
+              <a:rPr lang="en-US" sz="4800" dirty="0" smtClean="0">
+                <a:latin typeface="Avenir Light"/>
+                <a:cs typeface="Avenir Light"/>
+              </a:rPr>
+              <a:t/>
+            </a:r>
+            <a:br>
+              <a:rPr lang="en-US" sz="4800" dirty="0" smtClean="0">
+                <a:latin typeface="Avenir Light"/>
+                <a:cs typeface="Avenir Light"/>
+              </a:rPr>
+            </a:br>
+            <a:r>
+              <a:rPr lang="en-US" sz="4800" dirty="0" smtClean="0">
+                <a:latin typeface="Avenir Light"/>
+                <a:cs typeface="Avenir Light"/>
+              </a:rPr>
+              <a:t>Brooks Newberry</a:t>
+            </a:r>
+            <a:endParaRPr lang="en-US" sz="4800" dirty="0">
+              <a:latin typeface="Avenir Light"/>
+              <a:cs typeface="Avenir Light"/>
+            </a:endParaRPr>
+          </a:p>
+        </p:txBody>
+      </p:sp>
+      <p:grpSp>
+        <p:nvGrpSpPr>
+          <p:cNvPr id="2" name="Group 8"/>
+          <p:cNvGrpSpPr/>
+          <p:nvPr/>
+        </p:nvGrpSpPr>
+        <p:grpSpPr>
+          <a:xfrm>
+            <a:off x="0" y="6414869"/>
+            <a:ext cx="9144001" cy="443131"/>
+            <a:chOff x="0" y="6414869"/>
+            <a:chExt cx="9144001" cy="443131"/>
+          </a:xfrm>
+        </p:grpSpPr>
+        <p:sp>
+          <p:nvSpPr>
+            <p:cNvPr id="10" name="Rectangle 9"/>
+            <p:cNvSpPr/>
+            <p:nvPr/>
+          </p:nvSpPr>
+          <p:spPr>
+            <a:xfrm rot="5400000">
+              <a:off x="4368800" y="2082799"/>
+              <a:ext cx="406401" cy="9144001"/>
+            </a:xfrm>
+            <a:prstGeom prst="rect">
+              <a:avLst/>
+            </a:prstGeom>
+            <a:solidFill>
+              <a:schemeClr val="tx2">
+                <a:lumMod val="50000"/>
+              </a:schemeClr>
+            </a:solidFill>
+            <a:ln>
+              <a:noFill/>
+            </a:ln>
+            <a:effectLst/>
+          </p:spPr>
+          <p:style>
+            <a:lnRef idx="1">
+              <a:schemeClr val="accent1"/>
+            </a:lnRef>
+            <a:fillRef idx="3">
+              <a:schemeClr val="accent1"/>
+            </a:fillRef>
+            <a:effectRef idx="2">
+              <a:schemeClr val="accent1"/>
+            </a:effectRef>
+            <a:fontRef idx="minor">
+              <a:schemeClr val="lt1"/>
+            </a:fontRef>
+          </p:style>
+          <p:txBody>
+            <a:bodyPr rtlCol="0" anchor="ctr"/>
+            <a:lstStyle/>
+            <a:p>
+              <a:pPr algn="ctr"/>
+              <a:endParaRPr lang="en-US">
+                <a:latin typeface="Avenir Book"/>
+                <a:cs typeface="Avenir Book"/>
+              </a:endParaRPr>
+            </a:p>
+          </p:txBody>
+        </p:sp>
+        <p:pic>
+          <p:nvPicPr>
+            <p:cNvPr id="11" name="Picture 10" descr="noun_327_cc.png"/>
+            <p:cNvPicPr>
+              <a:picLocks noChangeAspect="1"/>
+            </p:cNvPicPr>
+            <p:nvPr/>
+          </p:nvPicPr>
+          <p:blipFill>
+            <a:blip r:embed="rId2">
+              <a:lum bright="100000" contrast="-70000"/>
+            </a:blip>
+            <a:srcRect t="17845" b="31313"/>
+            <a:stretch>
+              <a:fillRect/>
+            </a:stretch>
+          </p:blipFill>
+          <p:spPr>
+            <a:xfrm>
+              <a:off x="3533542" y="6515100"/>
+              <a:ext cx="538337" cy="273700"/>
+            </a:xfrm>
+            <a:prstGeom prst="rect">
+              <a:avLst/>
+            </a:prstGeom>
+          </p:spPr>
+        </p:pic>
+        <p:sp>
+          <p:nvSpPr>
+            <p:cNvPr id="12" name="TextBox 11"/>
+            <p:cNvSpPr txBox="1"/>
+            <p:nvPr/>
+          </p:nvSpPr>
+          <p:spPr>
+            <a:xfrm>
+              <a:off x="3168092" y="6414869"/>
+              <a:ext cx="3440545" cy="400110"/>
+            </a:xfrm>
+            <a:prstGeom prst="rect">
+              <a:avLst/>
+            </a:prstGeom>
+            <a:noFill/>
+          </p:spPr>
+          <p:txBody>
+            <a:bodyPr wrap="square" rtlCol="0">
+              <a:spAutoFit/>
+            </a:bodyPr>
+            <a:lstStyle/>
+            <a:p>
+              <a:pPr algn="ctr"/>
+              <a:r>
+                <a:rPr lang="en-US" sz="2000" dirty="0" err="1" smtClean="0">
+                  <a:solidFill>
+                    <a:srgbClr val="FFFFFF"/>
+                  </a:solidFill>
+                  <a:latin typeface="Avenir Black"/>
+                  <a:cs typeface="Avenir Black"/>
+                </a:rPr>
+                <a:t>NudgeSMS</a:t>
+              </a:r>
+              <a:endParaRPr lang="en-US" sz="2000" dirty="0">
+                <a:solidFill>
+                  <a:srgbClr val="FFFFFF"/>
+                </a:solidFill>
+                <a:latin typeface="Avenir Black"/>
+                <a:cs typeface="Avenir Black"/>
+              </a:endParaRPr>
+            </a:p>
+          </p:txBody>
+        </p:sp>
+      </p:grpSp>
+    </p:spTree>
+  </p:cSld>
+  <p:clrMapOvr>
+    <a:masterClrMapping/>
+  </p:clrMapOvr>
+  <p:timing>
+    <p:tnLst>
+      <p:par>
+        <p:cTn id="1" dur="indefinite" restart="never" nodeType="tmRoot"/>
+      </p:par>
+    </p:tnLst>
+  </p:timing>
+</p:sld>
+</file>
+
+<file path=ppt/slides/slide10.xml><?xml version="1.0" encoding="utf-8"?>
+<p:sld xmlns:a="http://schemas.openxmlformats.org/drawingml/2006/main" xmlns:r="http://schemas.openxmlformats.org/officeDocument/2006/relationships" xmlns:mc="http://schemas.openxmlformats.org/markup-compatibility/2006" xmlns:mv="urn:schemas-microsoft-com:mac:vml" xmlns:p="http://schemas.openxmlformats.org/presentationml/2006/main" mc:Ignorable="mv" mc:PreserveAttributes="mv:*" show="0">
+  <p:cSld>
+    <p:spTree>
+      <p:nvGrpSpPr>
+        <p:cNvPr id="1" name=""/>
+        <p:cNvGrpSpPr/>
+        <p:nvPr/>
+      </p:nvGrpSpPr>
+      <p:grpSpPr>
+        <a:xfrm>
+          <a:off x="0" y="0"/>
+          <a:ext cx="0" cy="0"/>
+          <a:chOff x="0" y="0"/>
+          <a:chExt cx="0" cy="0"/>
+        </a:xfrm>
+      </p:grpSpPr>
+      <p:pic>
+        <p:nvPicPr>
+          <p:cNvPr id="4" name="Picture 3" descr="blue-background.png"/>
+          <p:cNvPicPr>
+            <a:picLocks noChangeAspect="1"/>
+          </p:cNvPicPr>
+          <p:nvPr/>
+        </p:nvPicPr>
+        <p:blipFill>
+          <a:blip r:embed="rId2"/>
+          <a:stretch>
+            <a:fillRect/>
+          </a:stretch>
+        </p:blipFill>
+        <p:spPr>
+          <a:xfrm>
+            <a:off x="-1" y="0"/>
+            <a:ext cx="9144001" cy="6858000"/>
+          </a:xfrm>
+          <a:prstGeom prst="rect">
+            <a:avLst/>
+          </a:prstGeom>
+        </p:spPr>
+      </p:pic>
+      <p:pic>
+        <p:nvPicPr>
+          <p:cNvPr id="5" name="Picture 4"/>
+          <p:cNvPicPr>
+            <a:picLocks noChangeAspect="1"/>
+          </p:cNvPicPr>
+          <p:nvPr/>
+        </p:nvPicPr>
+        <p:blipFill>
+          <a:blip r:embed="rId3"/>
+          <a:srcRect b="-1118"/>
+          <a:stretch>
+            <a:fillRect/>
+          </a:stretch>
+        </p:blipFill>
+        <p:spPr>
+          <a:xfrm>
+            <a:off x="2988232" y="61603"/>
+            <a:ext cx="3167536" cy="6734793"/>
+          </a:xfrm>
+          <a:prstGeom prst="rect">
+            <a:avLst/>
+          </a:prstGeom>
+        </p:spPr>
+      </p:pic>
+      <p:pic>
+        <p:nvPicPr>
+          <p:cNvPr id="7" name="Picture 6" descr="nudgeSMS_welcome_iphone.png"/>
+          <p:cNvPicPr>
+            <a:picLocks noChangeAspect="1"/>
+          </p:cNvPicPr>
+          <p:nvPr/>
+        </p:nvPicPr>
+        <p:blipFill>
+          <a:blip r:embed="rId4"/>
+          <a:stretch>
+            <a:fillRect/>
+          </a:stretch>
+        </p:blipFill>
+        <p:spPr>
+          <a:xfrm>
+            <a:off x="3243792" y="1017896"/>
+            <a:ext cx="2656416" cy="4811404"/>
+          </a:xfrm>
+          <a:prstGeom prst="rect">
+            <a:avLst/>
+          </a:prstGeom>
+        </p:spPr>
+      </p:pic>
+      <p:grpSp>
+        <p:nvGrpSpPr>
+          <p:cNvPr id="11" name="Group 10"/>
+          <p:cNvGrpSpPr/>
+          <p:nvPr/>
+        </p:nvGrpSpPr>
+        <p:grpSpPr>
+          <a:xfrm>
+            <a:off x="6261100" y="280769"/>
+            <a:ext cx="3440545" cy="455834"/>
+            <a:chOff x="3168092" y="6414869"/>
+            <a:chExt cx="3440545" cy="455834"/>
+          </a:xfrm>
+        </p:grpSpPr>
+        <p:sp>
+          <p:nvSpPr>
+            <p:cNvPr id="12" name="Rectangle 11"/>
+            <p:cNvSpPr/>
+            <p:nvPr/>
+          </p:nvSpPr>
+          <p:spPr>
+            <a:xfrm rot="5400000">
+              <a:off x="4375149" y="5492753"/>
+              <a:ext cx="406401" cy="2349500"/>
+            </a:xfrm>
+            <a:prstGeom prst="rect">
+              <a:avLst/>
+            </a:prstGeom>
+            <a:solidFill>
+              <a:schemeClr val="tx2">
+                <a:lumMod val="50000"/>
+              </a:schemeClr>
+            </a:solidFill>
+            <a:ln>
+              <a:noFill/>
+            </a:ln>
+            <a:effectLst/>
+          </p:spPr>
+          <p:style>
+            <a:lnRef idx="1">
+              <a:schemeClr val="accent1"/>
+            </a:lnRef>
+            <a:fillRef idx="3">
+              <a:schemeClr val="accent1"/>
+            </a:fillRef>
+            <a:effectRef idx="2">
+              <a:schemeClr val="accent1"/>
+            </a:effectRef>
+            <a:fontRef idx="minor">
+              <a:schemeClr val="lt1"/>
+            </a:fontRef>
+          </p:style>
+          <p:txBody>
+            <a:bodyPr rtlCol="0" anchor="ctr"/>
+            <a:lstStyle/>
+            <a:p>
+              <a:pPr algn="ctr"/>
+              <a:endParaRPr lang="en-US">
+                <a:latin typeface="Avenir Book"/>
+                <a:cs typeface="Avenir Book"/>
+              </a:endParaRPr>
+            </a:p>
+          </p:txBody>
+        </p:sp>
+        <p:pic>
+          <p:nvPicPr>
+            <p:cNvPr id="13" name="Picture 12" descr="noun_327_cc.png"/>
+            <p:cNvPicPr>
+              <a:picLocks noChangeAspect="1"/>
+            </p:cNvPicPr>
+            <p:nvPr/>
+          </p:nvPicPr>
+          <p:blipFill>
+            <a:blip r:embed="rId5">
+              <a:lum bright="100000" contrast="-70000"/>
+            </a:blip>
+            <a:srcRect t="17845" b="31313"/>
+            <a:stretch>
+              <a:fillRect/>
+            </a:stretch>
+          </p:blipFill>
+          <p:spPr>
+            <a:xfrm>
+              <a:off x="3533542" y="6515100"/>
+              <a:ext cx="538337" cy="273700"/>
+            </a:xfrm>
+            <a:prstGeom prst="rect">
+              <a:avLst/>
+            </a:prstGeom>
+          </p:spPr>
+        </p:pic>
+        <p:sp>
+          <p:nvSpPr>
+            <p:cNvPr id="14" name="TextBox 13"/>
+            <p:cNvSpPr txBox="1"/>
+            <p:nvPr/>
+          </p:nvSpPr>
+          <p:spPr>
+            <a:xfrm>
+              <a:off x="3168092" y="6414869"/>
+              <a:ext cx="3440545" cy="400110"/>
+            </a:xfrm>
+            <a:prstGeom prst="rect">
+              <a:avLst/>
+            </a:prstGeom>
+            <a:noFill/>
+          </p:spPr>
+          <p:txBody>
+            <a:bodyPr wrap="square" rtlCol="0">
+              <a:spAutoFit/>
+            </a:bodyPr>
+            <a:lstStyle/>
+            <a:p>
+              <a:pPr algn="ctr"/>
+              <a:r>
+                <a:rPr lang="en-US" sz="2000" dirty="0" err="1" smtClean="0">
+                  <a:solidFill>
+                    <a:srgbClr val="FFFFFF"/>
+                  </a:solidFill>
+                  <a:latin typeface="Avenir Black"/>
+                  <a:cs typeface="Avenir Black"/>
+                </a:rPr>
+                <a:t>NudgeSMS</a:t>
+              </a:r>
+              <a:endParaRPr lang="en-US" sz="2000" dirty="0">
+                <a:solidFill>
+                  <a:srgbClr val="FFFFFF"/>
+                </a:solidFill>
+                <a:latin typeface="Avenir Black"/>
+                <a:cs typeface="Avenir Black"/>
+              </a:endParaRPr>
+            </a:p>
+          </p:txBody>
+        </p:sp>
+      </p:grpSp>
+      <p:grpSp>
+        <p:nvGrpSpPr>
+          <p:cNvPr id="15" name="Group 14"/>
+          <p:cNvGrpSpPr/>
+          <p:nvPr/>
+        </p:nvGrpSpPr>
+        <p:grpSpPr>
+          <a:xfrm>
+            <a:off x="0" y="217283"/>
+            <a:ext cx="2806700" cy="731417"/>
+            <a:chOff x="3168093" y="6414872"/>
+            <a:chExt cx="2806700" cy="259225"/>
+          </a:xfrm>
+        </p:grpSpPr>
+        <p:sp>
+          <p:nvSpPr>
+            <p:cNvPr id="16" name="Rectangle 15"/>
+            <p:cNvSpPr/>
+            <p:nvPr/>
+          </p:nvSpPr>
+          <p:spPr>
+            <a:xfrm rot="5400000">
+              <a:off x="4457701" y="5378697"/>
+              <a:ext cx="241300" cy="2349500"/>
+            </a:xfrm>
+            <a:prstGeom prst="rect">
+              <a:avLst/>
+            </a:prstGeom>
+            <a:solidFill>
+              <a:schemeClr val="tx2">
+                <a:lumMod val="50000"/>
+              </a:schemeClr>
+            </a:solidFill>
+            <a:ln>
+              <a:noFill/>
+            </a:ln>
+            <a:effectLst/>
+          </p:spPr>
+          <p:style>
+            <a:lnRef idx="1">
+              <a:schemeClr val="accent1"/>
+            </a:lnRef>
+            <a:fillRef idx="3">
+              <a:schemeClr val="accent1"/>
+            </a:fillRef>
+            <a:effectRef idx="2">
+              <a:schemeClr val="accent1"/>
+            </a:effectRef>
+            <a:fontRef idx="minor">
+              <a:schemeClr val="lt1"/>
+            </a:fontRef>
+          </p:style>
+          <p:txBody>
+            <a:bodyPr rtlCol="0" anchor="ctr"/>
+            <a:lstStyle/>
+            <a:p>
+              <a:pPr algn="ctr"/>
+              <a:endParaRPr lang="en-US">
+                <a:latin typeface="Avenir Book"/>
+                <a:cs typeface="Avenir Book"/>
+              </a:endParaRPr>
+            </a:p>
+          </p:txBody>
+        </p:sp>
+        <p:sp>
+          <p:nvSpPr>
+            <p:cNvPr id="17" name="TextBox 16"/>
+            <p:cNvSpPr txBox="1"/>
+            <p:nvPr/>
+          </p:nvSpPr>
+          <p:spPr>
+            <a:xfrm>
+              <a:off x="3168093" y="6414872"/>
+              <a:ext cx="2806700" cy="250885"/>
+            </a:xfrm>
+            <a:prstGeom prst="rect">
+              <a:avLst/>
+            </a:prstGeom>
+            <a:noFill/>
+          </p:spPr>
+          <p:txBody>
+            <a:bodyPr wrap="square" rtlCol="0">
+              <a:spAutoFit/>
+            </a:bodyPr>
+            <a:lstStyle/>
+            <a:p>
+              <a:pPr algn="ctr"/>
+              <a:r>
+                <a:rPr lang="en-US" sz="2000" dirty="0" smtClean="0">
+                  <a:solidFill>
+                    <a:srgbClr val="FFFFFF"/>
+                  </a:solidFill>
+                  <a:latin typeface="Avenir Black"/>
+                  <a:cs typeface="Avenir Black"/>
+                </a:rPr>
+                <a:t>Step 2: Ask</a:t>
+              </a:r>
+            </a:p>
+            <a:p>
+              <a:pPr algn="ctr"/>
+              <a:r>
+                <a:rPr lang="en-US" sz="2000" dirty="0" smtClean="0">
+                  <a:solidFill>
+                    <a:srgbClr val="FFFFFF"/>
+                  </a:solidFill>
+                  <a:latin typeface="Avenir Black"/>
+                  <a:cs typeface="Avenir Black"/>
+                </a:rPr>
+                <a:t>Question</a:t>
+              </a:r>
+              <a:endParaRPr lang="en-US" sz="2000" dirty="0">
+                <a:solidFill>
+                  <a:srgbClr val="FFFFFF"/>
+                </a:solidFill>
+                <a:latin typeface="Avenir Black"/>
+                <a:cs typeface="Avenir Black"/>
+              </a:endParaRPr>
+            </a:p>
+          </p:txBody>
+        </p:sp>
+      </p:grpSp>
+    </p:spTree>
+  </p:cSld>
+  <p:clrMapOvr>
+    <a:masterClrMapping/>
+  </p:clrMapOvr>
+  <p:transition/>
+  <p:timing>
+    <p:tnLst>
+      <p:par>
+        <p:cTn id="1" dur="indefinite" restart="never" nodeType="tmRoot"/>
+      </p:par>
+    </p:tnLst>
+  </p:timing>
+</p:sld>
+</file>
+
+<file path=ppt/slides/slide11.xml><?xml version="1.0" encoding="utf-8"?>
+<p:sld xmlns:a="http://schemas.openxmlformats.org/drawingml/2006/main" xmlns:r="http://schemas.openxmlformats.org/officeDocument/2006/relationships" xmlns:mc="http://schemas.openxmlformats.org/markup-compatibility/2006" xmlns:mv="urn:schemas-microsoft-com:mac:vml" xmlns:p="http://schemas.openxmlformats.org/presentationml/2006/main" mc:Ignorable="mv" mc:PreserveAttributes="mv:*" show="0">
+  <p:cSld>
+    <p:spTree>
+      <p:nvGrpSpPr>
+        <p:cNvPr id="1" name=""/>
+        <p:cNvGrpSpPr/>
+        <p:nvPr/>
+      </p:nvGrpSpPr>
+      <p:grpSpPr>
+        <a:xfrm>
+          <a:off x="0" y="0"/>
+          <a:ext cx="0" cy="0"/>
+          <a:chOff x="0" y="0"/>
+          <a:chExt cx="0" cy="0"/>
+        </a:xfrm>
+      </p:grpSpPr>
+      <p:pic>
+        <p:nvPicPr>
+          <p:cNvPr id="4" name="Picture 3" descr="blue-background.png"/>
+          <p:cNvPicPr>
+            <a:picLocks noChangeAspect="1"/>
+          </p:cNvPicPr>
+          <p:nvPr/>
+        </p:nvPicPr>
+        <p:blipFill>
+          <a:blip r:embed="rId2"/>
+          <a:stretch>
+            <a:fillRect/>
+          </a:stretch>
+        </p:blipFill>
+        <p:spPr>
+          <a:xfrm>
+            <a:off x="-1" y="0"/>
+            <a:ext cx="9144001" cy="6858000"/>
+          </a:xfrm>
+          <a:prstGeom prst="rect">
+            <a:avLst/>
+          </a:prstGeom>
+        </p:spPr>
+      </p:pic>
+      <p:pic>
+        <p:nvPicPr>
+          <p:cNvPr id="5" name="Picture 4"/>
+          <p:cNvPicPr>
+            <a:picLocks noChangeAspect="1"/>
+          </p:cNvPicPr>
+          <p:nvPr/>
+        </p:nvPicPr>
+        <p:blipFill>
+          <a:blip r:embed="rId3"/>
+          <a:srcRect b="-1118"/>
+          <a:stretch>
+            <a:fillRect/>
+          </a:stretch>
+        </p:blipFill>
+        <p:spPr>
+          <a:xfrm>
+            <a:off x="2988232" y="165100"/>
+            <a:ext cx="3167536" cy="5880100"/>
+          </a:xfrm>
+          <a:prstGeom prst="rect">
+            <a:avLst/>
+          </a:prstGeom>
+        </p:spPr>
+      </p:pic>
+      <p:pic>
+        <p:nvPicPr>
+          <p:cNvPr id="7" name="Picture 6" descr="nudgeSMS_welcome_iphone.png"/>
+          <p:cNvPicPr>
+            <a:picLocks noChangeAspect="1"/>
+          </p:cNvPicPr>
+          <p:nvPr/>
+        </p:nvPicPr>
+        <p:blipFill>
+          <a:blip r:embed="rId4"/>
+          <a:stretch>
+            <a:fillRect/>
+          </a:stretch>
+        </p:blipFill>
+        <p:spPr>
+          <a:xfrm>
+            <a:off x="3243792" y="1044286"/>
+            <a:ext cx="2656416" cy="4119169"/>
+          </a:xfrm>
+          <a:prstGeom prst="rect">
+            <a:avLst/>
+          </a:prstGeom>
+        </p:spPr>
+      </p:pic>
+      <p:grpSp>
+        <p:nvGrpSpPr>
+          <p:cNvPr id="11" name="Group 10"/>
+          <p:cNvGrpSpPr/>
+          <p:nvPr/>
+        </p:nvGrpSpPr>
+        <p:grpSpPr>
+          <a:xfrm>
+            <a:off x="6261100" y="280769"/>
+            <a:ext cx="3440545" cy="455834"/>
+            <a:chOff x="3168092" y="6414869"/>
+            <a:chExt cx="3440545" cy="455834"/>
+          </a:xfrm>
+        </p:grpSpPr>
+        <p:sp>
+          <p:nvSpPr>
+            <p:cNvPr id="12" name="Rectangle 11"/>
+            <p:cNvSpPr/>
+            <p:nvPr/>
+          </p:nvSpPr>
+          <p:spPr>
+            <a:xfrm rot="5400000">
+              <a:off x="4375149" y="5492753"/>
+              <a:ext cx="406401" cy="2349500"/>
+            </a:xfrm>
+            <a:prstGeom prst="rect">
+              <a:avLst/>
+            </a:prstGeom>
+            <a:solidFill>
+              <a:schemeClr val="tx2">
+                <a:lumMod val="50000"/>
+              </a:schemeClr>
+            </a:solidFill>
+            <a:ln>
+              <a:noFill/>
+            </a:ln>
+            <a:effectLst/>
+          </p:spPr>
+          <p:style>
+            <a:lnRef idx="1">
+              <a:schemeClr val="accent1"/>
+            </a:lnRef>
+            <a:fillRef idx="3">
+              <a:schemeClr val="accent1"/>
+            </a:fillRef>
+            <a:effectRef idx="2">
+              <a:schemeClr val="accent1"/>
+            </a:effectRef>
+            <a:fontRef idx="minor">
+              <a:schemeClr val="lt1"/>
+            </a:fontRef>
+          </p:style>
+          <p:txBody>
+            <a:bodyPr rtlCol="0" anchor="ctr"/>
+            <a:lstStyle/>
+            <a:p>
+              <a:pPr algn="ctr"/>
+              <a:endParaRPr lang="en-US">
+                <a:latin typeface="Avenir Book"/>
+                <a:cs typeface="Avenir Book"/>
+              </a:endParaRPr>
+            </a:p>
+          </p:txBody>
+        </p:sp>
+        <p:pic>
+          <p:nvPicPr>
+            <p:cNvPr id="13" name="Picture 12" descr="noun_327_cc.png"/>
+            <p:cNvPicPr>
+              <a:picLocks noChangeAspect="1"/>
+            </p:cNvPicPr>
+            <p:nvPr/>
+          </p:nvPicPr>
+          <p:blipFill>
+            <a:blip r:embed="rId5">
+              <a:lum bright="100000" contrast="-70000"/>
+            </a:blip>
+            <a:srcRect t="17845" b="31313"/>
+            <a:stretch>
+              <a:fillRect/>
+            </a:stretch>
+          </p:blipFill>
+          <p:spPr>
+            <a:xfrm>
+              <a:off x="3533542" y="6515100"/>
+              <a:ext cx="538337" cy="273700"/>
+            </a:xfrm>
+            <a:prstGeom prst="rect">
+              <a:avLst/>
+            </a:prstGeom>
+          </p:spPr>
+        </p:pic>
+        <p:sp>
+          <p:nvSpPr>
+            <p:cNvPr id="14" name="TextBox 13"/>
+            <p:cNvSpPr txBox="1"/>
+            <p:nvPr/>
+          </p:nvSpPr>
+          <p:spPr>
+            <a:xfrm>
+              <a:off x="3168092" y="6414869"/>
+              <a:ext cx="3440545" cy="400110"/>
+            </a:xfrm>
+            <a:prstGeom prst="rect">
+              <a:avLst/>
+            </a:prstGeom>
+            <a:noFill/>
+          </p:spPr>
+          <p:txBody>
+            <a:bodyPr wrap="square" rtlCol="0">
+              <a:spAutoFit/>
+            </a:bodyPr>
+            <a:lstStyle/>
+            <a:p>
+              <a:pPr algn="ctr"/>
+              <a:r>
+                <a:rPr lang="en-US" sz="2000" dirty="0" err="1" smtClean="0">
+                  <a:solidFill>
+                    <a:srgbClr val="FFFFFF"/>
+                  </a:solidFill>
+                  <a:latin typeface="Avenir Black"/>
+                  <a:cs typeface="Avenir Black"/>
+                </a:rPr>
+                <a:t>NudgeSMS</a:t>
+              </a:r>
+              <a:endParaRPr lang="en-US" sz="2000" dirty="0">
+                <a:solidFill>
+                  <a:srgbClr val="FFFFFF"/>
+                </a:solidFill>
+                <a:latin typeface="Avenir Black"/>
+                <a:cs typeface="Avenir Black"/>
+              </a:endParaRPr>
+            </a:p>
+          </p:txBody>
+        </p:sp>
+      </p:grpSp>
+      <p:grpSp>
+        <p:nvGrpSpPr>
+          <p:cNvPr id="15" name="Group 14"/>
+          <p:cNvGrpSpPr/>
+          <p:nvPr/>
+        </p:nvGrpSpPr>
+        <p:grpSpPr>
+          <a:xfrm>
+            <a:off x="0" y="141296"/>
+            <a:ext cx="2806700" cy="1902025"/>
+            <a:chOff x="3168093" y="6432797"/>
+            <a:chExt cx="2806700" cy="241300"/>
+          </a:xfrm>
+        </p:grpSpPr>
+        <p:sp>
+          <p:nvSpPr>
+            <p:cNvPr id="16" name="Rectangle 15"/>
+            <p:cNvSpPr/>
+            <p:nvPr/>
+          </p:nvSpPr>
+          <p:spPr>
+            <a:xfrm rot="5400000">
+              <a:off x="4457701" y="5378697"/>
+              <a:ext cx="241300" cy="2349500"/>
+            </a:xfrm>
+            <a:prstGeom prst="rect">
+              <a:avLst/>
+            </a:prstGeom>
+            <a:solidFill>
+              <a:schemeClr val="tx2">
+                <a:lumMod val="50000"/>
+              </a:schemeClr>
+            </a:solidFill>
+            <a:ln>
+              <a:noFill/>
+            </a:ln>
+            <a:effectLst/>
+          </p:spPr>
+          <p:style>
+            <a:lnRef idx="1">
+              <a:schemeClr val="accent1"/>
+            </a:lnRef>
+            <a:fillRef idx="3">
+              <a:schemeClr val="accent1"/>
+            </a:fillRef>
+            <a:effectRef idx="2">
+              <a:schemeClr val="accent1"/>
+            </a:effectRef>
+            <a:fontRef idx="minor">
+              <a:schemeClr val="lt1"/>
+            </a:fontRef>
+          </p:style>
+          <p:txBody>
+            <a:bodyPr rtlCol="0" anchor="ctr"/>
+            <a:lstStyle/>
+            <a:p>
+              <a:pPr algn="ctr"/>
+              <a:endParaRPr lang="en-US">
+                <a:latin typeface="Avenir Book"/>
+                <a:cs typeface="Avenir Book"/>
+              </a:endParaRPr>
+            </a:p>
+          </p:txBody>
+        </p:sp>
+        <p:sp>
+          <p:nvSpPr>
+            <p:cNvPr id="17" name="TextBox 16"/>
+            <p:cNvSpPr txBox="1"/>
+            <p:nvPr/>
+          </p:nvSpPr>
+          <p:spPr>
+            <a:xfrm>
+              <a:off x="3168093" y="6474485"/>
+              <a:ext cx="2806700" cy="128852"/>
+            </a:xfrm>
+            <a:prstGeom prst="rect">
+              <a:avLst/>
+            </a:prstGeom>
+            <a:noFill/>
+          </p:spPr>
+          <p:txBody>
+            <a:bodyPr wrap="square" rtlCol="0">
+              <a:spAutoFit/>
+            </a:bodyPr>
+            <a:lstStyle/>
+            <a:p>
+              <a:pPr algn="ctr"/>
+              <a:r>
+                <a:rPr lang="en-US" sz="2000" dirty="0" smtClean="0">
+                  <a:solidFill>
+                    <a:srgbClr val="FFFFFF"/>
+                  </a:solidFill>
+                  <a:latin typeface="Avenir Black"/>
+                  <a:cs typeface="Avenir Black"/>
+                </a:rPr>
+                <a:t>Step 3: Get real answers from Open Data portal</a:t>
+              </a:r>
+              <a:endParaRPr lang="en-US" sz="2000" dirty="0">
+                <a:solidFill>
+                  <a:srgbClr val="FFFFFF"/>
+                </a:solidFill>
+                <a:latin typeface="Avenir Black"/>
+                <a:cs typeface="Avenir Black"/>
+              </a:endParaRPr>
+            </a:p>
+          </p:txBody>
+        </p:sp>
+      </p:grpSp>
+    </p:spTree>
+  </p:cSld>
+  <p:clrMapOvr>
+    <a:masterClrMapping/>
+  </p:clrMapOvr>
+  <p:transition/>
+  <p:timing>
+    <p:tnLst>
+      <p:par>
+        <p:cTn id="1" dur="indefinite" restart="never" nodeType="tmRoot"/>
+      </p:par>
+    </p:tnLst>
+  </p:timing>
+</p:sld>
+</file>
+
+<file path=ppt/slides/slide12.xml><?xml version="1.0" encoding="utf-8"?>
+<p:sld xmlns:a="http://schemas.openxmlformats.org/drawingml/2006/main" xmlns:r="http://schemas.openxmlformats.org/officeDocument/2006/relationships" xmlns:mc="http://schemas.openxmlformats.org/markup-compatibility/2006" xmlns:mv="urn:schemas-microsoft-com:mac:vml" xmlns:p="http://schemas.openxmlformats.org/presentationml/2006/main" mc:Ignorable="mv" mc:PreserveAttributes="mv:*">
+  <p:cSld>
+    <p:spTree>
+      <p:nvGrpSpPr>
+        <p:cNvPr id="1" name=""/>
+        <p:cNvGrpSpPr/>
+        <p:nvPr/>
+      </p:nvGrpSpPr>
+      <p:grpSpPr>
+        <a:xfrm>
+          <a:off x="0" y="0"/>
+          <a:ext cx="0" cy="0"/>
+          <a:chOff x="0" y="0"/>
+          <a:chExt cx="0" cy="0"/>
+        </a:xfrm>
+      </p:grpSpPr>
+      <p:sp>
+        <p:nvSpPr>
+          <p:cNvPr id="5" name="TextBox 4"/>
+          <p:cNvSpPr txBox="1"/>
+          <p:nvPr/>
+        </p:nvSpPr>
+        <p:spPr>
+          <a:xfrm>
+            <a:off x="1628588" y="288631"/>
+            <a:ext cx="6124543" cy="646331"/>
+          </a:xfrm>
+          <a:prstGeom prst="rect">
+            <a:avLst/>
+          </a:prstGeom>
+          <a:noFill/>
+        </p:spPr>
+        <p:txBody>
+          <a:bodyPr wrap="square" rtlCol="0">
+            <a:spAutoFit/>
+          </a:bodyPr>
+          <a:lstStyle/>
+          <a:p>
+            <a:pPr algn="ctr"/>
+            <a:r>
+              <a:rPr lang="en-US" sz="3600" dirty="0" smtClean="0">
+                <a:latin typeface="Avenir Black"/>
+                <a:cs typeface="Avenir Black"/>
+              </a:rPr>
+              <a:t>What can </a:t>
+            </a:r>
+            <a:r>
+              <a:rPr lang="en-US" sz="3600" dirty="0" err="1" smtClean="0">
+                <a:latin typeface="Avenir Black"/>
+                <a:cs typeface="Avenir Black"/>
+              </a:rPr>
+              <a:t>NudgeSMS</a:t>
+            </a:r>
+            <a:r>
+              <a:rPr lang="en-US" sz="3600" dirty="0" smtClean="0">
+                <a:latin typeface="Avenir Black"/>
+                <a:cs typeface="Avenir Black"/>
+              </a:rPr>
+              <a:t> do?</a:t>
+            </a:r>
+            <a:endParaRPr lang="en-US" sz="3600" dirty="0">
+              <a:latin typeface="Avenir Black"/>
+              <a:cs typeface="Avenir Black"/>
+            </a:endParaRPr>
+          </a:p>
+        </p:txBody>
+      </p:sp>
+      <p:sp>
+        <p:nvSpPr>
+          <p:cNvPr id="6" name="Rectangle 5"/>
+          <p:cNvSpPr/>
+          <p:nvPr/>
+        </p:nvSpPr>
+        <p:spPr>
+          <a:xfrm>
+            <a:off x="431800" y="1562772"/>
+            <a:ext cx="8720890" cy="523220"/>
+          </a:xfrm>
+          <a:prstGeom prst="rect">
+            <a:avLst/>
+          </a:prstGeom>
+        </p:spPr>
+        <p:txBody>
+          <a:bodyPr wrap="square">
+            <a:spAutoFit/>
+          </a:bodyPr>
+          <a:lstStyle/>
+          <a:p>
+            <a:r>
+              <a:rPr lang="en-US" sz="2800" dirty="0" smtClean="0">
+                <a:latin typeface="Avenir Light"/>
+                <a:cs typeface="Avenir Light"/>
+              </a:rPr>
+              <a:t>Answer questions about building data</a:t>
+            </a:r>
+            <a:endParaRPr lang="en-US" sz="2800" dirty="0">
+              <a:latin typeface="Avenir Light"/>
+              <a:cs typeface="Avenir Light"/>
+            </a:endParaRPr>
+          </a:p>
+        </p:txBody>
+      </p:sp>
+      <p:grpSp>
+        <p:nvGrpSpPr>
+          <p:cNvPr id="2" name="Group 8"/>
+          <p:cNvGrpSpPr/>
+          <p:nvPr/>
+        </p:nvGrpSpPr>
+        <p:grpSpPr>
+          <a:xfrm>
+            <a:off x="0" y="6414869"/>
+            <a:ext cx="9144001" cy="443131"/>
+            <a:chOff x="0" y="6414869"/>
+            <a:chExt cx="9144001" cy="443131"/>
+          </a:xfrm>
+        </p:grpSpPr>
+        <p:sp>
+          <p:nvSpPr>
+            <p:cNvPr id="10" name="Rectangle 9"/>
+            <p:cNvSpPr/>
+            <p:nvPr/>
+          </p:nvSpPr>
+          <p:spPr>
+            <a:xfrm rot="5400000">
+              <a:off x="4368800" y="2082799"/>
+              <a:ext cx="406401" cy="9144001"/>
+            </a:xfrm>
+            <a:prstGeom prst="rect">
+              <a:avLst/>
+            </a:prstGeom>
+            <a:solidFill>
+              <a:schemeClr val="tx2">
+                <a:lumMod val="50000"/>
+              </a:schemeClr>
+            </a:solidFill>
+            <a:ln>
+              <a:noFill/>
+            </a:ln>
+            <a:effectLst/>
+          </p:spPr>
+          <p:style>
+            <a:lnRef idx="1">
+              <a:schemeClr val="accent1"/>
+            </a:lnRef>
+            <a:fillRef idx="3">
+              <a:schemeClr val="accent1"/>
+            </a:fillRef>
+            <a:effectRef idx="2">
+              <a:schemeClr val="accent1"/>
+            </a:effectRef>
+            <a:fontRef idx="minor">
+              <a:schemeClr val="lt1"/>
+            </a:fontRef>
+          </p:style>
+          <p:txBody>
+            <a:bodyPr rtlCol="0" anchor="ctr"/>
+            <a:lstStyle/>
+            <a:p>
+              <a:pPr algn="ctr"/>
+              <a:endParaRPr lang="en-US">
+                <a:latin typeface="Avenir Book"/>
+                <a:cs typeface="Avenir Book"/>
+              </a:endParaRPr>
+            </a:p>
+          </p:txBody>
+        </p:sp>
+        <p:pic>
+          <p:nvPicPr>
+            <p:cNvPr id="11" name="Picture 10" descr="noun_327_cc.png"/>
+            <p:cNvPicPr>
+              <a:picLocks noChangeAspect="1"/>
+            </p:cNvPicPr>
+            <p:nvPr/>
+          </p:nvPicPr>
+          <p:blipFill>
+            <a:blip r:embed="rId2">
+              <a:lum bright="100000" contrast="-70000"/>
+            </a:blip>
+            <a:srcRect t="17845" b="31313"/>
+            <a:stretch>
+              <a:fillRect/>
+            </a:stretch>
+          </p:blipFill>
+          <p:spPr>
+            <a:xfrm>
+              <a:off x="3533542" y="6515100"/>
+              <a:ext cx="538337" cy="273700"/>
+            </a:xfrm>
+            <a:prstGeom prst="rect">
+              <a:avLst/>
+            </a:prstGeom>
+          </p:spPr>
+        </p:pic>
+        <p:sp>
+          <p:nvSpPr>
+            <p:cNvPr id="12" name="TextBox 11"/>
+            <p:cNvSpPr txBox="1"/>
+            <p:nvPr/>
+          </p:nvSpPr>
+          <p:spPr>
+            <a:xfrm>
+              <a:off x="3168092" y="6414869"/>
+              <a:ext cx="3440545" cy="400110"/>
+            </a:xfrm>
+            <a:prstGeom prst="rect">
+              <a:avLst/>
+            </a:prstGeom>
+            <a:noFill/>
+          </p:spPr>
+          <p:txBody>
+            <a:bodyPr wrap="square" rtlCol="0">
+              <a:spAutoFit/>
+            </a:bodyPr>
+            <a:lstStyle/>
+            <a:p>
+              <a:pPr algn="ctr"/>
+              <a:r>
+                <a:rPr lang="en-US" sz="2000" dirty="0" err="1" smtClean="0">
+                  <a:solidFill>
+                    <a:srgbClr val="FFFFFF"/>
+                  </a:solidFill>
+                  <a:latin typeface="Avenir Black"/>
+                  <a:cs typeface="Avenir Black"/>
+                </a:rPr>
+                <a:t>NudgeSMS</a:t>
+              </a:r>
+              <a:endParaRPr lang="en-US" sz="2000" dirty="0">
+                <a:solidFill>
+                  <a:srgbClr val="FFFFFF"/>
+                </a:solidFill>
+                <a:latin typeface="Avenir Black"/>
+                <a:cs typeface="Avenir Black"/>
+              </a:endParaRPr>
+            </a:p>
+          </p:txBody>
+        </p:sp>
+      </p:grpSp>
+      <p:sp>
+        <p:nvSpPr>
+          <p:cNvPr id="13" name="Rectangle 12"/>
+          <p:cNvSpPr/>
+          <p:nvPr/>
+        </p:nvSpPr>
+        <p:spPr>
+          <a:xfrm>
+            <a:off x="431800" y="2814096"/>
+            <a:ext cx="8521699" cy="523220"/>
+          </a:xfrm>
+          <a:prstGeom prst="rect">
+            <a:avLst/>
+          </a:prstGeom>
+        </p:spPr>
+        <p:txBody>
+          <a:bodyPr wrap="square">
+            <a:spAutoFit/>
+          </a:bodyPr>
+          <a:lstStyle/>
+          <a:p>
+            <a:r>
+              <a:rPr lang="en-US" sz="2800" dirty="0" smtClean="0">
+                <a:latin typeface="Avenir Light"/>
+                <a:cs typeface="Avenir Light"/>
+              </a:rPr>
+              <a:t>Send energy conservation &amp; drought prevention tips</a:t>
+            </a:r>
+            <a:endParaRPr lang="en-US" sz="2800" dirty="0">
+              <a:latin typeface="Avenir Light"/>
+              <a:cs typeface="Avenir Light"/>
+            </a:endParaRPr>
+          </a:p>
+        </p:txBody>
+      </p:sp>
+      <p:sp>
+        <p:nvSpPr>
+          <p:cNvPr id="15" name="Rectangle 14"/>
+          <p:cNvSpPr/>
+          <p:nvPr/>
+        </p:nvSpPr>
+        <p:spPr>
+          <a:xfrm>
+            <a:off x="431800" y="4107256"/>
+            <a:ext cx="8521699" cy="523220"/>
+          </a:xfrm>
+          <a:prstGeom prst="rect">
+            <a:avLst/>
+          </a:prstGeom>
+        </p:spPr>
+        <p:txBody>
+          <a:bodyPr wrap="square">
+            <a:spAutoFit/>
+          </a:bodyPr>
+          <a:lstStyle/>
+          <a:p>
+            <a:r>
+              <a:rPr lang="en-US" sz="2800" dirty="0" smtClean="0">
+                <a:latin typeface="Avenir Light"/>
+                <a:cs typeface="Avenir Light"/>
+              </a:rPr>
+              <a:t>Custom responses based on building metrics</a:t>
+            </a:r>
+            <a:endParaRPr lang="en-US" sz="2800" dirty="0">
+              <a:latin typeface="Avenir Light"/>
+              <a:cs typeface="Avenir Light"/>
+            </a:endParaRPr>
+          </a:p>
+        </p:txBody>
+      </p:sp>
+    </p:spTree>
+  </p:cSld>
+  <p:clrMapOvr>
+    <a:masterClrMapping/>
+  </p:clrMapOvr>
+  <p:timing>
+    <p:tnLst>
+      <p:par>
+        <p:cTn id="1" dur="indefinite" restart="never" nodeType="tmRoot">
+          <p:childTnLst>
+            <p:seq concurrent="1" nextAc="seek">
+              <p:cTn id="2" dur="indefinite" nodeType="mainSeq">
+                <p:childTnLst>
+                  <p:par>
+                    <p:cTn id="3" fill="hold">
+                      <p:stCondLst>
+                        <p:cond delay="indefinite"/>
+                      </p:stCondLst>
+                      <p:childTnLst>
+                        <p:par>
+                          <p:cTn id="4" fill="hold">
+                            <p:stCondLst>
+                              <p:cond delay="0"/>
+                            </p:stCondLst>
+                            <p:childTnLst>
+                              <p:par>
+                                <p:cTn id="5" presetID="1" presetClass="entr" presetSubtype="0" fill="hold" grpId="0" nodeType="clickEffect">
+                                  <p:stCondLst>
+                                    <p:cond delay="0"/>
+                                  </p:stCondLst>
+                                  <p:childTnLst>
+                                    <p:set>
+                                      <p:cBhvr>
+                                        <p:cTn id="6" dur="1" fill="hold">
+                                          <p:stCondLst>
+                                            <p:cond delay="0"/>
+                                          </p:stCondLst>
+                                        </p:cTn>
+                                        <p:tgtEl>
+                                          <p:spTgt spid="6"/>
+                                        </p:tgtEl>
+                                        <p:attrNameLst>
+                                          <p:attrName>style.visibility</p:attrName>
+                                        </p:attrNameLst>
+                                      </p:cBhvr>
+                                      <p:to>
+                                        <p:strVal val="visible"/>
+                                      </p:to>
+                                    </p:set>
+                                  </p:childTnLst>
+                                </p:cTn>
+                              </p:par>
+                            </p:childTnLst>
+                          </p:cTn>
+                        </p:par>
+                      </p:childTnLst>
+                    </p:cTn>
+                  </p:par>
+                  <p:par>
+                    <p:cTn id="7" fill="hold">
+                      <p:stCondLst>
+                        <p:cond delay="indefinite"/>
+                      </p:stCondLst>
+                      <p:childTnLst>
+                        <p:par>
+                          <p:cTn id="8" fill="hold">
+                            <p:stCondLst>
+                              <p:cond delay="0"/>
+                            </p:stCondLst>
+                            <p:childTnLst>
+                              <p:par>
+                                <p:cTn id="9" presetID="1" presetClass="entr" presetSubtype="0" fill="hold" grpId="0" nodeType="clickEffect">
+                                  <p:stCondLst>
+                                    <p:cond delay="0"/>
+                                  </p:stCondLst>
+                                  <p:childTnLst>
+                                    <p:set>
+                                      <p:cBhvr>
+                                        <p:cTn id="10" dur="1" fill="hold">
+                                          <p:stCondLst>
+                                            <p:cond delay="0"/>
+                                          </p:stCondLst>
+                                        </p:cTn>
+                                        <p:tgtEl>
+                                          <p:spTgt spid="13"/>
+                                        </p:tgtEl>
+                                        <p:attrNameLst>
+                                          <p:attrName>style.visibility</p:attrName>
+                                        </p:attrNameLst>
+                                      </p:cBhvr>
+                                      <p:to>
+                                        <p:strVal val="visible"/>
+                                      </p:to>
+                                    </p:set>
+                                  </p:childTnLst>
+                                </p:cTn>
+                              </p:par>
+                            </p:childTnLst>
+                          </p:cTn>
+                        </p:par>
+                      </p:childTnLst>
+                    </p:cTn>
+                  </p:par>
+                  <p:par>
+                    <p:cTn id="11" fill="hold">
+                      <p:stCondLst>
+                        <p:cond delay="indefinite"/>
+                      </p:stCondLst>
+                      <p:childTnLst>
+                        <p:par>
+                          <p:cTn id="12" fill="hold">
+                            <p:stCondLst>
+                              <p:cond delay="0"/>
+                            </p:stCondLst>
+                            <p:childTnLst>
+                              <p:par>
+                                <p:cTn id="13" presetID="1" presetClass="entr" presetSubtype="0" fill="hold" grpId="0" nodeType="clickEffect">
+                                  <p:stCondLst>
+                                    <p:cond delay="0"/>
+                                  </p:stCondLst>
+                                  <p:childTnLst>
+                                    <p:set>
+                                      <p:cBhvr>
+                                        <p:cTn id="14" dur="1" fill="hold">
+                                          <p:stCondLst>
+                                            <p:cond delay="0"/>
+                                          </p:stCondLst>
+                                        </p:cTn>
+                                        <p:tgtEl>
+                                          <p:spTgt spid="15"/>
+                                        </p:tgtEl>
+                                        <p:attrNameLst>
+                                          <p:attrName>style.visibility</p:attrName>
+                                        </p:attrNameLst>
+                                      </p:cBhvr>
+                                      <p:to>
+                                        <p:strVal val="visible"/>
+                                      </p:to>
+                                    </p:set>
+                                  </p:childTnLst>
+                                </p:cTn>
+                              </p:par>
+                            </p:childTnLst>
+                          </p:cTn>
+                        </p:par>
+                      </p:childTnLst>
+                    </p:cTn>
+                  </p:par>
+                </p:childTnLst>
+              </p:cTn>
+              <p:prevCondLst>
+                <p:cond evt="onPrev" delay="0">
+                  <p:tgtEl>
+                    <p:sldTgt/>
+                  </p:tgtEl>
+                </p:cond>
+              </p:prevCondLst>
+              <p:nextCondLst>
+                <p:cond evt="onNext" delay="0">
+                  <p:tgtEl>
+                    <p:sldTgt/>
+                  </p:tgtEl>
+                </p:cond>
+              </p:nextCondLst>
+            </p:seq>
+          </p:childTnLst>
+        </p:cTn>
+      </p:par>
+    </p:tnLst>
+    <p:bldLst>
+      <p:bldP spid="6" grpId="0"/>
+      <p:bldP spid="13" grpId="0"/>
+      <p:bldP spid="15" grpId="0"/>
+    </p:bldLst>
+  </p:timing>
+</p:sld>
+</file>
+
+<file path=ppt/slides/slide13.xml><?xml version="1.0" encoding="utf-8"?>
+<p:sld xmlns:a="http://schemas.openxmlformats.org/drawingml/2006/main" xmlns:r="http://schemas.openxmlformats.org/officeDocument/2006/relationships" xmlns:mc="http://schemas.openxmlformats.org/markup-compatibility/2006" xmlns:mv="urn:schemas-microsoft-com:mac:vml" xmlns:p="http://schemas.openxmlformats.org/presentationml/2006/main" mc:Ignorable="mv" mc:PreserveAttributes="mv:*">
+  <p:cSld>
+    <p:spTree>
+      <p:nvGrpSpPr>
+        <p:cNvPr id="1" name=""/>
+        <p:cNvGrpSpPr/>
+        <p:nvPr/>
+      </p:nvGrpSpPr>
+      <p:grpSpPr>
+        <a:xfrm>
+          <a:off x="0" y="0"/>
+          <a:ext cx="0" cy="0"/>
+          <a:chOff x="0" y="0"/>
+          <a:chExt cx="0" cy="0"/>
+        </a:xfrm>
+      </p:grpSpPr>
+      <p:pic>
+        <p:nvPicPr>
+          <p:cNvPr id="4" name="Picture 3" descr="noun_327_cc.png"/>
+          <p:cNvPicPr>
+            <a:picLocks noChangeAspect="1"/>
+          </p:cNvPicPr>
+          <p:nvPr/>
+        </p:nvPicPr>
+        <p:blipFill>
+          <a:blip r:embed="rId2"/>
+          <a:srcRect t="17845" b="31313"/>
+          <a:stretch>
+            <a:fillRect/>
+          </a:stretch>
+        </p:blipFill>
+        <p:spPr>
+          <a:xfrm>
+            <a:off x="4427039" y="749220"/>
+            <a:ext cx="816976" cy="415365"/>
+          </a:xfrm>
+          <a:prstGeom prst="rect">
+            <a:avLst/>
+          </a:prstGeom>
+        </p:spPr>
+      </p:pic>
+      <p:sp>
+        <p:nvSpPr>
+          <p:cNvPr id="5" name="TextBox 4"/>
+          <p:cNvSpPr txBox="1"/>
+          <p:nvPr/>
+        </p:nvSpPr>
+        <p:spPr>
+          <a:xfrm>
+            <a:off x="4835527" y="587454"/>
+            <a:ext cx="3440545" cy="646331"/>
+          </a:xfrm>
+          <a:prstGeom prst="rect">
+            <a:avLst/>
+          </a:prstGeom>
+          <a:noFill/>
+        </p:spPr>
+        <p:txBody>
+          <a:bodyPr wrap="square" rtlCol="0">
+            <a:spAutoFit/>
+          </a:bodyPr>
+          <a:lstStyle/>
+          <a:p>
+            <a:pPr algn="ctr"/>
+            <a:r>
+              <a:rPr lang="en-US" sz="3600" dirty="0" err="1" smtClean="0">
+                <a:latin typeface="Avenir Black"/>
+                <a:cs typeface="Avenir Black"/>
+              </a:rPr>
+              <a:t>NudgeSMS</a:t>
+            </a:r>
+            <a:endParaRPr lang="en-US" sz="3600" dirty="0">
+              <a:latin typeface="Avenir Black"/>
+              <a:cs typeface="Avenir Black"/>
+            </a:endParaRPr>
+          </a:p>
+        </p:txBody>
+      </p:sp>
+      <p:grpSp>
+        <p:nvGrpSpPr>
+          <p:cNvPr id="2" name="Group 8"/>
+          <p:cNvGrpSpPr/>
+          <p:nvPr/>
+        </p:nvGrpSpPr>
+        <p:grpSpPr>
+          <a:xfrm>
+            <a:off x="0" y="6414869"/>
+            <a:ext cx="9144001" cy="443131"/>
+            <a:chOff x="0" y="6414869"/>
+            <a:chExt cx="9144001" cy="443131"/>
+          </a:xfrm>
+        </p:grpSpPr>
+        <p:sp>
+          <p:nvSpPr>
+            <p:cNvPr id="10" name="Rectangle 9"/>
+            <p:cNvSpPr/>
+            <p:nvPr/>
+          </p:nvSpPr>
+          <p:spPr>
+            <a:xfrm rot="5400000">
+              <a:off x="4368800" y="2082799"/>
+              <a:ext cx="406401" cy="9144001"/>
+            </a:xfrm>
+            <a:prstGeom prst="rect">
+              <a:avLst/>
+            </a:prstGeom>
+            <a:solidFill>
+              <a:schemeClr val="tx2">
+                <a:lumMod val="50000"/>
+              </a:schemeClr>
+            </a:solidFill>
+            <a:ln>
+              <a:noFill/>
+            </a:ln>
+            <a:effectLst/>
+          </p:spPr>
+          <p:style>
+            <a:lnRef idx="1">
+              <a:schemeClr val="accent1"/>
+            </a:lnRef>
+            <a:fillRef idx="3">
+              <a:schemeClr val="accent1"/>
+            </a:fillRef>
+            <a:effectRef idx="2">
+              <a:schemeClr val="accent1"/>
+            </a:effectRef>
+            <a:fontRef idx="minor">
+              <a:schemeClr val="lt1"/>
+            </a:fontRef>
+          </p:style>
+          <p:txBody>
+            <a:bodyPr rtlCol="0" anchor="ctr"/>
+            <a:lstStyle/>
+            <a:p>
+              <a:pPr algn="ctr"/>
+              <a:endParaRPr lang="en-US">
+                <a:latin typeface="Avenir Book"/>
+                <a:cs typeface="Avenir Book"/>
+              </a:endParaRPr>
+            </a:p>
+          </p:txBody>
+        </p:sp>
+        <p:pic>
+          <p:nvPicPr>
+            <p:cNvPr id="11" name="Picture 10" descr="noun_327_cc.png"/>
+            <p:cNvPicPr>
+              <a:picLocks noChangeAspect="1"/>
+            </p:cNvPicPr>
+            <p:nvPr/>
+          </p:nvPicPr>
+          <p:blipFill>
+            <a:blip r:embed="rId2">
+              <a:lum bright="100000" contrast="-70000"/>
+            </a:blip>
+            <a:srcRect t="17845" b="31313"/>
+            <a:stretch>
+              <a:fillRect/>
+            </a:stretch>
+          </p:blipFill>
+          <p:spPr>
+            <a:xfrm>
+              <a:off x="3533542" y="6515100"/>
+              <a:ext cx="538337" cy="273700"/>
+            </a:xfrm>
+            <a:prstGeom prst="rect">
+              <a:avLst/>
+            </a:prstGeom>
+          </p:spPr>
+        </p:pic>
+        <p:sp>
+          <p:nvSpPr>
+            <p:cNvPr id="12" name="TextBox 11"/>
+            <p:cNvSpPr txBox="1"/>
+            <p:nvPr/>
+          </p:nvSpPr>
+          <p:spPr>
+            <a:xfrm>
+              <a:off x="3168092" y="6414869"/>
+              <a:ext cx="3440545" cy="400110"/>
+            </a:xfrm>
+            <a:prstGeom prst="rect">
+              <a:avLst/>
+            </a:prstGeom>
+            <a:noFill/>
+          </p:spPr>
+          <p:txBody>
+            <a:bodyPr wrap="square" rtlCol="0">
+              <a:spAutoFit/>
+            </a:bodyPr>
+            <a:lstStyle/>
+            <a:p>
+              <a:pPr algn="ctr"/>
+              <a:r>
+                <a:rPr lang="en-US" sz="2000" dirty="0" err="1" smtClean="0">
+                  <a:solidFill>
+                    <a:srgbClr val="FFFFFF"/>
+                  </a:solidFill>
+                  <a:latin typeface="Avenir Black"/>
+                  <a:cs typeface="Avenir Black"/>
+                </a:rPr>
+                <a:t>NudgeSMS</a:t>
+              </a:r>
+              <a:endParaRPr lang="en-US" sz="2000" dirty="0">
+                <a:solidFill>
+                  <a:srgbClr val="FFFFFF"/>
+                </a:solidFill>
+                <a:latin typeface="Avenir Black"/>
+                <a:cs typeface="Avenir Black"/>
+              </a:endParaRPr>
+            </a:p>
+          </p:txBody>
+        </p:sp>
+      </p:grpSp>
+      <p:grpSp>
+        <p:nvGrpSpPr>
+          <p:cNvPr id="27" name="Group 26"/>
+          <p:cNvGrpSpPr/>
+          <p:nvPr/>
+        </p:nvGrpSpPr>
+        <p:grpSpPr>
+          <a:xfrm>
+            <a:off x="327582" y="123207"/>
+            <a:ext cx="3167536" cy="6734793"/>
+            <a:chOff x="2988232" y="61603"/>
+            <a:chExt cx="3167536" cy="6734793"/>
+          </a:xfrm>
+        </p:grpSpPr>
+        <p:pic>
+          <p:nvPicPr>
+            <p:cNvPr id="14" name="Picture 13"/>
+            <p:cNvPicPr>
+              <a:picLocks noChangeAspect="1"/>
+            </p:cNvPicPr>
+            <p:nvPr/>
+          </p:nvPicPr>
+          <p:blipFill>
+            <a:blip r:embed="rId3"/>
+            <a:srcRect b="-1118"/>
+            <a:stretch>
+              <a:fillRect/>
+            </a:stretch>
+          </p:blipFill>
+          <p:spPr>
+            <a:xfrm>
+              <a:off x="2988232" y="61603"/>
+              <a:ext cx="3167536" cy="6734793"/>
+            </a:xfrm>
+            <a:prstGeom prst="rect">
+              <a:avLst/>
+            </a:prstGeom>
+          </p:spPr>
+        </p:pic>
+        <p:grpSp>
+          <p:nvGrpSpPr>
+            <p:cNvPr id="26" name="Group 25"/>
+            <p:cNvGrpSpPr/>
+            <p:nvPr/>
+          </p:nvGrpSpPr>
+          <p:grpSpPr>
+            <a:xfrm>
+              <a:off x="3243792" y="1017896"/>
+              <a:ext cx="2656416" cy="4811404"/>
+              <a:chOff x="3243792" y="1017896"/>
+              <a:chExt cx="2656416" cy="4811404"/>
+            </a:xfrm>
+          </p:grpSpPr>
+          <p:grpSp>
+            <p:nvGrpSpPr>
+              <p:cNvPr id="25" name="Group 24"/>
+              <p:cNvGrpSpPr/>
+              <p:nvPr/>
+            </p:nvGrpSpPr>
+            <p:grpSpPr>
+              <a:xfrm>
+                <a:off x="3243792" y="1017896"/>
+                <a:ext cx="2656416" cy="4811404"/>
+                <a:chOff x="3243792" y="1017896"/>
+                <a:chExt cx="2656416" cy="4811404"/>
+              </a:xfrm>
+            </p:grpSpPr>
+            <p:pic>
+              <p:nvPicPr>
+                <p:cNvPr id="16" name="Picture 15" descr="nudgeSMS_welcome_iphone.png"/>
+                <p:cNvPicPr>
+                  <a:picLocks noChangeAspect="1"/>
+                </p:cNvPicPr>
+                <p:nvPr/>
+              </p:nvPicPr>
+              <p:blipFill>
+                <a:blip r:embed="rId4"/>
+                <a:stretch>
+                  <a:fillRect/>
+                </a:stretch>
+              </p:blipFill>
+              <p:spPr>
+                <a:xfrm>
+                  <a:off x="3243792" y="1017896"/>
+                  <a:ext cx="2656416" cy="4811404"/>
+                </a:xfrm>
+                <a:prstGeom prst="rect">
+                  <a:avLst/>
+                </a:prstGeom>
+              </p:spPr>
+            </p:pic>
+            <p:sp>
+              <p:nvSpPr>
+                <p:cNvPr id="18" name="Rectangle 17"/>
+                <p:cNvSpPr/>
+                <p:nvPr/>
+              </p:nvSpPr>
+              <p:spPr>
+                <a:xfrm>
+                  <a:off x="3657600" y="1765300"/>
+                  <a:ext cx="2184400" cy="393700"/>
+                </a:xfrm>
+                <a:prstGeom prst="rect">
+                  <a:avLst/>
+                </a:prstGeom>
+                <a:solidFill>
+                  <a:schemeClr val="bg1"/>
+                </a:solidFill>
+                <a:ln>
+                  <a:noFill/>
+                </a:ln>
+                <a:effectLst/>
+              </p:spPr>
+              <p:style>
+                <a:lnRef idx="1">
+                  <a:schemeClr val="accent1"/>
+                </a:lnRef>
+                <a:fillRef idx="3">
+                  <a:schemeClr val="accent1"/>
+                </a:fillRef>
+                <a:effectRef idx="2">
+                  <a:schemeClr val="accent1"/>
+                </a:effectRef>
+                <a:fontRef idx="minor">
+                  <a:schemeClr val="lt1"/>
+                </a:fontRef>
+              </p:style>
+              <p:txBody>
+                <a:bodyPr rtlCol="0" anchor="ctr"/>
+                <a:lstStyle/>
+                <a:p>
+                  <a:pPr algn="ctr"/>
+                  <a:endParaRPr lang="en-US"/>
+                </a:p>
+              </p:txBody>
+            </p:sp>
+          </p:grpSp>
+          <p:grpSp>
+            <p:nvGrpSpPr>
+              <p:cNvPr id="23" name="Group 22"/>
+              <p:cNvGrpSpPr/>
+              <p:nvPr/>
+            </p:nvGrpSpPr>
+            <p:grpSpPr>
+              <a:xfrm>
+                <a:off x="3371850" y="1981200"/>
+                <a:ext cx="1784350" cy="952500"/>
+                <a:chOff x="3371850" y="1981200"/>
+                <a:chExt cx="1784350" cy="952500"/>
+              </a:xfrm>
+            </p:grpSpPr>
+            <p:sp>
+              <p:nvSpPr>
+                <p:cNvPr id="22" name="Rounded Rectangle 21"/>
+                <p:cNvSpPr/>
+                <p:nvPr/>
+              </p:nvSpPr>
+              <p:spPr>
+                <a:xfrm>
+                  <a:off x="3371850" y="1981200"/>
+                  <a:ext cx="1752600" cy="952500"/>
+                </a:xfrm>
+                <a:prstGeom prst="roundRect">
+                  <a:avLst/>
+                </a:prstGeom>
+                <a:solidFill>
+                  <a:schemeClr val="bg1">
+                    <a:lumMod val="85000"/>
+                  </a:schemeClr>
+                </a:solidFill>
+                <a:ln>
+                  <a:noFill/>
+                </a:ln>
+                <a:effectLst/>
+              </p:spPr>
+              <p:style>
+                <a:lnRef idx="1">
+                  <a:schemeClr val="accent1"/>
+                </a:lnRef>
+                <a:fillRef idx="3">
+                  <a:schemeClr val="accent1"/>
+                </a:fillRef>
+                <a:effectRef idx="2">
+                  <a:schemeClr val="accent1"/>
+                </a:effectRef>
+                <a:fontRef idx="minor">
+                  <a:schemeClr val="lt1"/>
+                </a:fontRef>
+              </p:style>
+              <p:txBody>
+                <a:bodyPr rtlCol="0" anchor="ctr"/>
+                <a:lstStyle/>
+                <a:p>
+                  <a:pPr algn="ctr"/>
+                  <a:endParaRPr lang="en-US"/>
+                </a:p>
+              </p:txBody>
+            </p:sp>
+            <p:sp>
+              <p:nvSpPr>
+                <p:cNvPr id="19" name="TextBox 18"/>
+                <p:cNvSpPr txBox="1"/>
+                <p:nvPr/>
+              </p:nvSpPr>
+              <p:spPr>
+                <a:xfrm>
+                  <a:off x="3390900" y="2076450"/>
+                  <a:ext cx="1765300" cy="784830"/>
+                </a:xfrm>
+                <a:prstGeom prst="rect">
+                  <a:avLst/>
+                </a:prstGeom>
+                <a:noFill/>
+              </p:spPr>
+              <p:txBody>
+                <a:bodyPr wrap="square" rtlCol="0">
+                  <a:spAutoFit/>
+                </a:bodyPr>
+                <a:lstStyle/>
+                <a:p>
+                  <a:r>
+                    <a:rPr lang="en-US" sz="1500" dirty="0" smtClean="0">
+                      <a:latin typeface="Arial"/>
+                      <a:cs typeface="Arial"/>
+                    </a:rPr>
+                    <a:t>Could </a:t>
+                  </a:r>
+                  <a:r>
+                    <a:rPr lang="en-US" sz="1500" dirty="0" err="1" smtClean="0">
+                      <a:latin typeface="Arial"/>
+                      <a:cs typeface="Arial"/>
+                    </a:rPr>
+                    <a:t>NudgeSMS</a:t>
+                  </a:r>
+                  <a:r>
+                    <a:rPr lang="en-US" sz="1500" dirty="0" smtClean="0">
+                      <a:latin typeface="Arial"/>
+                      <a:cs typeface="Arial"/>
+                    </a:rPr>
+                    <a:t> save CA $5M?: </a:t>
+                  </a:r>
+                  <a:r>
+                    <a:rPr lang="en-US" sz="1500" dirty="0" smtClean="0">
+                      <a:latin typeface="Arial"/>
+                      <a:cs typeface="Arial"/>
+                      <a:hlinkClick r:id="rId5" action="ppaction://hlinkfile"/>
+                    </a:rPr>
+                    <a:t>yes</a:t>
+                  </a:r>
+                  <a:r>
+                    <a:rPr lang="en-US" sz="1500" dirty="0" smtClean="0">
+                      <a:latin typeface="Arial"/>
+                      <a:cs typeface="Arial"/>
+                    </a:rPr>
+                    <a:t> or </a:t>
+                  </a:r>
+                  <a:r>
+                    <a:rPr lang="en-US" sz="1500" dirty="0" smtClean="0">
+                      <a:latin typeface="Arial"/>
+                      <a:cs typeface="Arial"/>
+                      <a:hlinkClick r:id="rId5" action="ppaction://hlinkfile"/>
+                    </a:rPr>
+                    <a:t>no</a:t>
+                  </a:r>
+                  <a:endParaRPr lang="en-US" sz="1500" dirty="0">
+                    <a:latin typeface="Arial"/>
+                    <a:cs typeface="Arial"/>
+                  </a:endParaRPr>
+                </a:p>
+              </p:txBody>
+            </p:sp>
+          </p:grpSp>
+        </p:grpSp>
+      </p:grpSp>
+      <p:sp>
+        <p:nvSpPr>
+          <p:cNvPr id="28" name="Rectangle 27"/>
+          <p:cNvSpPr/>
+          <p:nvPr/>
+        </p:nvSpPr>
+        <p:spPr>
+          <a:xfrm>
+            <a:off x="4885765" y="1966186"/>
+            <a:ext cx="2779059" cy="523220"/>
+          </a:xfrm>
+          <a:prstGeom prst="rect">
+            <a:avLst/>
+          </a:prstGeom>
+        </p:spPr>
+        <p:txBody>
+          <a:bodyPr wrap="square">
+            <a:spAutoFit/>
+          </a:bodyPr>
+          <a:lstStyle/>
+          <a:p>
+            <a:r>
+              <a:rPr lang="en-US" sz="2800" dirty="0" smtClean="0">
+                <a:latin typeface="Avenir Light"/>
+                <a:cs typeface="Avenir Light"/>
+              </a:rPr>
+              <a:t>Try it out! </a:t>
+            </a:r>
+            <a:endParaRPr lang="en-US" sz="2800" dirty="0">
+              <a:latin typeface="Avenir Light"/>
+              <a:cs typeface="Avenir Light"/>
+            </a:endParaRPr>
+          </a:p>
+        </p:txBody>
+      </p:sp>
+      <p:sp>
+        <p:nvSpPr>
+          <p:cNvPr id="29" name="Rectangle 28"/>
+          <p:cNvSpPr/>
+          <p:nvPr/>
+        </p:nvSpPr>
+        <p:spPr>
+          <a:xfrm>
+            <a:off x="3959413" y="3012068"/>
+            <a:ext cx="4542116" cy="846386"/>
+          </a:xfrm>
+          <a:prstGeom prst="rect">
+            <a:avLst/>
+          </a:prstGeom>
+        </p:spPr>
+        <p:txBody>
+          <a:bodyPr wrap="square">
+            <a:spAutoFit/>
+          </a:bodyPr>
+          <a:lstStyle/>
+          <a:p>
+            <a:r>
+              <a:rPr lang="en-US" sz="4900" dirty="0" smtClean="0">
+                <a:latin typeface="Avenir Light"/>
+                <a:cs typeface="Avenir Light"/>
+              </a:rPr>
+              <a:t>Text </a:t>
+            </a:r>
+            <a:r>
+              <a:rPr lang="en-US" sz="4900" b="1" dirty="0" smtClean="0">
+                <a:latin typeface="Avenir Light"/>
+                <a:cs typeface="Avenir Light"/>
+              </a:rPr>
+              <a:t>1267920</a:t>
+            </a:r>
+            <a:endParaRPr lang="en-US" sz="4900" dirty="0">
+              <a:latin typeface="Avenir Light"/>
+              <a:cs typeface="Avenir Light"/>
+            </a:endParaRPr>
+          </a:p>
+        </p:txBody>
+      </p:sp>
+      <p:sp>
+        <p:nvSpPr>
+          <p:cNvPr id="30" name="Rectangle 29"/>
+          <p:cNvSpPr/>
+          <p:nvPr/>
+        </p:nvSpPr>
+        <p:spPr>
+          <a:xfrm>
+            <a:off x="3610785" y="4177480"/>
+            <a:ext cx="6178254" cy="846386"/>
+          </a:xfrm>
+          <a:prstGeom prst="rect">
+            <a:avLst/>
+          </a:prstGeom>
+        </p:spPr>
+        <p:txBody>
+          <a:bodyPr wrap="square">
+            <a:spAutoFit/>
+          </a:bodyPr>
+          <a:lstStyle/>
+          <a:p>
+            <a:r>
+              <a:rPr lang="en-US" sz="4900" dirty="0" smtClean="0">
+                <a:latin typeface="Avenir Light"/>
+                <a:cs typeface="Avenir Light"/>
+              </a:rPr>
+              <a:t>to (</a:t>
+            </a:r>
+            <a:r>
+              <a:rPr lang="en-US" sz="4900" b="1" dirty="0" smtClean="0">
+                <a:latin typeface="Avenir Light"/>
+                <a:cs typeface="Avenir Light"/>
+              </a:rPr>
+              <a:t>760) 452 -8549</a:t>
+            </a:r>
+            <a:endParaRPr lang="en-US" sz="4900" dirty="0">
+              <a:latin typeface="Avenir Light"/>
+              <a:cs typeface="Avenir Light"/>
+            </a:endParaRPr>
+          </a:p>
+        </p:txBody>
+      </p:sp>
+    </p:spTree>
+  </p:cSld>
+  <p:clrMapOvr>
+    <a:masterClrMapping/>
+  </p:clrMapOvr>
+  <p:timing>
+    <p:tnLst>
+      <p:par>
+        <p:cTn id="1" dur="indefinite" restart="never" nodeType="tmRoot"/>
+      </p:par>
+    </p:tnLst>
+  </p:timing>
+</p:sld>
+</file>
+
+<file path=ppt/slides/slide14.xml><?xml version="1.0" encoding="utf-8"?>
+<p:sld xmlns:a="http://schemas.openxmlformats.org/drawingml/2006/main" xmlns:r="http://schemas.openxmlformats.org/officeDocument/2006/relationships" xmlns:mc="http://schemas.openxmlformats.org/markup-compatibility/2006" xmlns:mv="urn:schemas-microsoft-com:mac:vml" xmlns:p="http://schemas.openxmlformats.org/presentationml/2006/main" mc:Ignorable="mv" mc:PreserveAttributes="mv:*">
+  <p:cSld>
+    <p:spTree>
+      <p:nvGrpSpPr>
+        <p:cNvPr id="1" name=""/>
+        <p:cNvGrpSpPr/>
+        <p:nvPr/>
+      </p:nvGrpSpPr>
+      <p:grpSpPr>
+        <a:xfrm>
+          <a:off x="0" y="0"/>
+          <a:ext cx="0" cy="0"/>
+          <a:chOff x="0" y="0"/>
+          <a:chExt cx="0" cy="0"/>
+        </a:xfrm>
+      </p:grpSpPr>
+      <p:sp>
+        <p:nvSpPr>
+          <p:cNvPr id="7" name="Rectangle 6"/>
+          <p:cNvSpPr/>
+          <p:nvPr/>
+        </p:nvSpPr>
+        <p:spPr>
+          <a:xfrm>
+            <a:off x="958272" y="1166085"/>
+            <a:ext cx="4572000" cy="646331"/>
+          </a:xfrm>
+          <a:prstGeom prst="rect">
+            <a:avLst/>
+          </a:prstGeom>
+        </p:spPr>
+        <p:txBody>
+          <a:bodyPr>
+            <a:spAutoFit/>
+          </a:bodyPr>
+          <a:lstStyle/>
+          <a:p>
+            <a:r>
+              <a:rPr lang="en-US" dirty="0" smtClean="0"/>
+              <a:t>Icons made by </a:t>
+            </a:r>
+            <a:r>
+              <a:rPr lang="en-US" dirty="0" err="1" smtClean="0"/>
+              <a:t>Freepik</a:t>
+            </a:r>
+            <a:r>
+              <a:rPr lang="en-US" dirty="0" smtClean="0"/>
+              <a:t> from </a:t>
+            </a:r>
+            <a:r>
+              <a:rPr lang="en-US" dirty="0" err="1" smtClean="0"/>
+              <a:t>www.flaticon.com</a:t>
+            </a:r>
+            <a:r>
+              <a:rPr lang="en-US" dirty="0" smtClean="0"/>
+              <a:t> is licensed CC BY 3.0</a:t>
+            </a:r>
+            <a:endParaRPr lang="en-US" dirty="0"/>
+          </a:p>
+        </p:txBody>
+      </p:sp>
+      <p:sp>
+        <p:nvSpPr>
+          <p:cNvPr id="8" name="TextBox 7"/>
+          <p:cNvSpPr txBox="1"/>
+          <p:nvPr/>
+        </p:nvSpPr>
+        <p:spPr>
+          <a:xfrm>
+            <a:off x="0" y="161630"/>
+            <a:ext cx="9144000" cy="646331"/>
+          </a:xfrm>
+          <a:prstGeom prst="rect">
+            <a:avLst/>
+          </a:prstGeom>
+          <a:noFill/>
+        </p:spPr>
+        <p:txBody>
+          <a:bodyPr wrap="square" rtlCol="0">
+            <a:spAutoFit/>
+          </a:bodyPr>
+          <a:lstStyle/>
+          <a:p>
+            <a:pPr algn="ctr"/>
+            <a:r>
+              <a:rPr lang="en-US" sz="3600" dirty="0" smtClean="0">
+                <a:latin typeface="Avenir Black"/>
+                <a:cs typeface="Avenir Black"/>
+              </a:rPr>
+              <a:t>Credits</a:t>
+            </a:r>
+            <a:endParaRPr lang="en-US" sz="3600" dirty="0">
+              <a:latin typeface="Avenir Black"/>
+              <a:cs typeface="Avenir Black"/>
+            </a:endParaRPr>
+          </a:p>
+        </p:txBody>
+      </p:sp>
+      <p:sp>
+        <p:nvSpPr>
+          <p:cNvPr id="4" name="Rectangle 3"/>
+          <p:cNvSpPr/>
+          <p:nvPr/>
+        </p:nvSpPr>
+        <p:spPr>
+          <a:xfrm>
+            <a:off x="958272" y="2136124"/>
+            <a:ext cx="4572000" cy="646331"/>
+          </a:xfrm>
+          <a:prstGeom prst="rect">
+            <a:avLst/>
+          </a:prstGeom>
+        </p:spPr>
+        <p:txBody>
+          <a:bodyPr>
+            <a:spAutoFit/>
+          </a:bodyPr>
+          <a:lstStyle/>
+          <a:p>
+            <a:r>
+              <a:rPr lang="en-US" dirty="0" smtClean="0"/>
+              <a:t>Plug-In icon by Edward Boatman from the Noun Project</a:t>
+            </a:r>
+            <a:endParaRPr lang="en-US" dirty="0"/>
+          </a:p>
+        </p:txBody>
+      </p:sp>
+      <p:sp>
+        <p:nvSpPr>
+          <p:cNvPr id="5" name="Rectangle 4"/>
+          <p:cNvSpPr/>
+          <p:nvPr/>
+        </p:nvSpPr>
+        <p:spPr>
+          <a:xfrm>
+            <a:off x="958272" y="3232942"/>
+            <a:ext cx="4572000" cy="646331"/>
+          </a:xfrm>
+          <a:prstGeom prst="rect">
+            <a:avLst/>
+          </a:prstGeom>
+        </p:spPr>
+        <p:txBody>
+          <a:bodyPr>
+            <a:spAutoFit/>
+          </a:bodyPr>
+          <a:lstStyle/>
+          <a:p>
+            <a:r>
+              <a:rPr lang="en-US" dirty="0" smtClean="0"/>
+              <a:t>Smartphone by Martin Jordan from the Noun Project</a:t>
+            </a:r>
+            <a:endParaRPr lang="en-US" dirty="0"/>
+          </a:p>
+        </p:txBody>
+      </p:sp>
+      <p:grpSp>
+        <p:nvGrpSpPr>
+          <p:cNvPr id="9" name="Group 8"/>
+          <p:cNvGrpSpPr/>
+          <p:nvPr/>
+        </p:nvGrpSpPr>
+        <p:grpSpPr>
+          <a:xfrm>
+            <a:off x="0" y="6414869"/>
+            <a:ext cx="9144001" cy="443131"/>
+            <a:chOff x="0" y="6414869"/>
+            <a:chExt cx="9144001" cy="443131"/>
+          </a:xfrm>
+        </p:grpSpPr>
+        <p:sp>
+          <p:nvSpPr>
+            <p:cNvPr id="10" name="Rectangle 9"/>
+            <p:cNvSpPr/>
+            <p:nvPr/>
+          </p:nvSpPr>
+          <p:spPr>
+            <a:xfrm rot="5400000">
+              <a:off x="4368800" y="2082799"/>
+              <a:ext cx="406401" cy="9144001"/>
+            </a:xfrm>
+            <a:prstGeom prst="rect">
+              <a:avLst/>
+            </a:prstGeom>
+            <a:solidFill>
+              <a:schemeClr val="tx2">
+                <a:lumMod val="50000"/>
+              </a:schemeClr>
+            </a:solidFill>
+            <a:ln>
+              <a:noFill/>
+            </a:ln>
+            <a:effectLst/>
+          </p:spPr>
+          <p:style>
+            <a:lnRef idx="1">
+              <a:schemeClr val="accent1"/>
+            </a:lnRef>
+            <a:fillRef idx="3">
+              <a:schemeClr val="accent1"/>
+            </a:fillRef>
+            <a:effectRef idx="2">
+              <a:schemeClr val="accent1"/>
+            </a:effectRef>
+            <a:fontRef idx="minor">
+              <a:schemeClr val="lt1"/>
+            </a:fontRef>
+          </p:style>
+          <p:txBody>
+            <a:bodyPr rtlCol="0" anchor="ctr"/>
+            <a:lstStyle/>
+            <a:p>
+              <a:pPr algn="ctr"/>
+              <a:endParaRPr lang="en-US">
+                <a:latin typeface="Avenir Book"/>
+                <a:cs typeface="Avenir Book"/>
+              </a:endParaRPr>
+            </a:p>
+          </p:txBody>
+        </p:sp>
+        <p:pic>
+          <p:nvPicPr>
+            <p:cNvPr id="11" name="Picture 10" descr="noun_327_cc.png"/>
+            <p:cNvPicPr>
+              <a:picLocks noChangeAspect="1"/>
+            </p:cNvPicPr>
+            <p:nvPr/>
+          </p:nvPicPr>
+          <p:blipFill>
+            <a:blip r:embed="rId2">
+              <a:lum bright="100000" contrast="-70000"/>
+            </a:blip>
+            <a:srcRect t="17845" b="31313"/>
+            <a:stretch>
+              <a:fillRect/>
+            </a:stretch>
+          </p:blipFill>
+          <p:spPr>
+            <a:xfrm>
+              <a:off x="3533542" y="6515100"/>
+              <a:ext cx="538337" cy="273700"/>
+            </a:xfrm>
+            <a:prstGeom prst="rect">
+              <a:avLst/>
+            </a:prstGeom>
+          </p:spPr>
+        </p:pic>
+        <p:sp>
+          <p:nvSpPr>
+            <p:cNvPr id="12" name="TextBox 11"/>
+            <p:cNvSpPr txBox="1"/>
+            <p:nvPr/>
+          </p:nvSpPr>
+          <p:spPr>
+            <a:xfrm>
+              <a:off x="3168092" y="6414869"/>
+              <a:ext cx="3440545" cy="400110"/>
+            </a:xfrm>
+            <a:prstGeom prst="rect">
+              <a:avLst/>
+            </a:prstGeom>
+            <a:noFill/>
+          </p:spPr>
+          <p:txBody>
+            <a:bodyPr wrap="square" rtlCol="0">
+              <a:spAutoFit/>
+            </a:bodyPr>
+            <a:lstStyle/>
+            <a:p>
+              <a:pPr algn="ctr"/>
+              <a:r>
+                <a:rPr lang="en-US" sz="2000" dirty="0" err="1" smtClean="0">
+                  <a:solidFill>
+                    <a:srgbClr val="FFFFFF"/>
+                  </a:solidFill>
+                  <a:latin typeface="Avenir Black"/>
+                  <a:cs typeface="Avenir Black"/>
+                </a:rPr>
+                <a:t>NudgeSMS</a:t>
+              </a:r>
+              <a:endParaRPr lang="en-US" sz="2000" dirty="0">
+                <a:solidFill>
+                  <a:srgbClr val="FFFFFF"/>
+                </a:solidFill>
+                <a:latin typeface="Avenir Black"/>
+                <a:cs typeface="Avenir Black"/>
+              </a:endParaRPr>
+            </a:p>
+          </p:txBody>
+        </p:sp>
+      </p:grpSp>
+    </p:spTree>
+  </p:cSld>
+  <p:clrMapOvr>
+    <a:masterClrMapping/>
+  </p:clrMapOvr>
+  <p:timing>
+    <p:tnLst>
+      <p:par>
+        <p:cTn id="1" dur="indefinite" restart="never" nodeType="tmRoot"/>
+      </p:par>
+    </p:tnLst>
+  </p:timing>
+</p:sld>
+</file>
+
+<file path=ppt/slides/slide2.xml><?xml version="1.0" encoding="utf-8"?>
+<p:sld xmlns:a="http://schemas.openxmlformats.org/drawingml/2006/main" xmlns:r="http://schemas.openxmlformats.org/officeDocument/2006/relationships" xmlns:mc="http://schemas.openxmlformats.org/markup-compatibility/2006" xmlns:mv="urn:schemas-microsoft-com:mac:vml" xmlns:p="http://schemas.openxmlformats.org/presentationml/2006/main" mc:Ignorable="mv" mc:PreserveAttributes="mv:*">
+  <p:cSld>
+    <p:spTree>
+      <p:nvGrpSpPr>
+        <p:cNvPr id="1" name=""/>
+        <p:cNvGrpSpPr/>
+        <p:nvPr/>
+      </p:nvGrpSpPr>
+      <p:grpSpPr>
+        <a:xfrm>
+          <a:off x="0" y="0"/>
+          <a:ext cx="0" cy="0"/>
+          <a:chOff x="0" y="0"/>
+          <a:chExt cx="0" cy="0"/>
+        </a:xfrm>
+      </p:grpSpPr>
       <p:sp>
         <p:nvSpPr>
           <p:cNvPr id="12" name="Rectangle 11"/>
@@ -3469,28 +5892,14 @@
                 <a:latin typeface="Avenir Book"/>
                 <a:cs typeface="Avenir Book"/>
               </a:rPr>
-              <a:t>251</a:t>
-            </a:r>
-            <a:r>
-              <a:rPr lang="en-US" b="1" dirty="0" smtClean="0">
-                <a:latin typeface="Avenir Book"/>
-                <a:cs typeface="Avenir Book"/>
-              </a:rPr>
-              <a:t> </a:t>
+              <a:t>251 </a:t>
             </a:r>
             <a:r>
               <a:rPr lang="en-US" b="1" dirty="0" err="1" smtClean="0">
                 <a:latin typeface="Avenir Book"/>
                 <a:cs typeface="Avenir Book"/>
               </a:rPr>
-              <a:t>G</a:t>
-            </a:r>
-            <a:r>
-              <a:rPr lang="en-US" b="1" dirty="0" err="1" smtClean="0">
-                <a:latin typeface="Avenir Book"/>
-                <a:cs typeface="Avenir Book"/>
-              </a:rPr>
-              <a:t>Wh</a:t>
+              <a:t>GWh</a:t>
             </a:r>
             <a:endParaRPr lang="en-US" b="1" dirty="0" smtClean="0">
               <a:latin typeface="Avenir Book"/>
@@ -3527,28 +5936,14 @@
                 <a:latin typeface="Avenir Book"/>
                 <a:cs typeface="Avenir Book"/>
               </a:rPr>
-              <a:t>223</a:t>
-            </a:r>
-            <a:r>
-              <a:rPr lang="en-US" b="1" dirty="0" smtClean="0">
-                <a:latin typeface="Avenir Book"/>
-                <a:cs typeface="Avenir Book"/>
-              </a:rPr>
-              <a:t> </a:t>
+              <a:t>223 </a:t>
             </a:r>
             <a:r>
               <a:rPr lang="en-US" b="1" dirty="0" err="1" smtClean="0">
                 <a:latin typeface="Avenir Book"/>
                 <a:cs typeface="Avenir Book"/>
               </a:rPr>
-              <a:t>G</a:t>
-            </a:r>
-            <a:r>
-              <a:rPr lang="en-US" b="1" dirty="0" err="1" smtClean="0">
-                <a:latin typeface="Avenir Book"/>
-                <a:cs typeface="Avenir Book"/>
-              </a:rPr>
-              <a:t>Wh</a:t>
+              <a:t>GWh</a:t>
             </a:r>
             <a:endParaRPr lang="en-US" b="1" dirty="0" smtClean="0">
               <a:latin typeface="Avenir Book"/>
@@ -3585,28 +5980,14 @@
                 <a:latin typeface="Avenir Book"/>
                 <a:cs typeface="Avenir Book"/>
               </a:rPr>
-              <a:t>168</a:t>
-            </a:r>
-            <a:r>
-              <a:rPr lang="en-US" b="1" dirty="0" smtClean="0">
-                <a:latin typeface="Avenir Book"/>
-                <a:cs typeface="Avenir Book"/>
-              </a:rPr>
-              <a:t> </a:t>
+              <a:t>168 </a:t>
             </a:r>
             <a:r>
               <a:rPr lang="en-US" b="1" dirty="0" err="1" smtClean="0">
                 <a:latin typeface="Avenir Book"/>
                 <a:cs typeface="Avenir Book"/>
               </a:rPr>
-              <a:t>G</a:t>
-            </a:r>
-            <a:r>
-              <a:rPr lang="en-US" b="1" dirty="0" err="1" smtClean="0">
-                <a:latin typeface="Avenir Book"/>
-                <a:cs typeface="Avenir Book"/>
-              </a:rPr>
-              <a:t>Wh</a:t>
+              <a:t>GWh</a:t>
             </a:r>
             <a:endParaRPr lang="en-US" b="1" dirty="0" smtClean="0">
               <a:latin typeface="Avenir Book"/>
@@ -3643,28 +6024,14 @@
                 <a:latin typeface="Avenir Book"/>
                 <a:cs typeface="Avenir Book"/>
               </a:rPr>
-              <a:t>152</a:t>
-            </a:r>
-            <a:r>
-              <a:rPr lang="en-US" b="1" dirty="0" smtClean="0">
-                <a:latin typeface="Avenir Book"/>
-                <a:cs typeface="Avenir Book"/>
-              </a:rPr>
-              <a:t> </a:t>
+              <a:t>152 </a:t>
             </a:r>
             <a:r>
               <a:rPr lang="en-US" b="1" dirty="0" err="1" smtClean="0">
                 <a:latin typeface="Avenir Book"/>
                 <a:cs typeface="Avenir Book"/>
               </a:rPr>
-              <a:t>G</a:t>
-            </a:r>
-            <a:r>
-              <a:rPr lang="en-US" b="1" dirty="0" err="1" smtClean="0">
-                <a:latin typeface="Avenir Book"/>
-                <a:cs typeface="Avenir Book"/>
-              </a:rPr>
-              <a:t>Wh</a:t>
+              <a:t>GWh</a:t>
             </a:r>
             <a:endParaRPr lang="en-US" b="1" dirty="0" smtClean="0">
               <a:latin typeface="Avenir Book"/>
@@ -3808,21 +6175,7 @@
                 <a:latin typeface="Avenir Next Demi Bold"/>
                 <a:cs typeface="Avenir Next Demi Bold"/>
               </a:rPr>
-              <a:t>4</a:t>
-            </a:r>
-            <a:r>
-              <a:rPr lang="en-US" sz="2400" b="1" dirty="0" smtClean="0">
-                <a:latin typeface="Avenir Next Demi Bold"/>
-                <a:cs typeface="Avenir Next Demi Bold"/>
-              </a:rPr>
-              <a:t> top consumers </a:t>
-            </a:r>
-            <a:r>
-              <a:rPr lang="en-US" sz="2400" b="1" dirty="0" smtClean="0">
-                <a:latin typeface="Avenir Next Demi Bold"/>
-                <a:cs typeface="Avenir Next Demi Bold"/>
-              </a:rPr>
-              <a:t>of electricity </a:t>
+              <a:t>4 top consumers of electricity </a:t>
             </a:r>
             <a:endParaRPr lang="en-US" sz="2400" b="1" dirty="0">
               <a:latin typeface="Avenir Next Demi Bold"/>
@@ -4033,10 +6386,6 @@
               </a:rPr>
               <a:t>Buildings</a:t>
             </a:r>
-            <a:endParaRPr lang="en-US" sz="2000" dirty="0" smtClean="0">
-              <a:latin typeface="Avenir Book"/>
-              <a:cs typeface="Avenir Book"/>
-            </a:endParaRPr>
           </a:p>
         </p:txBody>
       </p:sp>
@@ -4045,6 +6394,7 @@
   <p:clrMapOvr>
     <a:masterClrMapping/>
   </p:clrMapOvr>
+  <p:transition/>
   <p:timing>
     <p:tnLst>
       <p:par>
@@ -4055,8 +6405,8 @@
 </p:sld>
 </file>
 
-<file path=ppt/slides/slide2.xml><?xml version="1.0" encoding="utf-8"?>
-<p:sld xmlns:a="http://schemas.openxmlformats.org/drawingml/2006/main" xmlns:r="http://schemas.openxmlformats.org/officeDocument/2006/relationships" xmlns:mc="http://schemas.openxmlformats.org/markup-compatibility/2006" xmlns:mv="urn:schemas-microsoft-com:mac:vml" xmlns:p="http://schemas.openxmlformats.org/presentationml/2006/main" mc:Ignorable="mv" mc:PreserveAttributes="mv:*">
+<file path=ppt/slides/slide3.xml><?xml version="1.0" encoding="utf-8"?>
+<p:sld xmlns:a="http://schemas.openxmlformats.org/drawingml/2006/main" xmlns:r="http://schemas.openxmlformats.org/officeDocument/2006/relationships" xmlns:mc="http://schemas.openxmlformats.org/markup-compatibility/2006" xmlns:mv="urn:schemas-microsoft-com:mac:vml" xmlns:p="http://schemas.openxmlformats.org/presentationml/2006/main" mc:Ignorable="mv" mc:PreserveAttributes="mv:*" show="0">
   <p:cSld>
     <p:spTree>
       <p:nvGrpSpPr>
@@ -4082,7 +6432,8 @@
         </p:nvPicPr>
         <p:blipFill>
           <a:blip r:embed="rId2">
-            <a:alphaModFix amt="27000"/>
+            <a:lum bright="2000"/>
+            <a:alphaModFix amt="2000"/>
           </a:blip>
           <a:stretch>
             <a:fillRect/>
@@ -4149,7 +6500,7 @@
                 <a:latin typeface="Avenir Black"/>
                 <a:cs typeface="Avenir Black"/>
               </a:rPr>
-              <a:t>Cal Tech HQ </a:t>
+              <a:t>Richmond Lab </a:t>
             </a:r>
           </a:p>
           <a:p>
@@ -4159,7 +6510,7 @@
                 <a:latin typeface="Avenir Black"/>
                 <a:cs typeface="Avenir Black"/>
               </a:rPr>
-              <a:t>building</a:t>
+              <a:t>&amp; Office</a:t>
             </a:r>
           </a:p>
           <a:p>
@@ -4169,7 +6520,7 @@
                 <a:latin typeface="Avenir Black"/>
                 <a:cs typeface="Avenir Black"/>
               </a:rPr>
-              <a:t> (Cal Tech)</a:t>
+              <a:t>(CDPH)</a:t>
             </a:r>
             <a:endParaRPr lang="en-US" sz="2800" dirty="0"/>
           </a:p>
@@ -5080,14 +7431,7 @@
                   <a:latin typeface="Avenir Black"/>
                   <a:cs typeface="Avenir Black"/>
                 </a:rPr>
-                <a:t>246 </a:t>
-              </a:r>
-              <a:r>
-                <a:rPr lang="en-US" sz="2800" dirty="0" smtClean="0">
-                  <a:latin typeface="Avenir Black"/>
-                  <a:cs typeface="Avenir Black"/>
-                </a:rPr>
-                <a:t>Homes</a:t>
+                <a:t>246 Homes</a:t>
               </a:r>
               <a:endParaRPr lang="en-US" sz="2800" dirty="0"/>
             </a:p>
@@ -5460,6 +7804,7 @@
   <p:clrMapOvr>
     <a:masterClrMapping/>
   </p:clrMapOvr>
+  <p:transition/>
   <p:timing>
     <p:tnLst>
       <p:par>
@@ -5470,8 +7815,557 @@
 </p:sld>
 </file>
 
-<file path=ppt/slides/slide3.xml><?xml version="1.0" encoding="utf-8"?>
+<file path=ppt/slides/slide4.xml><?xml version="1.0" encoding="utf-8"?>
 <p:sld xmlns:a="http://schemas.openxmlformats.org/drawingml/2006/main" xmlns:r="http://schemas.openxmlformats.org/officeDocument/2006/relationships" xmlns:mc="http://schemas.openxmlformats.org/markup-compatibility/2006" xmlns:mv="urn:schemas-microsoft-com:mac:vml" xmlns:p="http://schemas.openxmlformats.org/presentationml/2006/main" mc:Ignorable="mv" mc:PreserveAttributes="mv:*">
+  <p:cSld>
+    <p:spTree>
+      <p:nvGrpSpPr>
+        <p:cNvPr id="1" name=""/>
+        <p:cNvGrpSpPr/>
+        <p:nvPr/>
+      </p:nvGrpSpPr>
+      <p:grpSpPr>
+        <a:xfrm>
+          <a:off x="0" y="0"/>
+          <a:ext cx="0" cy="0"/>
+          <a:chOff x="0" y="0"/>
+          <a:chExt cx="0" cy="0"/>
+        </a:xfrm>
+      </p:grpSpPr>
+      <p:grpSp>
+        <p:nvGrpSpPr>
+          <p:cNvPr id="2" name="Group 33"/>
+          <p:cNvGrpSpPr/>
+          <p:nvPr/>
+        </p:nvGrpSpPr>
+        <p:grpSpPr>
+          <a:xfrm>
+            <a:off x="0" y="6414869"/>
+            <a:ext cx="9144001" cy="443131"/>
+            <a:chOff x="0" y="6414869"/>
+            <a:chExt cx="9144001" cy="443131"/>
+          </a:xfrm>
+        </p:grpSpPr>
+        <p:sp>
+          <p:nvSpPr>
+            <p:cNvPr id="28" name="Rectangle 27"/>
+            <p:cNvSpPr/>
+            <p:nvPr/>
+          </p:nvSpPr>
+          <p:spPr>
+            <a:xfrm rot="5400000">
+              <a:off x="4368800" y="2082799"/>
+              <a:ext cx="406401" cy="9144001"/>
+            </a:xfrm>
+            <a:prstGeom prst="rect">
+              <a:avLst/>
+            </a:prstGeom>
+            <a:solidFill>
+              <a:schemeClr val="tx2">
+                <a:lumMod val="50000"/>
+              </a:schemeClr>
+            </a:solidFill>
+            <a:ln>
+              <a:noFill/>
+            </a:ln>
+            <a:effectLst/>
+          </p:spPr>
+          <p:style>
+            <a:lnRef idx="1">
+              <a:schemeClr val="accent1"/>
+            </a:lnRef>
+            <a:fillRef idx="3">
+              <a:schemeClr val="accent1"/>
+            </a:fillRef>
+            <a:effectRef idx="2">
+              <a:schemeClr val="accent1"/>
+            </a:effectRef>
+            <a:fontRef idx="minor">
+              <a:schemeClr val="lt1"/>
+            </a:fontRef>
+          </p:style>
+          <p:txBody>
+            <a:bodyPr rtlCol="0" anchor="ctr"/>
+            <a:lstStyle/>
+            <a:p>
+              <a:pPr algn="ctr"/>
+              <a:endParaRPr lang="en-US">
+                <a:latin typeface="Avenir Book"/>
+                <a:cs typeface="Avenir Book"/>
+              </a:endParaRPr>
+            </a:p>
+          </p:txBody>
+        </p:sp>
+        <p:pic>
+          <p:nvPicPr>
+            <p:cNvPr id="30" name="Picture 29" descr="noun_327_cc.png"/>
+            <p:cNvPicPr>
+              <a:picLocks noChangeAspect="1"/>
+            </p:cNvPicPr>
+            <p:nvPr/>
+          </p:nvPicPr>
+          <p:blipFill>
+            <a:blip r:embed="rId2">
+              <a:lum bright="100000" contrast="-70000"/>
+            </a:blip>
+            <a:srcRect t="17845" b="31313"/>
+            <a:stretch>
+              <a:fillRect/>
+            </a:stretch>
+          </p:blipFill>
+          <p:spPr>
+            <a:xfrm>
+              <a:off x="3533542" y="6515100"/>
+              <a:ext cx="538337" cy="273700"/>
+            </a:xfrm>
+            <a:prstGeom prst="rect">
+              <a:avLst/>
+            </a:prstGeom>
+          </p:spPr>
+        </p:pic>
+        <p:sp>
+          <p:nvSpPr>
+            <p:cNvPr id="33" name="TextBox 32"/>
+            <p:cNvSpPr txBox="1"/>
+            <p:nvPr/>
+          </p:nvSpPr>
+          <p:spPr>
+            <a:xfrm>
+              <a:off x="3168092" y="6414869"/>
+              <a:ext cx="3440545" cy="400110"/>
+            </a:xfrm>
+            <a:prstGeom prst="rect">
+              <a:avLst/>
+            </a:prstGeom>
+            <a:noFill/>
+          </p:spPr>
+          <p:txBody>
+            <a:bodyPr wrap="square" rtlCol="0">
+              <a:spAutoFit/>
+            </a:bodyPr>
+            <a:lstStyle/>
+            <a:p>
+              <a:pPr algn="ctr"/>
+              <a:r>
+                <a:rPr lang="en-US" sz="2000" dirty="0" err="1" smtClean="0">
+                  <a:solidFill>
+                    <a:srgbClr val="FFFFFF"/>
+                  </a:solidFill>
+                  <a:latin typeface="Avenir Black"/>
+                  <a:cs typeface="Avenir Black"/>
+                </a:rPr>
+                <a:t>NudgeSMS</a:t>
+              </a:r>
+              <a:endParaRPr lang="en-US" sz="2000" dirty="0">
+                <a:solidFill>
+                  <a:srgbClr val="FFFFFF"/>
+                </a:solidFill>
+                <a:latin typeface="Avenir Black"/>
+                <a:cs typeface="Avenir Black"/>
+              </a:endParaRPr>
+            </a:p>
+          </p:txBody>
+        </p:sp>
+      </p:grpSp>
+      <p:sp>
+        <p:nvSpPr>
+          <p:cNvPr id="24" name="Rectangle 23"/>
+          <p:cNvSpPr/>
+          <p:nvPr/>
+        </p:nvSpPr>
+        <p:spPr>
+          <a:xfrm>
+            <a:off x="1" y="581885"/>
+            <a:ext cx="9144000" cy="830997"/>
+          </a:xfrm>
+          <a:prstGeom prst="rect">
+            <a:avLst/>
+          </a:prstGeom>
+        </p:spPr>
+        <p:txBody>
+          <a:bodyPr wrap="square">
+            <a:spAutoFit/>
+          </a:bodyPr>
+          <a:lstStyle/>
+          <a:p>
+            <a:pPr algn="ctr"/>
+            <a:r>
+              <a:rPr lang="en-US" sz="4800" dirty="0" smtClean="0">
+                <a:latin typeface="Avenir Light"/>
+                <a:cs typeface="Avenir Light"/>
+              </a:rPr>
+              <a:t>State of California spent</a:t>
+            </a:r>
+            <a:endParaRPr lang="en-US" sz="4800" dirty="0">
+              <a:latin typeface="Avenir Light"/>
+              <a:cs typeface="Avenir Light"/>
+            </a:endParaRPr>
+          </a:p>
+        </p:txBody>
+      </p:sp>
+      <p:sp>
+        <p:nvSpPr>
+          <p:cNvPr id="29" name="Rectangle 28"/>
+          <p:cNvSpPr/>
+          <p:nvPr/>
+        </p:nvSpPr>
+        <p:spPr>
+          <a:xfrm>
+            <a:off x="0" y="1293832"/>
+            <a:ext cx="9144000" cy="984885"/>
+          </a:xfrm>
+          <a:prstGeom prst="rect">
+            <a:avLst/>
+          </a:prstGeom>
+        </p:spPr>
+        <p:txBody>
+          <a:bodyPr wrap="square">
+            <a:spAutoFit/>
+          </a:bodyPr>
+          <a:lstStyle/>
+          <a:p>
+            <a:pPr algn="ctr"/>
+            <a:r>
+              <a:rPr lang="en-US" sz="5800" dirty="0" smtClean="0">
+                <a:latin typeface="Avenir Black"/>
+                <a:cs typeface="Avenir Black"/>
+              </a:rPr>
+              <a:t>$113 Million</a:t>
+            </a:r>
+            <a:endParaRPr lang="en-US" sz="5800" dirty="0">
+              <a:latin typeface="Avenir Black"/>
+              <a:cs typeface="Avenir Black"/>
+            </a:endParaRPr>
+          </a:p>
+        </p:txBody>
+      </p:sp>
+      <p:sp>
+        <p:nvSpPr>
+          <p:cNvPr id="34" name="Rectangle 33"/>
+          <p:cNvSpPr/>
+          <p:nvPr/>
+        </p:nvSpPr>
+        <p:spPr>
+          <a:xfrm>
+            <a:off x="0" y="2212714"/>
+            <a:ext cx="9144000" cy="830997"/>
+          </a:xfrm>
+          <a:prstGeom prst="rect">
+            <a:avLst/>
+          </a:prstGeom>
+        </p:spPr>
+        <p:txBody>
+          <a:bodyPr wrap="square">
+            <a:spAutoFit/>
+          </a:bodyPr>
+          <a:lstStyle/>
+          <a:p>
+            <a:pPr algn="ctr"/>
+            <a:r>
+              <a:rPr lang="en-US" sz="4800" dirty="0" smtClean="0">
+                <a:latin typeface="Avenir Light"/>
+                <a:cs typeface="Avenir Light"/>
+              </a:rPr>
+              <a:t>in electricity bills in 2014</a:t>
+            </a:r>
+            <a:endParaRPr lang="en-US" sz="4800" dirty="0">
+              <a:latin typeface="Avenir Light"/>
+              <a:cs typeface="Avenir Light"/>
+            </a:endParaRPr>
+          </a:p>
+        </p:txBody>
+      </p:sp>
+      <p:sp>
+        <p:nvSpPr>
+          <p:cNvPr id="39" name="Rectangle 38"/>
+          <p:cNvSpPr/>
+          <p:nvPr/>
+        </p:nvSpPr>
+        <p:spPr>
+          <a:xfrm>
+            <a:off x="0" y="3689652"/>
+            <a:ext cx="9144000" cy="830997"/>
+          </a:xfrm>
+          <a:prstGeom prst="rect">
+            <a:avLst/>
+          </a:prstGeom>
+        </p:spPr>
+        <p:txBody>
+          <a:bodyPr wrap="square">
+            <a:spAutoFit/>
+          </a:bodyPr>
+          <a:lstStyle/>
+          <a:p>
+            <a:pPr algn="ctr"/>
+            <a:r>
+              <a:rPr lang="en-US" sz="4800" dirty="0" smtClean="0">
+                <a:latin typeface="Avenir Light"/>
+                <a:cs typeface="Avenir Light"/>
+              </a:rPr>
+              <a:t>A 5% reduction in usage</a:t>
+            </a:r>
+            <a:endParaRPr lang="en-US" sz="4800" dirty="0">
+              <a:latin typeface="Avenir Light"/>
+              <a:cs typeface="Avenir Light"/>
+            </a:endParaRPr>
+          </a:p>
+        </p:txBody>
+      </p:sp>
+      <p:sp>
+        <p:nvSpPr>
+          <p:cNvPr id="40" name="Rectangle 39"/>
+          <p:cNvSpPr/>
+          <p:nvPr/>
+        </p:nvSpPr>
+        <p:spPr>
+          <a:xfrm>
+            <a:off x="0" y="4506187"/>
+            <a:ext cx="9144000" cy="984885"/>
+          </a:xfrm>
+          <a:prstGeom prst="rect">
+            <a:avLst/>
+          </a:prstGeom>
+        </p:spPr>
+        <p:txBody>
+          <a:bodyPr wrap="square">
+            <a:spAutoFit/>
+          </a:bodyPr>
+          <a:lstStyle/>
+          <a:p>
+            <a:pPr algn="ctr"/>
+            <a:r>
+              <a:rPr lang="en-US" sz="5800" dirty="0" smtClean="0">
+                <a:latin typeface="Avenir Black"/>
+                <a:cs typeface="Avenir Black"/>
+              </a:rPr>
+              <a:t>$5.65 Million</a:t>
+            </a:r>
+            <a:endParaRPr lang="en-US" sz="5800" dirty="0">
+              <a:latin typeface="Avenir Black"/>
+              <a:cs typeface="Avenir Black"/>
+            </a:endParaRPr>
+          </a:p>
+        </p:txBody>
+      </p:sp>
+      <p:sp>
+        <p:nvSpPr>
+          <p:cNvPr id="41" name="Rectangle 40"/>
+          <p:cNvSpPr/>
+          <p:nvPr/>
+        </p:nvSpPr>
+        <p:spPr>
+          <a:xfrm>
+            <a:off x="0" y="5410128"/>
+            <a:ext cx="9144000" cy="830997"/>
+          </a:xfrm>
+          <a:prstGeom prst="rect">
+            <a:avLst/>
+          </a:prstGeom>
+        </p:spPr>
+        <p:txBody>
+          <a:bodyPr wrap="square">
+            <a:spAutoFit/>
+          </a:bodyPr>
+          <a:lstStyle/>
+          <a:p>
+            <a:pPr algn="ctr"/>
+            <a:r>
+              <a:rPr lang="en-US" sz="4800" dirty="0" smtClean="0">
+                <a:latin typeface="Avenir Light"/>
+                <a:cs typeface="Avenir Light"/>
+              </a:rPr>
+              <a:t>savings every year!</a:t>
+            </a:r>
+            <a:endParaRPr lang="en-US" sz="4800" dirty="0">
+              <a:latin typeface="Avenir Light"/>
+              <a:cs typeface="Avenir Light"/>
+            </a:endParaRPr>
+          </a:p>
+        </p:txBody>
+      </p:sp>
+      <p:cxnSp>
+        <p:nvCxnSpPr>
+          <p:cNvPr id="43" name="Straight Connector 42"/>
+          <p:cNvCxnSpPr/>
+          <p:nvPr/>
+        </p:nvCxnSpPr>
+        <p:spPr>
+          <a:xfrm>
+            <a:off x="0" y="3287059"/>
+            <a:ext cx="9144000" cy="1588"/>
+          </a:xfrm>
+          <a:prstGeom prst="line">
+            <a:avLst/>
+          </a:prstGeom>
+        </p:spPr>
+        <p:style>
+          <a:lnRef idx="2">
+            <a:schemeClr val="accent1"/>
+          </a:lnRef>
+          <a:fillRef idx="0">
+            <a:schemeClr val="accent1"/>
+          </a:fillRef>
+          <a:effectRef idx="1">
+            <a:schemeClr val="accent1"/>
+          </a:effectRef>
+          <a:fontRef idx="minor">
+            <a:schemeClr val="tx1"/>
+          </a:fontRef>
+        </p:style>
+      </p:cxnSp>
+    </p:spTree>
+  </p:cSld>
+  <p:clrMapOvr>
+    <a:masterClrMapping/>
+  </p:clrMapOvr>
+  <p:timing>
+    <p:tnLst>
+      <p:par>
+        <p:cTn id="1" dur="indefinite" restart="never" nodeType="tmRoot">
+          <p:childTnLst>
+            <p:seq concurrent="1" nextAc="seek">
+              <p:cTn id="2" dur="indefinite" nodeType="mainSeq">
+                <p:childTnLst>
+                  <p:par>
+                    <p:cTn id="3" fill="hold">
+                      <p:stCondLst>
+                        <p:cond delay="indefinite"/>
+                      </p:stCondLst>
+                      <p:childTnLst>
+                        <p:par>
+                          <p:cTn id="4" fill="hold">
+                            <p:stCondLst>
+                              <p:cond delay="0"/>
+                            </p:stCondLst>
+                            <p:childTnLst>
+                              <p:par>
+                                <p:cTn id="5" presetID="1" presetClass="entr" presetSubtype="0" fill="hold" grpId="0" nodeType="clickEffect">
+                                  <p:stCondLst>
+                                    <p:cond delay="0"/>
+                                  </p:stCondLst>
+                                  <p:childTnLst>
+                                    <p:set>
+                                      <p:cBhvr>
+                                        <p:cTn id="6" dur="1" fill="hold">
+                                          <p:stCondLst>
+                                            <p:cond delay="0"/>
+                                          </p:stCondLst>
+                                        </p:cTn>
+                                        <p:tgtEl>
+                                          <p:spTgt spid="40"/>
+                                        </p:tgtEl>
+                                        <p:attrNameLst>
+                                          <p:attrName>style.visibility</p:attrName>
+                                        </p:attrNameLst>
+                                      </p:cBhvr>
+                                      <p:to>
+                                        <p:strVal val="visible"/>
+                                      </p:to>
+                                    </p:set>
+                                  </p:childTnLst>
+                                </p:cTn>
+                              </p:par>
+                              <p:par>
+                                <p:cTn id="7" presetID="1" presetClass="entr" presetSubtype="0" fill="hold" grpId="0" nodeType="withEffect">
+                                  <p:stCondLst>
+                                    <p:cond delay="0"/>
+                                  </p:stCondLst>
+                                  <p:childTnLst>
+                                    <p:set>
+                                      <p:cBhvr>
+                                        <p:cTn id="8" dur="1" fill="hold">
+                                          <p:stCondLst>
+                                            <p:cond delay="0"/>
+                                          </p:stCondLst>
+                                        </p:cTn>
+                                        <p:tgtEl>
+                                          <p:spTgt spid="41"/>
+                                        </p:tgtEl>
+                                        <p:attrNameLst>
+                                          <p:attrName>style.visibility</p:attrName>
+                                        </p:attrNameLst>
+                                      </p:cBhvr>
+                                      <p:to>
+                                        <p:strVal val="visible"/>
+                                      </p:to>
+                                    </p:set>
+                                  </p:childTnLst>
+                                </p:cTn>
+                              </p:par>
+                            </p:childTnLst>
+                          </p:cTn>
+                        </p:par>
+                        <p:par>
+                          <p:cTn id="9" fill="hold">
+                            <p:stCondLst>
+                              <p:cond delay="0"/>
+                            </p:stCondLst>
+                            <p:childTnLst>
+                              <p:par>
+                                <p:cTn id="10" presetID="1" presetClass="entr" presetSubtype="0" fill="hold" grpId="0" nodeType="afterEffect">
+                                  <p:stCondLst>
+                                    <p:cond delay="0"/>
+                                  </p:stCondLst>
+                                  <p:childTnLst>
+                                    <p:set>
+                                      <p:cBhvr>
+                                        <p:cTn id="11" dur="1" fill="hold">
+                                          <p:stCondLst>
+                                            <p:cond delay="0"/>
+                                          </p:stCondLst>
+                                        </p:cTn>
+                                        <p:tgtEl>
+                                          <p:spTgt spid="39"/>
+                                        </p:tgtEl>
+                                        <p:attrNameLst>
+                                          <p:attrName>style.visibility</p:attrName>
+                                        </p:attrNameLst>
+                                      </p:cBhvr>
+                                      <p:to>
+                                        <p:strVal val="visible"/>
+                                      </p:to>
+                                    </p:set>
+                                  </p:childTnLst>
+                                </p:cTn>
+                              </p:par>
+                            </p:childTnLst>
+                          </p:cTn>
+                        </p:par>
+                      </p:childTnLst>
+                    </p:cTn>
+                  </p:par>
+                </p:childTnLst>
+              </p:cTn>
+              <p:prevCondLst>
+                <p:cond evt="onPrev" delay="0">
+                  <p:tgtEl>
+                    <p:sldTgt/>
+                  </p:tgtEl>
+                </p:cond>
+              </p:prevCondLst>
+              <p:nextCondLst>
+                <p:cond evt="onNext" delay="0">
+                  <p:tgtEl>
+                    <p:sldTgt/>
+                  </p:tgtEl>
+                </p:cond>
+              </p:nextCondLst>
+            </p:seq>
+          </p:childTnLst>
+        </p:cTn>
+      </p:par>
+    </p:tnLst>
+    <p:bldLst>
+      <p:bldP spid="39" grpId="0"/>
+      <p:bldP spid="40" grpId="0"/>
+      <p:bldP spid="41" grpId="0"/>
+    </p:bldLst>
+  </p:timing>
+</p:sld>
+</file>
+
+<file path=ppt/slides/slide5.xml><?xml version="1.0" encoding="utf-8"?>
+<p:sld xmlns:a="http://schemas.openxmlformats.org/drawingml/2006/main" xmlns:r="http://schemas.openxmlformats.org/officeDocument/2006/relationships" xmlns:mc="http://schemas.openxmlformats.org/markup-compatibility/2006" xmlns:mv="urn:schemas-microsoft-com:mac:vml" xmlns:p="http://schemas.openxmlformats.org/presentationml/2006/main" mc:Ignorable="mv" mc:PreserveAttributes="mv:*" show="0">
   <p:cSld>
     <p:spTree>
       <p:nvGrpSpPr>
@@ -5584,21 +8478,7 @@
                 <a:latin typeface="Avenir Black"/>
                 <a:cs typeface="Avenir Black"/>
               </a:rPr>
-              <a:t>How can we encourage better conservation </a:t>
-            </a:r>
-            <a:r>
-              <a:rPr lang="en-US" sz="3600" dirty="0" smtClean="0">
-                <a:latin typeface="Avenir Black"/>
-                <a:cs typeface="Avenir Black"/>
-              </a:rPr>
-              <a:t>and awareness</a:t>
-            </a:r>
-            <a:r>
-              <a:rPr lang="en-US" sz="3600" dirty="0" smtClean="0">
-                <a:latin typeface="Avenir Black"/>
-                <a:cs typeface="Avenir Black"/>
-              </a:rPr>
-              <a:t>?</a:t>
+              <a:t>How can we help CA employees reduce electricity consumption by 5%?</a:t>
             </a:r>
             <a:endParaRPr lang="en-US" sz="3600" dirty="0">
               <a:latin typeface="Avenir Black"/>
@@ -5747,6 +8627,7 @@
   <p:clrMapOvr>
     <a:masterClrMapping/>
   </p:clrMapOvr>
+  <p:transition/>
   <p:timing>
     <p:tnLst>
       <p:par>
@@ -5757,7 +8638,7 @@
 </p:sld>
 </file>
 
-<file path=ppt/slides/slide4.xml><?xml version="1.0" encoding="utf-8"?>
+<file path=ppt/slides/slide6.xml><?xml version="1.0" encoding="utf-8"?>
 <p:sld xmlns:a="http://schemas.openxmlformats.org/drawingml/2006/main" xmlns:r="http://schemas.openxmlformats.org/officeDocument/2006/relationships" xmlns:mc="http://schemas.openxmlformats.org/markup-compatibility/2006" xmlns:mv="urn:schemas-microsoft-com:mac:vml" xmlns:p="http://schemas.openxmlformats.org/presentationml/2006/main" mc:Ignorable="mv" mc:PreserveAttributes="mv:*">
   <p:cSld>
     <p:spTree>
@@ -5863,28 +8744,7 @@
                 <a:latin typeface="Avenir Light"/>
                 <a:cs typeface="Avenir Light"/>
               </a:rPr>
-              <a:t>Improve</a:t>
-            </a:r>
-            <a:r>
-              <a:rPr lang="en-US" sz="4800" dirty="0" smtClean="0">
-                <a:latin typeface="Avenir Light"/>
-                <a:cs typeface="Avenir Light"/>
-              </a:rPr>
-              <a:t> energy conservation through </a:t>
-            </a:r>
-            <a:r>
-              <a:rPr lang="en-US" sz="4800" dirty="0" smtClean="0">
-                <a:latin typeface="Avenir Light"/>
-                <a:cs typeface="Avenir Light"/>
-              </a:rPr>
-              <a:t>text </a:t>
-            </a:r>
-            <a:r>
-              <a:rPr lang="en-US" sz="4800" dirty="0" smtClean="0">
-                <a:latin typeface="Avenir Light"/>
-                <a:cs typeface="Avenir Light"/>
-              </a:rPr>
-              <a:t>messages</a:t>
+              <a:t>Improve energy conservation through text messages</a:t>
             </a:r>
             <a:endParaRPr lang="en-US" sz="4800" dirty="0">
               <a:latin typeface="Avenir Light"/>
@@ -6043,7 +8903,7 @@
 </p:sld>
 </file>
 
-<file path=ppt/slides/slide5.xml><?xml version="1.0" encoding="utf-8"?>
+<file path=ppt/slides/slide7.xml><?xml version="1.0" encoding="utf-8"?>
 <p:sld xmlns:a="http://schemas.openxmlformats.org/drawingml/2006/main" xmlns:r="http://schemas.openxmlformats.org/officeDocument/2006/relationships" xmlns:mc="http://schemas.openxmlformats.org/markup-compatibility/2006" xmlns:mv="urn:schemas-microsoft-com:mac:vml" xmlns:p="http://schemas.openxmlformats.org/presentationml/2006/main" mc:Ignorable="mv" mc:PreserveAttributes="mv:*">
   <p:cSld>
     <p:spTree>
@@ -6130,8 +8990,8 @@
         </p:nvSpPr>
         <p:spPr>
           <a:xfrm>
-            <a:off x="2914091" y="1699485"/>
-            <a:ext cx="3601009" cy="584776"/>
+            <a:off x="2286001" y="1699485"/>
+            <a:ext cx="4851400" cy="584776"/>
           </a:xfrm>
           <a:prstGeom prst="rect">
             <a:avLst/>
@@ -6149,7 +9009,7 @@
                 <a:latin typeface="Avenir Light"/>
                 <a:cs typeface="Avenir Light"/>
               </a:rPr>
-              <a:t>People open texts.</a:t>
+              <a:t>Why text messages?</a:t>
             </a:r>
             <a:endParaRPr lang="en-US" sz="3200" dirty="0">
               <a:latin typeface="Avenir Light"/>
@@ -6295,120 +9155,18 @@
       </p:grpSp>
       <p:grpSp>
         <p:nvGrpSpPr>
-          <p:cNvPr id="36" name="Group 35"/>
+          <p:cNvPr id="40" name="Group 39"/>
           <p:cNvGrpSpPr/>
           <p:nvPr/>
         </p:nvGrpSpPr>
         <p:grpSpPr>
           <a:xfrm>
-            <a:off x="2347677" y="2387600"/>
-            <a:ext cx="4728789" cy="2254766"/>
-            <a:chOff x="2347677" y="2387600"/>
-            <a:chExt cx="4728789" cy="2254766"/>
+            <a:off x="4724400" y="2387600"/>
+            <a:ext cx="2352066" cy="2229366"/>
+            <a:chOff x="4724400" y="2387600"/>
+            <a:chExt cx="2352066" cy="2229366"/>
           </a:xfrm>
         </p:grpSpPr>
-        <p:grpSp>
-          <p:nvGrpSpPr>
-            <p:cNvPr id="19" name="Group 18"/>
-            <p:cNvGrpSpPr/>
-            <p:nvPr/>
-          </p:nvGrpSpPr>
-          <p:grpSpPr>
-            <a:xfrm>
-              <a:off x="2514600" y="2514600"/>
-              <a:ext cx="1689100" cy="1663700"/>
-              <a:chOff x="800100" y="2667000"/>
-              <a:chExt cx="1689100" cy="1663700"/>
-            </a:xfrm>
-          </p:grpSpPr>
-          <p:sp>
-            <p:nvSpPr>
-              <p:cNvPr id="15" name="Donut 14"/>
-              <p:cNvSpPr/>
-              <p:nvPr/>
-            </p:nvSpPr>
-            <p:spPr>
-              <a:xfrm>
-                <a:off x="800100" y="2667000"/>
-                <a:ext cx="1689100" cy="1663700"/>
-              </a:xfrm>
-              <a:prstGeom prst="donut">
-                <a:avLst>
-                  <a:gd name="adj" fmla="val 14862"/>
-                </a:avLst>
-              </a:prstGeom>
-              <a:solidFill>
-                <a:srgbClr val="008000"/>
-              </a:solidFill>
-              <a:ln>
-                <a:noFill/>
-              </a:ln>
-              <a:effectLst/>
-            </p:spPr>
-            <p:style>
-              <a:lnRef idx="1">
-                <a:schemeClr val="accent1"/>
-              </a:lnRef>
-              <a:fillRef idx="3">
-                <a:schemeClr val="accent1"/>
-              </a:fillRef>
-              <a:effectRef idx="2">
-                <a:schemeClr val="accent1"/>
-              </a:effectRef>
-              <a:fontRef idx="minor">
-                <a:schemeClr val="lt1"/>
-              </a:fontRef>
-            </p:style>
-            <p:txBody>
-              <a:bodyPr rtlCol="0" anchor="ctr"/>
-              <a:lstStyle/>
-              <a:p>
-                <a:pPr algn="ctr"/>
-                <a:endParaRPr lang="en-US">
-                  <a:solidFill>
-                    <a:schemeClr val="tx1"/>
-                  </a:solidFill>
-                </a:endParaRPr>
-              </a:p>
-            </p:txBody>
-          </p:sp>
-          <p:sp>
-            <p:nvSpPr>
-              <p:cNvPr id="16" name="Rectangle 15"/>
-              <p:cNvSpPr/>
-              <p:nvPr/>
-            </p:nvSpPr>
-            <p:spPr>
-              <a:xfrm>
-                <a:off x="988776" y="3111500"/>
-                <a:ext cx="1271823" cy="707886"/>
-              </a:xfrm>
-              <a:prstGeom prst="rect">
-                <a:avLst/>
-              </a:prstGeom>
-              <a:ln>
-                <a:noFill/>
-              </a:ln>
-            </p:spPr>
-            <p:txBody>
-              <a:bodyPr wrap="square">
-                <a:spAutoFit/>
-              </a:bodyPr>
-              <a:lstStyle/>
-              <a:p>
-                <a:pPr algn="ctr"/>
-                <a:r>
-                  <a:rPr lang="en-US" sz="4000" dirty="0" smtClean="0">
-                    <a:latin typeface="Avenir Light"/>
-                    <a:cs typeface="Avenir Light"/>
-                  </a:rPr>
-                  <a:t>98%</a:t>
-                </a:r>
-                <a:endParaRPr lang="en-US" sz="4000" dirty="0"/>
-              </a:p>
-            </p:txBody>
-          </p:sp>
-        </p:grpSp>
         <p:sp>
           <p:nvSpPr>
             <p:cNvPr id="22" name="Rectangle 21"/>
@@ -6439,38 +9197,6 @@
                 <a:t>22%</a:t>
               </a:r>
               <a:endParaRPr lang="en-US" sz="4000" dirty="0"/>
-            </a:p>
-          </p:txBody>
-        </p:sp>
-        <p:sp>
-          <p:nvSpPr>
-            <p:cNvPr id="24" name="Rectangle 23"/>
-            <p:cNvSpPr/>
-            <p:nvPr/>
-          </p:nvSpPr>
-          <p:spPr>
-            <a:xfrm>
-              <a:off x="2347677" y="4273034"/>
-              <a:ext cx="1861184" cy="369332"/>
-            </a:xfrm>
-            <a:prstGeom prst="rect">
-              <a:avLst/>
-            </a:prstGeom>
-          </p:spPr>
-          <p:txBody>
-            <a:bodyPr wrap="none">
-              <a:spAutoFit/>
-            </a:bodyPr>
-            <a:lstStyle/>
-            <a:p>
-              <a:r>
-                <a:rPr lang="en-US" dirty="0" smtClean="0">
-                  <a:latin typeface="Avenir Light"/>
-                  <a:cs typeface="Avenir Light"/>
-                </a:rPr>
-                <a:t>Of texts opened</a:t>
-              </a:r>
-              <a:endParaRPr lang="en-US" dirty="0"/>
             </a:p>
           </p:txBody>
         </p:sp>
@@ -6739,51 +9465,215 @@
             </a:p>
           </p:txBody>
         </p:sp>
+      </p:grpSp>
+      <p:grpSp>
+        <p:nvGrpSpPr>
+          <p:cNvPr id="41" name="Group 40"/>
+          <p:cNvGrpSpPr/>
+          <p:nvPr/>
+        </p:nvGrpSpPr>
+        <p:grpSpPr>
+          <a:xfrm>
+            <a:off x="2347677" y="2514600"/>
+            <a:ext cx="1861184" cy="2127766"/>
+            <a:chOff x="2347677" y="2514600"/>
+            <a:chExt cx="1861184" cy="2127766"/>
+          </a:xfrm>
+        </p:grpSpPr>
         <p:sp>
           <p:nvSpPr>
-            <p:cNvPr id="35" name="Rectangle 34"/>
+            <p:cNvPr id="24" name="Rectangle 23"/>
             <p:cNvSpPr/>
             <p:nvPr/>
           </p:nvSpPr>
           <p:spPr>
-            <a:xfrm rot="2828370">
-              <a:off x="3854584" y="2615248"/>
-              <a:ext cx="176220" cy="464097"/>
+            <a:xfrm>
+              <a:off x="2347677" y="4273034"/>
+              <a:ext cx="1861184" cy="369332"/>
             </a:xfrm>
             <a:prstGeom prst="rect">
               <a:avLst/>
             </a:prstGeom>
-            <a:solidFill>
-              <a:schemeClr val="bg1"/>
-            </a:solidFill>
-            <a:ln>
-              <a:noFill/>
-            </a:ln>
-            <a:effectLst/>
           </p:spPr>
-          <p:style>
-            <a:lnRef idx="1">
-              <a:schemeClr val="accent1"/>
-            </a:lnRef>
-            <a:fillRef idx="3">
-              <a:schemeClr val="accent1"/>
-            </a:fillRef>
-            <a:effectRef idx="2">
-              <a:schemeClr val="accent1"/>
-            </a:effectRef>
-            <a:fontRef idx="minor">
-              <a:schemeClr val="lt1"/>
-            </a:fontRef>
-          </p:style>
           <p:txBody>
-            <a:bodyPr rtlCol="0" anchor="ctr"/>
+            <a:bodyPr wrap="none">
+              <a:spAutoFit/>
+            </a:bodyPr>
             <a:lstStyle/>
             <a:p>
-              <a:pPr algn="ctr"/>
-              <a:endParaRPr lang="en-US"/>
+              <a:r>
+                <a:rPr lang="en-US" dirty="0" smtClean="0">
+                  <a:latin typeface="Avenir Light"/>
+                  <a:cs typeface="Avenir Light"/>
+                </a:rPr>
+                <a:t>Of texts opened</a:t>
+              </a:r>
+              <a:endParaRPr lang="en-US" dirty="0"/>
             </a:p>
           </p:txBody>
         </p:sp>
+        <p:grpSp>
+          <p:nvGrpSpPr>
+            <p:cNvPr id="38" name="Group 37"/>
+            <p:cNvGrpSpPr/>
+            <p:nvPr/>
+          </p:nvGrpSpPr>
+          <p:grpSpPr>
+            <a:xfrm>
+              <a:off x="2514600" y="2514600"/>
+              <a:ext cx="1689100" cy="1663700"/>
+              <a:chOff x="2514600" y="2514600"/>
+              <a:chExt cx="1689100" cy="1663700"/>
+            </a:xfrm>
+          </p:grpSpPr>
+          <p:grpSp>
+            <p:nvGrpSpPr>
+              <p:cNvPr id="19" name="Group 18"/>
+              <p:cNvGrpSpPr/>
+              <p:nvPr/>
+            </p:nvGrpSpPr>
+            <p:grpSpPr>
+              <a:xfrm>
+                <a:off x="2514600" y="2514600"/>
+                <a:ext cx="1689100" cy="1663700"/>
+                <a:chOff x="800100" y="2667000"/>
+                <a:chExt cx="1689100" cy="1663700"/>
+              </a:xfrm>
+            </p:grpSpPr>
+            <p:sp>
+              <p:nvSpPr>
+                <p:cNvPr id="15" name="Donut 14"/>
+                <p:cNvSpPr/>
+                <p:nvPr/>
+              </p:nvSpPr>
+              <p:spPr>
+                <a:xfrm>
+                  <a:off x="800100" y="2667000"/>
+                  <a:ext cx="1689100" cy="1663700"/>
+                </a:xfrm>
+                <a:prstGeom prst="donut">
+                  <a:avLst>
+                    <a:gd name="adj" fmla="val 14862"/>
+                  </a:avLst>
+                </a:prstGeom>
+                <a:solidFill>
+                  <a:srgbClr val="008000"/>
+                </a:solidFill>
+                <a:ln>
+                  <a:noFill/>
+                </a:ln>
+                <a:effectLst/>
+              </p:spPr>
+              <p:style>
+                <a:lnRef idx="1">
+                  <a:schemeClr val="accent1"/>
+                </a:lnRef>
+                <a:fillRef idx="3">
+                  <a:schemeClr val="accent1"/>
+                </a:fillRef>
+                <a:effectRef idx="2">
+                  <a:schemeClr val="accent1"/>
+                </a:effectRef>
+                <a:fontRef idx="minor">
+                  <a:schemeClr val="lt1"/>
+                </a:fontRef>
+              </p:style>
+              <p:txBody>
+                <a:bodyPr rtlCol="0" anchor="ctr"/>
+                <a:lstStyle/>
+                <a:p>
+                  <a:pPr algn="ctr"/>
+                  <a:endParaRPr lang="en-US">
+                    <a:solidFill>
+                      <a:schemeClr val="tx1"/>
+                    </a:solidFill>
+                  </a:endParaRPr>
+                </a:p>
+              </p:txBody>
+            </p:sp>
+            <p:sp>
+              <p:nvSpPr>
+                <p:cNvPr id="16" name="Rectangle 15"/>
+                <p:cNvSpPr/>
+                <p:nvPr/>
+              </p:nvSpPr>
+              <p:spPr>
+                <a:xfrm>
+                  <a:off x="988776" y="3111500"/>
+                  <a:ext cx="1271823" cy="707886"/>
+                </a:xfrm>
+                <a:prstGeom prst="rect">
+                  <a:avLst/>
+                </a:prstGeom>
+                <a:ln>
+                  <a:noFill/>
+                </a:ln>
+              </p:spPr>
+              <p:txBody>
+                <a:bodyPr wrap="square">
+                  <a:spAutoFit/>
+                </a:bodyPr>
+                <a:lstStyle/>
+                <a:p>
+                  <a:pPr algn="ctr"/>
+                  <a:r>
+                    <a:rPr lang="en-US" sz="4000" dirty="0" smtClean="0">
+                      <a:latin typeface="Avenir Light"/>
+                      <a:cs typeface="Avenir Light"/>
+                    </a:rPr>
+                    <a:t>98%</a:t>
+                  </a:r>
+                  <a:endParaRPr lang="en-US" sz="4000" dirty="0"/>
+                </a:p>
+              </p:txBody>
+            </p:sp>
+          </p:grpSp>
+          <p:sp>
+            <p:nvSpPr>
+              <p:cNvPr id="35" name="Rectangle 34"/>
+              <p:cNvSpPr/>
+              <p:nvPr/>
+            </p:nvSpPr>
+            <p:spPr>
+              <a:xfrm rot="2828370">
+                <a:off x="3854584" y="2615248"/>
+                <a:ext cx="176220" cy="464097"/>
+              </a:xfrm>
+              <a:prstGeom prst="rect">
+                <a:avLst/>
+              </a:prstGeom>
+              <a:solidFill>
+                <a:schemeClr val="bg1"/>
+              </a:solidFill>
+              <a:ln>
+                <a:noFill/>
+              </a:ln>
+              <a:effectLst/>
+            </p:spPr>
+            <p:style>
+              <a:lnRef idx="1">
+                <a:schemeClr val="accent1"/>
+              </a:lnRef>
+              <a:fillRef idx="3">
+                <a:schemeClr val="accent1"/>
+              </a:fillRef>
+              <a:effectRef idx="2">
+                <a:schemeClr val="accent1"/>
+              </a:effectRef>
+              <a:fontRef idx="minor">
+                <a:schemeClr val="lt1"/>
+              </a:fontRef>
+            </p:style>
+            <p:txBody>
+              <a:bodyPr rtlCol="0" anchor="ctr"/>
+              <a:lstStyle/>
+              <a:p>
+                <a:pPr algn="ctr"/>
+                <a:endParaRPr lang="en-US"/>
+              </a:p>
+            </p:txBody>
+          </p:sp>
+        </p:grpSp>
       </p:grpSp>
     </p:spTree>
   </p:cSld>
@@ -6811,7 +9701,7 @@
                             </p:stCondLst>
                             <p:childTnLst>
                               <p:par>
-                                <p:cTn id="5" presetID="1" presetClass="entr" presetSubtype="0" fill="hold" grpId="0" nodeType="clickEffect">
+                                <p:cTn id="5" presetID="1" presetClass="entr" presetSubtype="0" fill="hold" nodeType="clickEffect">
                                   <p:stCondLst>
                                     <p:cond delay="0"/>
                                   </p:stCondLst>
@@ -6824,7 +9714,7 @@
                                           </p:stCondLst>
                                         </p:cTn>
                                         <p:tgtEl>
-                                          <p:spTgt spid="6"/>
+                                          <p:spTgt spid="40"/>
                                         </p:tgtEl>
                                         <p:attrNameLst>
                                           <p:attrName>style.visibility</p:attrName>
@@ -6837,21 +9727,39 @@
                                   </p:childTnLst>
                                 </p:cTn>
                               </p:par>
+                            </p:childTnLst>
+                          </p:cTn>
+                        </p:par>
+                      </p:childTnLst>
+                    </p:cTn>
+                  </p:par>
+                  <p:par>
+                    <p:cTn id="7" fill="hold">
+                      <p:stCondLst>
+                        <p:cond delay="indefinite"/>
+                      </p:stCondLst>
+                      <p:childTnLst>
+                        <p:par>
+                          <p:cTn id="8" fill="hold">
+                            <p:stCondLst>
+                              <p:cond delay="0"/>
+                            </p:stCondLst>
+                            <p:childTnLst>
                               <p:par>
-                                <p:cTn id="7" presetID="1" presetClass="entr" presetSubtype="0" fill="hold" nodeType="withEffect">
+                                <p:cTn id="9" presetID="1" presetClass="entr" presetSubtype="0" fill="hold" nodeType="clickEffect">
                                   <p:stCondLst>
                                     <p:cond delay="0"/>
                                   </p:stCondLst>
                                   <p:childTnLst>
                                     <p:set>
                                       <p:cBhvr>
-                                        <p:cTn id="8" dur="1" fill="hold">
+                                        <p:cTn id="10" dur="1" fill="hold">
                                           <p:stCondLst>
                                             <p:cond delay="0"/>
                                           </p:stCondLst>
                                         </p:cTn>
                                         <p:tgtEl>
-                                          <p:spTgt spid="36"/>
+                                          <p:spTgt spid="41"/>
                                         </p:tgtEl>
                                         <p:attrNameLst>
                                           <p:attrName>style.visibility</p:attrName>
@@ -6891,15 +9799,12 @@
         </p:cTn>
       </p:par>
     </p:tnLst>
-    <p:bldLst>
-      <p:bldP spid="6" grpId="0"/>
-    </p:bldLst>
   </p:timing>
 </p:sld>
 </file>
 
-<file path=ppt/slides/slide6.xml><?xml version="1.0" encoding="utf-8"?>
-<p:sld xmlns:a="http://schemas.openxmlformats.org/drawingml/2006/main" xmlns:r="http://schemas.openxmlformats.org/officeDocument/2006/relationships" xmlns:mc="http://schemas.openxmlformats.org/markup-compatibility/2006" xmlns:mv="urn:schemas-microsoft-com:mac:vml" xmlns:p="http://schemas.openxmlformats.org/presentationml/2006/main" mc:Ignorable="mv" mc:PreserveAttributes="mv:*">
+<file path=ppt/slides/slide8.xml><?xml version="1.0" encoding="utf-8"?>
+<p:sld xmlns:a="http://schemas.openxmlformats.org/drawingml/2006/main" xmlns:r="http://schemas.openxmlformats.org/officeDocument/2006/relationships" xmlns:mc="http://schemas.openxmlformats.org/markup-compatibility/2006" xmlns:mv="urn:schemas-microsoft-com:mac:vml" xmlns:p="http://schemas.openxmlformats.org/presentationml/2006/main" mc:Ignorable="mv" mc:PreserveAttributes="mv:*" show="0">
   <p:cSld>
     <p:spTree>
       <p:nvGrpSpPr>
@@ -6915,896 +9820,45 @@
           <a:chExt cx="0" cy="0"/>
         </a:xfrm>
       </p:grpSpPr>
-      <p:pic>
-        <p:nvPicPr>
-          <p:cNvPr id="4" name="Picture 3" descr="blue-background.png"/>
-          <p:cNvPicPr>
-            <a:picLocks noChangeAspect="1"/>
-          </p:cNvPicPr>
+      <p:sp>
+        <p:nvSpPr>
+          <p:cNvPr id="6" name="Rectangle 5"/>
+          <p:cNvSpPr/>
           <p:nvPr/>
-        </p:nvPicPr>
-        <p:blipFill>
-          <a:blip r:embed="rId2"/>
-          <a:stretch>
-            <a:fillRect/>
-          </a:stretch>
-        </p:blipFill>
+        </p:nvSpPr>
         <p:spPr>
           <a:xfrm>
-            <a:off x="-1" y="0"/>
-            <a:ext cx="9144001" cy="6858000"/>
+            <a:off x="1085291" y="2410685"/>
+            <a:ext cx="7458345" cy="830997"/>
           </a:xfrm>
           <a:prstGeom prst="rect">
             <a:avLst/>
           </a:prstGeom>
         </p:spPr>
-      </p:pic>
-      <p:grpSp>
-        <p:nvGrpSpPr>
-          <p:cNvPr id="8" name="Group 7"/>
-          <p:cNvGrpSpPr/>
-          <p:nvPr/>
-        </p:nvGrpSpPr>
-        <p:grpSpPr>
-          <a:xfrm>
-            <a:off x="2988232" y="61603"/>
-            <a:ext cx="3167536" cy="6734793"/>
-            <a:chOff x="3287525" y="123207"/>
-            <a:chExt cx="3167536" cy="6734793"/>
-          </a:xfrm>
-        </p:grpSpPr>
-        <p:pic>
-          <p:nvPicPr>
-            <p:cNvPr id="5" name="Picture 4"/>
-            <p:cNvPicPr>
-              <a:picLocks noChangeAspect="1"/>
-            </p:cNvPicPr>
-            <p:nvPr/>
-          </p:nvPicPr>
-          <p:blipFill>
-            <a:blip r:embed="rId3"/>
-            <a:srcRect b="-1118"/>
-            <a:stretch>
-              <a:fillRect/>
-            </a:stretch>
-          </p:blipFill>
-          <p:spPr>
-            <a:xfrm>
-              <a:off x="3287525" y="123207"/>
-              <a:ext cx="3167536" cy="6734793"/>
-            </a:xfrm>
-            <a:prstGeom prst="rect">
-              <a:avLst/>
-            </a:prstGeom>
-          </p:spPr>
-        </p:pic>
-        <p:pic>
-          <p:nvPicPr>
-            <p:cNvPr id="7" name="Picture 6" descr="nudgeSMS_welcome_iphone.png"/>
-            <p:cNvPicPr>
-              <a:picLocks noChangeAspect="1"/>
-            </p:cNvPicPr>
-            <p:nvPr/>
-          </p:nvPicPr>
-          <p:blipFill>
-            <a:blip r:embed="rId4"/>
-            <a:stretch>
-              <a:fillRect/>
-            </a:stretch>
-          </p:blipFill>
-          <p:spPr>
-            <a:xfrm>
-              <a:off x="3523910" y="1079500"/>
-              <a:ext cx="2694767" cy="4781550"/>
-            </a:xfrm>
-            <a:prstGeom prst="rect">
-              <a:avLst/>
-            </a:prstGeom>
-          </p:spPr>
-        </p:pic>
-      </p:grpSp>
-      <p:grpSp>
-        <p:nvGrpSpPr>
-          <p:cNvPr id="9" name="Group 8"/>
-          <p:cNvGrpSpPr/>
-          <p:nvPr/>
-        </p:nvGrpSpPr>
-        <p:grpSpPr>
-          <a:xfrm>
-            <a:off x="0" y="255369"/>
-            <a:ext cx="3440545" cy="455834"/>
-            <a:chOff x="3168092" y="6414869"/>
-            <a:chExt cx="3440545" cy="455834"/>
-          </a:xfrm>
-        </p:grpSpPr>
-        <p:sp>
-          <p:nvSpPr>
-            <p:cNvPr id="10" name="Rectangle 9"/>
-            <p:cNvSpPr/>
-            <p:nvPr/>
-          </p:nvSpPr>
-          <p:spPr>
-            <a:xfrm rot="5400000">
-              <a:off x="4375149" y="5492753"/>
-              <a:ext cx="406401" cy="2349500"/>
-            </a:xfrm>
-            <a:prstGeom prst="rect">
-              <a:avLst/>
-            </a:prstGeom>
-            <a:solidFill>
-              <a:schemeClr val="tx2">
-                <a:lumMod val="50000"/>
-              </a:schemeClr>
-            </a:solidFill>
-            <a:ln>
-              <a:noFill/>
-            </a:ln>
-            <a:effectLst/>
-          </p:spPr>
-          <p:style>
-            <a:lnRef idx="1">
-              <a:schemeClr val="accent1"/>
-            </a:lnRef>
-            <a:fillRef idx="3">
-              <a:schemeClr val="accent1"/>
-            </a:fillRef>
-            <a:effectRef idx="2">
-              <a:schemeClr val="accent1"/>
-            </a:effectRef>
-            <a:fontRef idx="minor">
-              <a:schemeClr val="lt1"/>
-            </a:fontRef>
-          </p:style>
-          <p:txBody>
-            <a:bodyPr rtlCol="0" anchor="ctr"/>
-            <a:lstStyle/>
-            <a:p>
-              <a:pPr algn="ctr"/>
-              <a:endParaRPr lang="en-US">
-                <a:latin typeface="Avenir Book"/>
-                <a:cs typeface="Avenir Book"/>
-              </a:endParaRPr>
-            </a:p>
-          </p:txBody>
-        </p:sp>
-        <p:pic>
-          <p:nvPicPr>
-            <p:cNvPr id="11" name="Picture 10" descr="noun_327_cc.png"/>
-            <p:cNvPicPr>
-              <a:picLocks noChangeAspect="1"/>
-            </p:cNvPicPr>
-            <p:nvPr/>
-          </p:nvPicPr>
-          <p:blipFill>
-            <a:blip r:embed="rId5">
-              <a:lum bright="100000" contrast="-70000"/>
-            </a:blip>
-            <a:srcRect t="17845" b="31313"/>
-            <a:stretch>
-              <a:fillRect/>
-            </a:stretch>
-          </p:blipFill>
-          <p:spPr>
-            <a:xfrm>
-              <a:off x="3533542" y="6515100"/>
-              <a:ext cx="538337" cy="273700"/>
-            </a:xfrm>
-            <a:prstGeom prst="rect">
-              <a:avLst/>
-            </a:prstGeom>
-          </p:spPr>
-        </p:pic>
-        <p:sp>
-          <p:nvSpPr>
-            <p:cNvPr id="12" name="TextBox 11"/>
-            <p:cNvSpPr txBox="1"/>
-            <p:nvPr/>
-          </p:nvSpPr>
-          <p:spPr>
-            <a:xfrm>
-              <a:off x="3168092" y="6414869"/>
-              <a:ext cx="3440545" cy="400110"/>
-            </a:xfrm>
-            <a:prstGeom prst="rect">
-              <a:avLst/>
-            </a:prstGeom>
-            <a:noFill/>
-          </p:spPr>
-          <p:txBody>
-            <a:bodyPr wrap="square" rtlCol="0">
-              <a:spAutoFit/>
-            </a:bodyPr>
-            <a:lstStyle/>
-            <a:p>
-              <a:pPr algn="ctr"/>
-              <a:r>
-                <a:rPr lang="en-US" sz="2000" dirty="0" err="1" smtClean="0">
-                  <a:solidFill>
-                    <a:srgbClr val="FFFFFF"/>
-                  </a:solidFill>
-                  <a:latin typeface="Avenir Black"/>
-                  <a:cs typeface="Avenir Black"/>
-                </a:rPr>
-                <a:t>NudgeSMS</a:t>
-              </a:r>
-              <a:endParaRPr lang="en-US" sz="2000" dirty="0">
-                <a:solidFill>
-                  <a:srgbClr val="FFFFFF"/>
-                </a:solidFill>
-                <a:latin typeface="Avenir Black"/>
-                <a:cs typeface="Avenir Black"/>
-              </a:endParaRPr>
-            </a:p>
-          </p:txBody>
-        </p:sp>
-      </p:grpSp>
-    </p:spTree>
-  </p:cSld>
-  <p:clrMapOvr>
-    <a:masterClrMapping/>
-  </p:clrMapOvr>
-  <p:timing>
-    <p:tnLst>
-      <p:par>
-        <p:cTn id="1" dur="indefinite" restart="never" nodeType="tmRoot"/>
-      </p:par>
-    </p:tnLst>
-  </p:timing>
-</p:sld>
-</file>
-
-<file path=ppt/slides/slide7.xml><?xml version="1.0" encoding="utf-8"?>
-<p:sld xmlns:a="http://schemas.openxmlformats.org/drawingml/2006/main" xmlns:r="http://schemas.openxmlformats.org/officeDocument/2006/relationships" xmlns:mc="http://schemas.openxmlformats.org/markup-compatibility/2006" xmlns:mv="urn:schemas-microsoft-com:mac:vml" xmlns:p="http://schemas.openxmlformats.org/presentationml/2006/main" mc:Ignorable="mv" mc:PreserveAttributes="mv:*">
-  <p:cSld>
-    <p:spTree>
-      <p:nvGrpSpPr>
-        <p:cNvPr id="1" name=""/>
-        <p:cNvGrpSpPr/>
-        <p:nvPr/>
-      </p:nvGrpSpPr>
-      <p:grpSpPr>
-        <a:xfrm>
-          <a:off x="0" y="0"/>
-          <a:ext cx="0" cy="0"/>
-          <a:chOff x="0" y="0"/>
-          <a:chExt cx="0" cy="0"/>
-        </a:xfrm>
-      </p:grpSpPr>
-      <p:pic>
-        <p:nvPicPr>
-          <p:cNvPr id="4" name="Picture 3" descr="blue-background.png"/>
-          <p:cNvPicPr>
-            <a:picLocks noChangeAspect="1"/>
-          </p:cNvPicPr>
-          <p:nvPr/>
-        </p:nvPicPr>
-        <p:blipFill>
-          <a:blip r:embed="rId2"/>
-          <a:stretch>
-            <a:fillRect/>
-          </a:stretch>
-        </p:blipFill>
-        <p:spPr>
-          <a:xfrm>
-            <a:off x="-1" y="0"/>
-            <a:ext cx="9144001" cy="6858000"/>
-          </a:xfrm>
-          <a:prstGeom prst="rect">
-            <a:avLst/>
-          </a:prstGeom>
-        </p:spPr>
-      </p:pic>
-      <p:pic>
-        <p:nvPicPr>
-          <p:cNvPr id="5" name="Picture 4"/>
-          <p:cNvPicPr>
-            <a:picLocks noChangeAspect="1"/>
-          </p:cNvPicPr>
-          <p:nvPr/>
-        </p:nvPicPr>
-        <p:blipFill>
-          <a:blip r:embed="rId3"/>
-          <a:srcRect b="-1118"/>
-          <a:stretch>
-            <a:fillRect/>
-          </a:stretch>
-        </p:blipFill>
-        <p:spPr>
-          <a:xfrm>
-            <a:off x="2988232" y="61603"/>
-            <a:ext cx="3167536" cy="6734793"/>
-          </a:xfrm>
-          <a:prstGeom prst="rect">
-            <a:avLst/>
-          </a:prstGeom>
-        </p:spPr>
-      </p:pic>
-      <p:pic>
-        <p:nvPicPr>
-          <p:cNvPr id="7" name="Picture 6" descr="nudgeSMS_welcome_iphone.png"/>
-          <p:cNvPicPr>
-            <a:picLocks noChangeAspect="1"/>
-          </p:cNvPicPr>
-          <p:nvPr/>
-        </p:nvPicPr>
-        <p:blipFill>
-          <a:blip r:embed="rId4"/>
-          <a:stretch>
-            <a:fillRect/>
-          </a:stretch>
-        </p:blipFill>
-        <p:spPr>
-          <a:xfrm>
-            <a:off x="3243792" y="1017896"/>
-            <a:ext cx="2656416" cy="4811404"/>
-          </a:xfrm>
-          <a:prstGeom prst="rect">
-            <a:avLst/>
-          </a:prstGeom>
-        </p:spPr>
-      </p:pic>
-      <p:grpSp>
-        <p:nvGrpSpPr>
-          <p:cNvPr id="6" name="Group 5"/>
-          <p:cNvGrpSpPr/>
-          <p:nvPr/>
-        </p:nvGrpSpPr>
-        <p:grpSpPr>
-          <a:xfrm>
-            <a:off x="0" y="255369"/>
-            <a:ext cx="3440545" cy="455834"/>
-            <a:chOff x="3168092" y="6414869"/>
-            <a:chExt cx="3440545" cy="455834"/>
-          </a:xfrm>
-        </p:grpSpPr>
-        <p:sp>
-          <p:nvSpPr>
-            <p:cNvPr id="8" name="Rectangle 7"/>
-            <p:cNvSpPr/>
-            <p:nvPr/>
-          </p:nvSpPr>
-          <p:spPr>
-            <a:xfrm rot="5400000">
-              <a:off x="4375149" y="5492753"/>
-              <a:ext cx="406401" cy="2349500"/>
-            </a:xfrm>
-            <a:prstGeom prst="rect">
-              <a:avLst/>
-            </a:prstGeom>
-            <a:solidFill>
-              <a:schemeClr val="tx2">
-                <a:lumMod val="50000"/>
-              </a:schemeClr>
-            </a:solidFill>
-            <a:ln>
-              <a:noFill/>
-            </a:ln>
-            <a:effectLst/>
-          </p:spPr>
-          <p:style>
-            <a:lnRef idx="1">
-              <a:schemeClr val="accent1"/>
-            </a:lnRef>
-            <a:fillRef idx="3">
-              <a:schemeClr val="accent1"/>
-            </a:fillRef>
-            <a:effectRef idx="2">
-              <a:schemeClr val="accent1"/>
-            </a:effectRef>
-            <a:fontRef idx="minor">
-              <a:schemeClr val="lt1"/>
-            </a:fontRef>
-          </p:style>
-          <p:txBody>
-            <a:bodyPr rtlCol="0" anchor="ctr"/>
-            <a:lstStyle/>
-            <a:p>
-              <a:pPr algn="ctr"/>
-              <a:endParaRPr lang="en-US">
-                <a:latin typeface="Avenir Book"/>
-                <a:cs typeface="Avenir Book"/>
-              </a:endParaRPr>
-            </a:p>
-          </p:txBody>
-        </p:sp>
-        <p:pic>
-          <p:nvPicPr>
-            <p:cNvPr id="9" name="Picture 8" descr="noun_327_cc.png"/>
-            <p:cNvPicPr>
-              <a:picLocks noChangeAspect="1"/>
-            </p:cNvPicPr>
-            <p:nvPr/>
-          </p:nvPicPr>
-          <p:blipFill>
-            <a:blip r:embed="rId5">
-              <a:lum bright="100000" contrast="-70000"/>
-            </a:blip>
-            <a:srcRect t="17845" b="31313"/>
-            <a:stretch>
-              <a:fillRect/>
-            </a:stretch>
-          </p:blipFill>
-          <p:spPr>
-            <a:xfrm>
-              <a:off x="3533542" y="6515100"/>
-              <a:ext cx="538337" cy="273700"/>
-            </a:xfrm>
-            <a:prstGeom prst="rect">
-              <a:avLst/>
-            </a:prstGeom>
-          </p:spPr>
-        </p:pic>
-        <p:sp>
-          <p:nvSpPr>
-            <p:cNvPr id="10" name="TextBox 9"/>
-            <p:cNvSpPr txBox="1"/>
-            <p:nvPr/>
-          </p:nvSpPr>
-          <p:spPr>
-            <a:xfrm>
-              <a:off x="3168092" y="6414869"/>
-              <a:ext cx="3440545" cy="400110"/>
-            </a:xfrm>
-            <a:prstGeom prst="rect">
-              <a:avLst/>
-            </a:prstGeom>
-            <a:noFill/>
-          </p:spPr>
-          <p:txBody>
-            <a:bodyPr wrap="square" rtlCol="0">
-              <a:spAutoFit/>
-            </a:bodyPr>
-            <a:lstStyle/>
-            <a:p>
-              <a:pPr algn="ctr"/>
-              <a:r>
-                <a:rPr lang="en-US" sz="2000" dirty="0" err="1" smtClean="0">
-                  <a:solidFill>
-                    <a:srgbClr val="FFFFFF"/>
-                  </a:solidFill>
-                  <a:latin typeface="Avenir Black"/>
-                  <a:cs typeface="Avenir Black"/>
-                </a:rPr>
-                <a:t>NudgeSMS</a:t>
-              </a:r>
-              <a:endParaRPr lang="en-US" sz="2000" dirty="0">
-                <a:solidFill>
-                  <a:srgbClr val="FFFFFF"/>
-                </a:solidFill>
-                <a:latin typeface="Avenir Black"/>
-                <a:cs typeface="Avenir Black"/>
-              </a:endParaRPr>
-            </a:p>
-          </p:txBody>
-        </p:sp>
-      </p:grpSp>
-    </p:spTree>
-  </p:cSld>
-  <p:clrMapOvr>
-    <a:masterClrMapping/>
-  </p:clrMapOvr>
-  <p:timing>
-    <p:tnLst>
-      <p:par>
-        <p:cTn id="1" dur="indefinite" restart="never" nodeType="tmRoot"/>
-      </p:par>
-    </p:tnLst>
-  </p:timing>
-</p:sld>
-</file>
-
-<file path=ppt/slides/slide8.xml><?xml version="1.0" encoding="utf-8"?>
-<p:sld xmlns:a="http://schemas.openxmlformats.org/drawingml/2006/main" xmlns:r="http://schemas.openxmlformats.org/officeDocument/2006/relationships" xmlns:mc="http://schemas.openxmlformats.org/markup-compatibility/2006" xmlns:mv="urn:schemas-microsoft-com:mac:vml" xmlns:p="http://schemas.openxmlformats.org/presentationml/2006/main" mc:Ignorable="mv" mc:PreserveAttributes="mv:*">
-  <p:cSld>
-    <p:spTree>
-      <p:nvGrpSpPr>
-        <p:cNvPr id="1" name=""/>
-        <p:cNvGrpSpPr/>
-        <p:nvPr/>
-      </p:nvGrpSpPr>
-      <p:grpSpPr>
-        <a:xfrm>
-          <a:off x="0" y="0"/>
-          <a:ext cx="0" cy="0"/>
-          <a:chOff x="0" y="0"/>
-          <a:chExt cx="0" cy="0"/>
-        </a:xfrm>
-      </p:grpSpPr>
-      <p:pic>
-        <p:nvPicPr>
-          <p:cNvPr id="4" name="Picture 3" descr="blue-background.png"/>
-          <p:cNvPicPr>
-            <a:picLocks noChangeAspect="1"/>
-          </p:cNvPicPr>
-          <p:nvPr/>
-        </p:nvPicPr>
-        <p:blipFill>
-          <a:blip r:embed="rId2"/>
-          <a:stretch>
-            <a:fillRect/>
-          </a:stretch>
-        </p:blipFill>
-        <p:spPr>
-          <a:xfrm>
-            <a:off x="-1" y="0"/>
-            <a:ext cx="9144001" cy="6858000"/>
-          </a:xfrm>
-          <a:prstGeom prst="rect">
-            <a:avLst/>
-          </a:prstGeom>
-        </p:spPr>
-      </p:pic>
-      <p:pic>
-        <p:nvPicPr>
-          <p:cNvPr id="5" name="Picture 4"/>
-          <p:cNvPicPr>
-            <a:picLocks noChangeAspect="1"/>
-          </p:cNvPicPr>
-          <p:nvPr/>
-        </p:nvPicPr>
-        <p:blipFill>
-          <a:blip r:embed="rId3"/>
-          <a:srcRect b="-1118"/>
-          <a:stretch>
-            <a:fillRect/>
-          </a:stretch>
-        </p:blipFill>
-        <p:spPr>
-          <a:xfrm>
-            <a:off x="2988232" y="165100"/>
-            <a:ext cx="3167536" cy="5880100"/>
-          </a:xfrm>
-          <a:prstGeom prst="rect">
-            <a:avLst/>
-          </a:prstGeom>
-        </p:spPr>
-      </p:pic>
-      <p:pic>
-        <p:nvPicPr>
-          <p:cNvPr id="7" name="Picture 6" descr="nudgeSMS_welcome_iphone.png"/>
-          <p:cNvPicPr>
-            <a:picLocks noChangeAspect="1"/>
-          </p:cNvPicPr>
-          <p:nvPr/>
-        </p:nvPicPr>
-        <p:blipFill>
-          <a:blip r:embed="rId4"/>
-          <a:stretch>
-            <a:fillRect/>
-          </a:stretch>
-        </p:blipFill>
-        <p:spPr>
-          <a:xfrm>
-            <a:off x="3243792" y="1044286"/>
-            <a:ext cx="2656416" cy="4119169"/>
-          </a:xfrm>
-          <a:prstGeom prst="rect">
-            <a:avLst/>
-          </a:prstGeom>
-        </p:spPr>
-      </p:pic>
-      <p:grpSp>
-        <p:nvGrpSpPr>
-          <p:cNvPr id="2" name="Group 5"/>
-          <p:cNvGrpSpPr/>
-          <p:nvPr/>
-        </p:nvGrpSpPr>
-        <p:grpSpPr>
-          <a:xfrm>
-            <a:off x="0" y="255369"/>
-            <a:ext cx="3440545" cy="455834"/>
-            <a:chOff x="3168092" y="6414869"/>
-            <a:chExt cx="3440545" cy="455834"/>
-          </a:xfrm>
-        </p:grpSpPr>
-        <p:sp>
-          <p:nvSpPr>
-            <p:cNvPr id="8" name="Rectangle 7"/>
-            <p:cNvSpPr/>
-            <p:nvPr/>
-          </p:nvSpPr>
-          <p:spPr>
-            <a:xfrm rot="5400000">
-              <a:off x="4375149" y="5492753"/>
-              <a:ext cx="406401" cy="2349500"/>
-            </a:xfrm>
-            <a:prstGeom prst="rect">
-              <a:avLst/>
-            </a:prstGeom>
-            <a:solidFill>
-              <a:schemeClr val="tx2">
-                <a:lumMod val="50000"/>
-              </a:schemeClr>
-            </a:solidFill>
-            <a:ln>
-              <a:noFill/>
-            </a:ln>
-            <a:effectLst/>
-          </p:spPr>
-          <p:style>
-            <a:lnRef idx="1">
-              <a:schemeClr val="accent1"/>
-            </a:lnRef>
-            <a:fillRef idx="3">
-              <a:schemeClr val="accent1"/>
-            </a:fillRef>
-            <a:effectRef idx="2">
-              <a:schemeClr val="accent1"/>
-            </a:effectRef>
-            <a:fontRef idx="minor">
-              <a:schemeClr val="lt1"/>
-            </a:fontRef>
-          </p:style>
-          <p:txBody>
-            <a:bodyPr rtlCol="0" anchor="ctr"/>
-            <a:lstStyle/>
-            <a:p>
-              <a:pPr algn="ctr"/>
-              <a:endParaRPr lang="en-US">
-                <a:latin typeface="Avenir Book"/>
-                <a:cs typeface="Avenir Book"/>
-              </a:endParaRPr>
-            </a:p>
-          </p:txBody>
-        </p:sp>
-        <p:pic>
-          <p:nvPicPr>
-            <p:cNvPr id="9" name="Picture 8" descr="noun_327_cc.png"/>
-            <p:cNvPicPr>
-              <a:picLocks noChangeAspect="1"/>
-            </p:cNvPicPr>
-            <p:nvPr/>
-          </p:nvPicPr>
-          <p:blipFill>
-            <a:blip r:embed="rId5">
-              <a:lum bright="100000" contrast="-70000"/>
-            </a:blip>
-            <a:srcRect t="17845" b="31313"/>
-            <a:stretch>
-              <a:fillRect/>
-            </a:stretch>
-          </p:blipFill>
-          <p:spPr>
-            <a:xfrm>
-              <a:off x="3533542" y="6515100"/>
-              <a:ext cx="538337" cy="273700"/>
-            </a:xfrm>
-            <a:prstGeom prst="rect">
-              <a:avLst/>
-            </a:prstGeom>
-          </p:spPr>
-        </p:pic>
-        <p:sp>
-          <p:nvSpPr>
-            <p:cNvPr id="10" name="TextBox 9"/>
-            <p:cNvSpPr txBox="1"/>
-            <p:nvPr/>
-          </p:nvSpPr>
-          <p:spPr>
-            <a:xfrm>
-              <a:off x="3168092" y="6414869"/>
-              <a:ext cx="3440545" cy="400110"/>
-            </a:xfrm>
-            <a:prstGeom prst="rect">
-              <a:avLst/>
-            </a:prstGeom>
-            <a:noFill/>
-          </p:spPr>
-          <p:txBody>
-            <a:bodyPr wrap="square" rtlCol="0">
-              <a:spAutoFit/>
-            </a:bodyPr>
-            <a:lstStyle/>
-            <a:p>
-              <a:pPr algn="ctr"/>
-              <a:r>
-                <a:rPr lang="en-US" sz="2000" dirty="0" err="1" smtClean="0">
-                  <a:solidFill>
-                    <a:srgbClr val="FFFFFF"/>
-                  </a:solidFill>
-                  <a:latin typeface="Avenir Black"/>
-                  <a:cs typeface="Avenir Black"/>
-                </a:rPr>
-                <a:t>NudgeSMS</a:t>
-              </a:r>
-              <a:endParaRPr lang="en-US" sz="2000" dirty="0">
-                <a:solidFill>
-                  <a:srgbClr val="FFFFFF"/>
-                </a:solidFill>
-                <a:latin typeface="Avenir Black"/>
-                <a:cs typeface="Avenir Black"/>
-              </a:endParaRPr>
-            </a:p>
-          </p:txBody>
-        </p:sp>
-      </p:grpSp>
-    </p:spTree>
-  </p:cSld>
-  <p:clrMapOvr>
-    <a:masterClrMapping/>
-  </p:clrMapOvr>
-  <p:timing>
-    <p:tnLst>
-      <p:par>
-        <p:cTn id="1" dur="indefinite" restart="never" nodeType="tmRoot"/>
-      </p:par>
-    </p:tnLst>
-  </p:timing>
-</p:sld>
-</file>
-
-<file path=ppt/slides/slide9.xml><?xml version="1.0" encoding="utf-8"?>
-<p:sld xmlns:a="http://schemas.openxmlformats.org/drawingml/2006/main" xmlns:r="http://schemas.openxmlformats.org/officeDocument/2006/relationships" xmlns:mc="http://schemas.openxmlformats.org/markup-compatibility/2006" xmlns:mv="urn:schemas-microsoft-com:mac:vml" xmlns:p="http://schemas.openxmlformats.org/presentationml/2006/main" mc:Ignorable="mv" mc:PreserveAttributes="mv:*">
-  <p:cSld>
-    <p:spTree>
-      <p:nvGrpSpPr>
-        <p:cNvPr id="1" name=""/>
-        <p:cNvGrpSpPr/>
-        <p:nvPr/>
-      </p:nvGrpSpPr>
-      <p:grpSpPr>
-        <a:xfrm>
-          <a:off x="0" y="0"/>
-          <a:ext cx="0" cy="0"/>
-          <a:chOff x="0" y="0"/>
-          <a:chExt cx="0" cy="0"/>
-        </a:xfrm>
-      </p:grpSpPr>
-      <p:sp>
-        <p:nvSpPr>
-          <p:cNvPr id="7" name="Rectangle 6"/>
-          <p:cNvSpPr/>
-          <p:nvPr/>
-        </p:nvSpPr>
-        <p:spPr>
-          <a:xfrm>
-            <a:off x="958272" y="1166085"/>
-            <a:ext cx="4572000" cy="646331"/>
-          </a:xfrm>
-          <a:prstGeom prst="rect">
-            <a:avLst/>
-          </a:prstGeom>
-        </p:spPr>
-        <p:txBody>
-          <a:bodyPr>
+        <p:txBody>
+          <a:bodyPr wrap="square">
             <a:spAutoFit/>
           </a:bodyPr>
           <a:lstStyle/>
           <a:p>
-            <a:r>
-              <a:rPr lang="en-US" dirty="0" smtClean="0"/>
-              <a:t>Icons made by </a:t>
-            </a:r>
-            <a:r>
-              <a:rPr lang="en-US" dirty="0" err="1" smtClean="0"/>
-              <a:t>Freepik</a:t>
-            </a:r>
-            <a:r>
-              <a:rPr lang="en-US" dirty="0" smtClean="0"/>
-              <a:t> from </a:t>
-            </a:r>
-            <a:r>
-              <a:rPr lang="en-US" dirty="0" err="1" smtClean="0"/>
-              <a:t>www.flaticon.com</a:t>
-            </a:r>
-            <a:r>
-              <a:rPr lang="en-US" dirty="0" smtClean="0"/>
-              <a:t> is licensed CC BY 3.0</a:t>
-            </a:r>
-            <a:endParaRPr lang="en-US" dirty="0"/>
-          </a:p>
-        </p:txBody>
-      </p:sp>
-      <p:sp>
-        <p:nvSpPr>
-          <p:cNvPr id="8" name="TextBox 7"/>
-          <p:cNvSpPr txBox="1"/>
-          <p:nvPr/>
-        </p:nvSpPr>
-        <p:spPr>
-          <a:xfrm>
-            <a:off x="0" y="161630"/>
-            <a:ext cx="9144000" cy="646331"/>
-          </a:xfrm>
-          <a:prstGeom prst="rect">
-            <a:avLst/>
-          </a:prstGeom>
-          <a:noFill/>
-        </p:spPr>
-        <p:txBody>
-          <a:bodyPr wrap="square" rtlCol="0">
-            <a:spAutoFit/>
-          </a:bodyPr>
-          <a:lstStyle/>
-          <a:p>
             <a:pPr algn="ctr"/>
             <a:r>
-              <a:rPr lang="en-US" sz="3600" dirty="0" smtClean="0">
-                <a:latin typeface="Avenir Black"/>
-                <a:cs typeface="Avenir Black"/>
+              <a:rPr lang="en-US" sz="4800" dirty="0" smtClean="0">
+                <a:latin typeface="Avenir Light"/>
+                <a:cs typeface="Avenir Light"/>
               </a:rPr>
-              <a:t>Credits</a:t>
-            </a:r>
-            <a:endParaRPr lang="en-US" sz="3600" dirty="0">
-              <a:latin typeface="Avenir Black"/>
-              <a:cs typeface="Avenir Black"/>
+              <a:t>How does it work?</a:t>
+            </a:r>
+            <a:endParaRPr lang="en-US" sz="4800" dirty="0">
+              <a:latin typeface="Avenir Light"/>
+              <a:cs typeface="Avenir Light"/>
             </a:endParaRPr>
-          </a:p>
-        </p:txBody>
-      </p:sp>
-      <p:sp>
-        <p:nvSpPr>
-          <p:cNvPr id="4" name="Rectangle 3"/>
-          <p:cNvSpPr/>
-          <p:nvPr/>
-        </p:nvSpPr>
-        <p:spPr>
-          <a:xfrm>
-            <a:off x="958272" y="2136124"/>
-            <a:ext cx="4572000" cy="646331"/>
-          </a:xfrm>
-          <a:prstGeom prst="rect">
-            <a:avLst/>
-          </a:prstGeom>
-        </p:spPr>
-        <p:txBody>
-          <a:bodyPr>
-            <a:spAutoFit/>
-          </a:bodyPr>
-          <a:lstStyle/>
-          <a:p>
-            <a:r>
-              <a:rPr lang="en-US" dirty="0" smtClean="0"/>
-              <a:t>Plug</a:t>
-            </a:r>
-            <a:r>
-              <a:rPr lang="en-US" dirty="0" smtClean="0"/>
-              <a:t>-</a:t>
-            </a:r>
-            <a:r>
-              <a:rPr lang="en-US" dirty="0" smtClean="0"/>
-              <a:t>In icon </a:t>
-            </a:r>
-            <a:r>
-              <a:rPr lang="en-US" dirty="0" smtClean="0"/>
-              <a:t>by Edward Boatman from the Noun Project</a:t>
-            </a:r>
-            <a:endParaRPr lang="en-US" dirty="0"/>
-          </a:p>
-        </p:txBody>
-      </p:sp>
-      <p:sp>
-        <p:nvSpPr>
-          <p:cNvPr id="5" name="Rectangle 4"/>
-          <p:cNvSpPr/>
-          <p:nvPr/>
-        </p:nvSpPr>
-        <p:spPr>
-          <a:xfrm>
-            <a:off x="958272" y="3232942"/>
-            <a:ext cx="4572000" cy="646331"/>
-          </a:xfrm>
-          <a:prstGeom prst="rect">
-            <a:avLst/>
-          </a:prstGeom>
-        </p:spPr>
-        <p:txBody>
-          <a:bodyPr>
-            <a:spAutoFit/>
-          </a:bodyPr>
-          <a:lstStyle/>
-          <a:p>
-            <a:r>
-              <a:rPr lang="en-US" dirty="0" smtClean="0"/>
-              <a:t>Smartphone by Martin Jordan from the Noun Project</a:t>
-            </a:r>
-            <a:endParaRPr lang="en-US" dirty="0"/>
           </a:p>
         </p:txBody>
       </p:sp>
       <p:grpSp>
         <p:nvGrpSpPr>
-          <p:cNvPr id="9" name="Group 8"/>
+          <p:cNvPr id="2" name="Group 8"/>
           <p:cNvGrpSpPr/>
           <p:nvPr/>
         </p:nvGrpSpPr>
@@ -7942,6 +9996,371 @@
   <p:clrMapOvr>
     <a:masterClrMapping/>
   </p:clrMapOvr>
+  <p:transition/>
+  <p:timing>
+    <p:tnLst>
+      <p:par>
+        <p:cTn id="1" dur="indefinite" restart="never" nodeType="tmRoot"/>
+      </p:par>
+    </p:tnLst>
+  </p:timing>
+</p:sld>
+</file>
+
+<file path=ppt/slides/slide9.xml><?xml version="1.0" encoding="utf-8"?>
+<p:sld xmlns:a="http://schemas.openxmlformats.org/drawingml/2006/main" xmlns:r="http://schemas.openxmlformats.org/officeDocument/2006/relationships" xmlns:mc="http://schemas.openxmlformats.org/markup-compatibility/2006" xmlns:mv="urn:schemas-microsoft-com:mac:vml" xmlns:p="http://schemas.openxmlformats.org/presentationml/2006/main" mc:Ignorable="mv" mc:PreserveAttributes="mv:*" show="0">
+  <p:cSld>
+    <p:spTree>
+      <p:nvGrpSpPr>
+        <p:cNvPr id="1" name=""/>
+        <p:cNvGrpSpPr/>
+        <p:nvPr/>
+      </p:nvGrpSpPr>
+      <p:grpSpPr>
+        <a:xfrm>
+          <a:off x="0" y="0"/>
+          <a:ext cx="0" cy="0"/>
+          <a:chOff x="0" y="0"/>
+          <a:chExt cx="0" cy="0"/>
+        </a:xfrm>
+      </p:grpSpPr>
+      <p:pic>
+        <p:nvPicPr>
+          <p:cNvPr id="4" name="Picture 3" descr="blue-background.png"/>
+          <p:cNvPicPr>
+            <a:picLocks noChangeAspect="1"/>
+          </p:cNvPicPr>
+          <p:nvPr/>
+        </p:nvPicPr>
+        <p:blipFill>
+          <a:blip r:embed="rId2"/>
+          <a:stretch>
+            <a:fillRect/>
+          </a:stretch>
+        </p:blipFill>
+        <p:spPr>
+          <a:xfrm>
+            <a:off x="-1" y="0"/>
+            <a:ext cx="9144001" cy="6858000"/>
+          </a:xfrm>
+          <a:prstGeom prst="rect">
+            <a:avLst/>
+          </a:prstGeom>
+        </p:spPr>
+      </p:pic>
+      <p:grpSp>
+        <p:nvGrpSpPr>
+          <p:cNvPr id="8" name="Group 7"/>
+          <p:cNvGrpSpPr/>
+          <p:nvPr/>
+        </p:nvGrpSpPr>
+        <p:grpSpPr>
+          <a:xfrm>
+            <a:off x="2988232" y="61603"/>
+            <a:ext cx="3167536" cy="6734793"/>
+            <a:chOff x="3287525" y="123207"/>
+            <a:chExt cx="3167536" cy="6734793"/>
+          </a:xfrm>
+        </p:grpSpPr>
+        <p:pic>
+          <p:nvPicPr>
+            <p:cNvPr id="5" name="Picture 4"/>
+            <p:cNvPicPr>
+              <a:picLocks noChangeAspect="1"/>
+            </p:cNvPicPr>
+            <p:nvPr/>
+          </p:nvPicPr>
+          <p:blipFill>
+            <a:blip r:embed="rId3"/>
+            <a:srcRect b="-1118"/>
+            <a:stretch>
+              <a:fillRect/>
+            </a:stretch>
+          </p:blipFill>
+          <p:spPr>
+            <a:xfrm>
+              <a:off x="3287525" y="123207"/>
+              <a:ext cx="3167536" cy="6734793"/>
+            </a:xfrm>
+            <a:prstGeom prst="rect">
+              <a:avLst/>
+            </a:prstGeom>
+          </p:spPr>
+        </p:pic>
+        <p:pic>
+          <p:nvPicPr>
+            <p:cNvPr id="7" name="Picture 6" descr="nudgeSMS_welcome_iphone.png"/>
+            <p:cNvPicPr>
+              <a:picLocks noChangeAspect="1"/>
+            </p:cNvPicPr>
+            <p:nvPr/>
+          </p:nvPicPr>
+          <p:blipFill>
+            <a:blip r:embed="rId4"/>
+            <a:stretch>
+              <a:fillRect/>
+            </a:stretch>
+          </p:blipFill>
+          <p:spPr>
+            <a:xfrm>
+              <a:off x="3523910" y="1079500"/>
+              <a:ext cx="2694767" cy="4781550"/>
+            </a:xfrm>
+            <a:prstGeom prst="rect">
+              <a:avLst/>
+            </a:prstGeom>
+          </p:spPr>
+        </p:pic>
+      </p:grpSp>
+      <p:grpSp>
+        <p:nvGrpSpPr>
+          <p:cNvPr id="9" name="Group 8"/>
+          <p:cNvGrpSpPr/>
+          <p:nvPr/>
+        </p:nvGrpSpPr>
+        <p:grpSpPr>
+          <a:xfrm>
+            <a:off x="6261100" y="280769"/>
+            <a:ext cx="3440545" cy="455834"/>
+            <a:chOff x="3168092" y="6414869"/>
+            <a:chExt cx="3440545" cy="455834"/>
+          </a:xfrm>
+        </p:grpSpPr>
+        <p:sp>
+          <p:nvSpPr>
+            <p:cNvPr id="10" name="Rectangle 9"/>
+            <p:cNvSpPr/>
+            <p:nvPr/>
+          </p:nvSpPr>
+          <p:spPr>
+            <a:xfrm rot="5400000">
+              <a:off x="4375149" y="5492753"/>
+              <a:ext cx="406401" cy="2349500"/>
+            </a:xfrm>
+            <a:prstGeom prst="rect">
+              <a:avLst/>
+            </a:prstGeom>
+            <a:solidFill>
+              <a:schemeClr val="tx2">
+                <a:lumMod val="50000"/>
+              </a:schemeClr>
+            </a:solidFill>
+            <a:ln>
+              <a:noFill/>
+            </a:ln>
+            <a:effectLst/>
+          </p:spPr>
+          <p:style>
+            <a:lnRef idx="1">
+              <a:schemeClr val="accent1"/>
+            </a:lnRef>
+            <a:fillRef idx="3">
+              <a:schemeClr val="accent1"/>
+            </a:fillRef>
+            <a:effectRef idx="2">
+              <a:schemeClr val="accent1"/>
+            </a:effectRef>
+            <a:fontRef idx="minor">
+              <a:schemeClr val="lt1"/>
+            </a:fontRef>
+          </p:style>
+          <p:txBody>
+            <a:bodyPr rtlCol="0" anchor="ctr"/>
+            <a:lstStyle/>
+            <a:p>
+              <a:pPr algn="ctr"/>
+              <a:endParaRPr lang="en-US">
+                <a:latin typeface="Avenir Book"/>
+                <a:cs typeface="Avenir Book"/>
+              </a:endParaRPr>
+            </a:p>
+          </p:txBody>
+        </p:sp>
+        <p:pic>
+          <p:nvPicPr>
+            <p:cNvPr id="11" name="Picture 10" descr="noun_327_cc.png"/>
+            <p:cNvPicPr>
+              <a:picLocks noChangeAspect="1"/>
+            </p:cNvPicPr>
+            <p:nvPr/>
+          </p:nvPicPr>
+          <p:blipFill>
+            <a:blip r:embed="rId5">
+              <a:lum bright="100000" contrast="-70000"/>
+            </a:blip>
+            <a:srcRect t="17845" b="31313"/>
+            <a:stretch>
+              <a:fillRect/>
+            </a:stretch>
+          </p:blipFill>
+          <p:spPr>
+            <a:xfrm>
+              <a:off x="3533542" y="6515100"/>
+              <a:ext cx="538337" cy="273700"/>
+            </a:xfrm>
+            <a:prstGeom prst="rect">
+              <a:avLst/>
+            </a:prstGeom>
+          </p:spPr>
+        </p:pic>
+        <p:sp>
+          <p:nvSpPr>
+            <p:cNvPr id="12" name="TextBox 11"/>
+            <p:cNvSpPr txBox="1"/>
+            <p:nvPr/>
+          </p:nvSpPr>
+          <p:spPr>
+            <a:xfrm>
+              <a:off x="3168092" y="6414869"/>
+              <a:ext cx="3440545" cy="400110"/>
+            </a:xfrm>
+            <a:prstGeom prst="rect">
+              <a:avLst/>
+            </a:prstGeom>
+            <a:noFill/>
+          </p:spPr>
+          <p:txBody>
+            <a:bodyPr wrap="square" rtlCol="0">
+              <a:spAutoFit/>
+            </a:bodyPr>
+            <a:lstStyle/>
+            <a:p>
+              <a:pPr algn="ctr"/>
+              <a:r>
+                <a:rPr lang="en-US" sz="2000" dirty="0" err="1" smtClean="0">
+                  <a:solidFill>
+                    <a:srgbClr val="FFFFFF"/>
+                  </a:solidFill>
+                  <a:latin typeface="Avenir Black"/>
+                  <a:cs typeface="Avenir Black"/>
+                </a:rPr>
+                <a:t>NudgeSMS</a:t>
+              </a:r>
+              <a:endParaRPr lang="en-US" sz="2000" dirty="0">
+                <a:solidFill>
+                  <a:srgbClr val="FFFFFF"/>
+                </a:solidFill>
+                <a:latin typeface="Avenir Black"/>
+                <a:cs typeface="Avenir Black"/>
+              </a:endParaRPr>
+            </a:p>
+          </p:txBody>
+        </p:sp>
+      </p:grpSp>
+      <p:grpSp>
+        <p:nvGrpSpPr>
+          <p:cNvPr id="14" name="Group 13"/>
+          <p:cNvGrpSpPr/>
+          <p:nvPr/>
+        </p:nvGrpSpPr>
+        <p:grpSpPr>
+          <a:xfrm>
+            <a:off x="0" y="331569"/>
+            <a:ext cx="2806700" cy="455834"/>
+            <a:chOff x="3168093" y="6414869"/>
+            <a:chExt cx="2806700" cy="455834"/>
+          </a:xfrm>
+        </p:grpSpPr>
+        <p:sp>
+          <p:nvSpPr>
+            <p:cNvPr id="15" name="Rectangle 14"/>
+            <p:cNvSpPr/>
+            <p:nvPr/>
+          </p:nvSpPr>
+          <p:spPr>
+            <a:xfrm rot="5400000">
+              <a:off x="4375149" y="5492753"/>
+              <a:ext cx="406401" cy="2349500"/>
+            </a:xfrm>
+            <a:prstGeom prst="rect">
+              <a:avLst/>
+            </a:prstGeom>
+            <a:solidFill>
+              <a:schemeClr val="tx2">
+                <a:lumMod val="50000"/>
+              </a:schemeClr>
+            </a:solidFill>
+            <a:ln>
+              <a:noFill/>
+            </a:ln>
+            <a:effectLst/>
+          </p:spPr>
+          <p:style>
+            <a:lnRef idx="1">
+              <a:schemeClr val="accent1"/>
+            </a:lnRef>
+            <a:fillRef idx="3">
+              <a:schemeClr val="accent1"/>
+            </a:fillRef>
+            <a:effectRef idx="2">
+              <a:schemeClr val="accent1"/>
+            </a:effectRef>
+            <a:fontRef idx="minor">
+              <a:schemeClr val="lt1"/>
+            </a:fontRef>
+          </p:style>
+          <p:txBody>
+            <a:bodyPr rtlCol="0" anchor="ctr"/>
+            <a:lstStyle/>
+            <a:p>
+              <a:pPr algn="ctr"/>
+              <a:endParaRPr lang="en-US">
+                <a:latin typeface="Avenir Book"/>
+                <a:cs typeface="Avenir Book"/>
+              </a:endParaRPr>
+            </a:p>
+          </p:txBody>
+        </p:sp>
+        <p:sp>
+          <p:nvSpPr>
+            <p:cNvPr id="17" name="TextBox 16"/>
+            <p:cNvSpPr txBox="1"/>
+            <p:nvPr/>
+          </p:nvSpPr>
+          <p:spPr>
+            <a:xfrm>
+              <a:off x="3168093" y="6414869"/>
+              <a:ext cx="2806700" cy="400110"/>
+            </a:xfrm>
+            <a:prstGeom prst="rect">
+              <a:avLst/>
+            </a:prstGeom>
+            <a:noFill/>
+          </p:spPr>
+          <p:txBody>
+            <a:bodyPr wrap="square" rtlCol="0">
+              <a:spAutoFit/>
+            </a:bodyPr>
+            <a:lstStyle/>
+            <a:p>
+              <a:pPr algn="ctr"/>
+              <a:r>
+                <a:rPr lang="en-US" sz="2000" dirty="0" smtClean="0">
+                  <a:solidFill>
+                    <a:srgbClr val="FFFFFF"/>
+                  </a:solidFill>
+                  <a:latin typeface="Avenir Black"/>
+                  <a:cs typeface="Avenir Black"/>
+                </a:rPr>
+                <a:t>Step 1: Register</a:t>
+              </a:r>
+              <a:endParaRPr lang="en-US" sz="2000" dirty="0">
+                <a:solidFill>
+                  <a:srgbClr val="FFFFFF"/>
+                </a:solidFill>
+                <a:latin typeface="Avenir Black"/>
+                <a:cs typeface="Avenir Black"/>
+              </a:endParaRPr>
+            </a:p>
+          </p:txBody>
+        </p:sp>
+      </p:grpSp>
+    </p:spTree>
+  </p:cSld>
+  <p:clrMapOvr>
+    <a:masterClrMapping/>
+  </p:clrMapOvr>
+  <p:transition/>
   <p:timing>
     <p:tnLst>
       <p:par>

--- a/presentation_files/DemoPresentation.pptx
+++ b/presentation_files/DemoPresentation.pptx
@@ -5093,14 +5093,21 @@
                 <a:latin typeface="Avenir Light"/>
                 <a:cs typeface="Avenir Light"/>
               </a:rPr>
-              <a:t>Text </a:t>
+              <a:t>Text</a:t>
+            </a:r>
+            <a:r>
+              <a:rPr lang="en-US" sz="4900" dirty="0" smtClean="0">
+                <a:latin typeface="Avenir Light"/>
+                <a:cs typeface="Avenir Light"/>
+              </a:rPr>
+              <a:t> </a:t>
             </a:r>
             <a:r>
               <a:rPr lang="en-US" sz="4900" b="1" dirty="0" smtClean="0">
                 <a:latin typeface="Avenir Light"/>
                 <a:cs typeface="Avenir Light"/>
               </a:rPr>
-              <a:t>1267920</a:t>
+              <a:t>11888</a:t>
             </a:r>
             <a:endParaRPr lang="en-US" sz="4900" dirty="0">
               <a:latin typeface="Avenir Light"/>
@@ -5142,7 +5149,14 @@
                 <a:latin typeface="Avenir Light"/>
                 <a:cs typeface="Avenir Light"/>
               </a:rPr>
-              <a:t>760) 452 -8549</a:t>
+              <a:t>760) 452 -</a:t>
+            </a:r>
+            <a:r>
+              <a:rPr lang="en-US" sz="4900" b="1" dirty="0" smtClean="0">
+                <a:latin typeface="Avenir Light"/>
+                <a:cs typeface="Avenir Light"/>
+              </a:rPr>
+              <a:t>8548</a:t>
             </a:r>
             <a:endParaRPr lang="en-US" sz="4900" dirty="0">
               <a:latin typeface="Avenir Light"/>
